--- a/SRS/SlideShow4.pptx
+++ b/SRS/SlideShow4.pptx
@@ -113,7 +113,7 @@
   </p:defaultTextStyle>
   <p:extLst>
     <p:ext uri="{EFAFB233-063F-42B5-8137-9DF3F51BA10A}">
-      <p15:sldGuideLst xmlns:p15="http://schemas.microsoft.com/office/powerpoint/2012/main" xmlns="">
+      <p15:sldGuideLst xmlns="" xmlns:p15="http://schemas.microsoft.com/office/powerpoint/2012/main">
         <p15:guide id="1" orient="horz" pos="2160">
           <p15:clr>
             <a:srgbClr val="A4A3A4"/>
@@ -7725,10 +7725,10 @@
           <p:cNvPr id="8" name="Rectangle 7">
             <a:extLst>
               <a:ext uri="{FF2B5EF4-FFF2-40B4-BE49-F238E27FC236}">
-                <a16:creationId xmlns:a16="http://schemas.microsoft.com/office/drawing/2014/main" xmlns="" id="{F81819F9-8CAC-4A6C-8F06-0482027F9736}"/>
+                <a16:creationId xmlns="" xmlns:a16="http://schemas.microsoft.com/office/drawing/2014/main" id="{F81819F9-8CAC-4A6C-8F06-0482027F9736}"/>
               </a:ext>
               <a:ext uri="{C183D7F6-B498-43B3-948B-1728B52AA6E4}">
-                <adec:decorative xmlns:adec="http://schemas.microsoft.com/office/drawing/2017/decorative" xmlns="" val="1"/>
+                <adec:decorative xmlns="" xmlns:adec="http://schemas.microsoft.com/office/drawing/2017/decorative" val="1"/>
               </a:ext>
             </a:extLst>
           </p:cNvPr>
@@ -7738,7 +7738,7 @@
           <p:nvPr>
             <p:extLst>
               <p:ext uri="{386F3935-93C4-4BCD-93E2-E3B085C9AB24}">
-                <p16:designElem xmlns:p16="http://schemas.microsoft.com/office/powerpoint/2015/main" xmlns="" val="1"/>
+                <p16:designElem xmlns="" xmlns:p16="http://schemas.microsoft.com/office/powerpoint/2015/main" val="1"/>
               </p:ext>
             </p:extLst>
           </p:nvPr>
@@ -7785,7 +7785,7 @@
           <p:cNvPr id="2" name="Title 1">
             <a:extLst>
               <a:ext uri="{FF2B5EF4-FFF2-40B4-BE49-F238E27FC236}">
-                <a16:creationId xmlns:a16="http://schemas.microsoft.com/office/drawing/2014/main" xmlns="" id="{ACCA312D-3828-4024-9CA0-545EE469B88F}"/>
+                <a16:creationId xmlns="" xmlns:a16="http://schemas.microsoft.com/office/drawing/2014/main" id="{ACCA312D-3828-4024-9CA0-545EE469B88F}"/>
               </a:ext>
             </a:extLst>
           </p:cNvPr>
@@ -7872,7 +7872,7 @@
           <p:cNvPr id="3" name="Subtitle 2">
             <a:extLst>
               <a:ext uri="{FF2B5EF4-FFF2-40B4-BE49-F238E27FC236}">
-                <a16:creationId xmlns:a16="http://schemas.microsoft.com/office/drawing/2014/main" xmlns="" id="{C7503EA1-3526-455A-926A-3FC10C2110C2}"/>
+                <a16:creationId xmlns="" xmlns:a16="http://schemas.microsoft.com/office/drawing/2014/main" id="{C7503EA1-3526-455A-926A-3FC10C2110C2}"/>
               </a:ext>
             </a:extLst>
           </p:cNvPr>
@@ -7917,10 +7917,10 @@
           <p:cNvPr id="10" name="Rectangle 9">
             <a:extLst>
               <a:ext uri="{FF2B5EF4-FFF2-40B4-BE49-F238E27FC236}">
-                <a16:creationId xmlns:a16="http://schemas.microsoft.com/office/drawing/2014/main" xmlns="" id="{4A98CC08-AEC2-4E8F-8F52-0F5C6372DB4F}"/>
+                <a16:creationId xmlns="" xmlns:a16="http://schemas.microsoft.com/office/drawing/2014/main" id="{4A98CC08-AEC2-4E8F-8F52-0F5C6372DB4F}"/>
               </a:ext>
               <a:ext uri="{C183D7F6-B498-43B3-948B-1728B52AA6E4}">
-                <adec:decorative xmlns:adec="http://schemas.microsoft.com/office/drawing/2017/decorative" xmlns="" val="1"/>
+                <adec:decorative xmlns="" xmlns:adec="http://schemas.microsoft.com/office/drawing/2017/decorative" val="1"/>
               </a:ext>
             </a:extLst>
           </p:cNvPr>
@@ -7930,7 +7930,7 @@
           <p:nvPr>
             <p:extLst>
               <p:ext uri="{386F3935-93C4-4BCD-93E2-E3B085C9AB24}">
-                <p16:designElem xmlns:p16="http://schemas.microsoft.com/office/powerpoint/2015/main" xmlns="" val="1"/>
+                <p16:designElem xmlns="" xmlns:p16="http://schemas.microsoft.com/office/powerpoint/2015/main" val="1"/>
               </p:ext>
             </p:extLst>
           </p:nvPr>
@@ -7980,10 +7980,10 @@
           <p:cNvPr id="12" name="Group 11">
             <a:extLst>
               <a:ext uri="{FF2B5EF4-FFF2-40B4-BE49-F238E27FC236}">
-                <a16:creationId xmlns:a16="http://schemas.microsoft.com/office/drawing/2014/main" xmlns="" id="{5D1545E6-EB3C-4478-A661-A2CA963F129C}"/>
+                <a16:creationId xmlns="" xmlns:a16="http://schemas.microsoft.com/office/drawing/2014/main" id="{5D1545E6-EB3C-4478-A661-A2CA963F129C}"/>
               </a:ext>
               <a:ext uri="{C183D7F6-B498-43B3-948B-1728B52AA6E4}">
-                <adec:decorative xmlns:adec="http://schemas.microsoft.com/office/drawing/2017/decorative" xmlns="" val="1"/>
+                <adec:decorative xmlns="" xmlns:adec="http://schemas.microsoft.com/office/drawing/2017/decorative" val="1"/>
               </a:ext>
             </a:extLst>
           </p:cNvPr>
@@ -7993,7 +7993,7 @@
           <p:nvPr>
             <p:extLst>
               <p:ext uri="{386F3935-93C4-4BCD-93E2-E3B085C9AB24}">
-                <p16:designElem xmlns:p16="http://schemas.microsoft.com/office/powerpoint/2015/main" xmlns="" val="1"/>
+                <p16:designElem xmlns="" xmlns:p16="http://schemas.microsoft.com/office/powerpoint/2015/main" val="1"/>
               </p:ext>
             </p:extLst>
           </p:nvPr>
@@ -8018,10 +8018,10 @@
             <p:cNvPr id="13" name="Freeform 11">
               <a:extLst>
                 <a:ext uri="{FF2B5EF4-FFF2-40B4-BE49-F238E27FC236}">
-                  <a16:creationId xmlns:a16="http://schemas.microsoft.com/office/drawing/2014/main" xmlns="" id="{B2E5B960-0C5D-4F77-8E9F-9F3D883D83C5}"/>
+                  <a16:creationId xmlns="" xmlns:a16="http://schemas.microsoft.com/office/drawing/2014/main" id="{B2E5B960-0C5D-4F77-8E9F-9F3D883D83C5}"/>
                 </a:ext>
                 <a:ext uri="{C183D7F6-B498-43B3-948B-1728B52AA6E4}">
-                  <adec:decorative xmlns:adec="http://schemas.microsoft.com/office/drawing/2017/decorative" xmlns="" val="1"/>
+                  <adec:decorative xmlns="" xmlns:adec="http://schemas.microsoft.com/office/drawing/2017/decorative" val="1"/>
                 </a:ext>
               </a:extLst>
             </p:cNvPr>
@@ -8029,7 +8029,7 @@
             <p:nvPr>
               <p:extLst>
                 <p:ext uri="{386F3935-93C4-4BCD-93E2-E3B085C9AB24}">
-                  <p16:designElem xmlns:p16="http://schemas.microsoft.com/office/powerpoint/2015/main" xmlns="" val="1"/>
+                  <p16:designElem xmlns="" xmlns:p16="http://schemas.microsoft.com/office/powerpoint/2015/main" val="1"/>
                 </p:ext>
               </p:extLst>
             </p:nvPr>
@@ -8090,10 +8090,10 @@
             <p:cNvPr id="14" name="Freeform 12">
               <a:extLst>
                 <a:ext uri="{FF2B5EF4-FFF2-40B4-BE49-F238E27FC236}">
-                  <a16:creationId xmlns:a16="http://schemas.microsoft.com/office/drawing/2014/main" xmlns="" id="{258E44FC-92AD-43A0-BB05-DB268C82D8B2}"/>
+                  <a16:creationId xmlns="" xmlns:a16="http://schemas.microsoft.com/office/drawing/2014/main" id="{258E44FC-92AD-43A0-BB05-DB268C82D8B2}"/>
                 </a:ext>
                 <a:ext uri="{C183D7F6-B498-43B3-948B-1728B52AA6E4}">
-                  <adec:decorative xmlns:adec="http://schemas.microsoft.com/office/drawing/2017/decorative" xmlns="" val="1"/>
+                  <adec:decorative xmlns="" xmlns:adec="http://schemas.microsoft.com/office/drawing/2017/decorative" val="1"/>
                 </a:ext>
               </a:extLst>
             </p:cNvPr>
@@ -8101,7 +8101,7 @@
             <p:nvPr>
               <p:extLst>
                 <p:ext uri="{386F3935-93C4-4BCD-93E2-E3B085C9AB24}">
-                  <p16:designElem xmlns:p16="http://schemas.microsoft.com/office/powerpoint/2015/main" xmlns="" val="1"/>
+                  <p16:designElem xmlns="" xmlns:p16="http://schemas.microsoft.com/office/powerpoint/2015/main" val="1"/>
                 </p:ext>
               </p:extLst>
             </p:nvPr>
@@ -8167,10 +8167,10 @@
             <p:cNvPr id="15" name="Freeform 13">
               <a:extLst>
                 <a:ext uri="{FF2B5EF4-FFF2-40B4-BE49-F238E27FC236}">
-                  <a16:creationId xmlns:a16="http://schemas.microsoft.com/office/drawing/2014/main" xmlns="" id="{C63D3083-A56C-4199-8DE0-63C8BE9EDFE9}"/>
+                  <a16:creationId xmlns="" xmlns:a16="http://schemas.microsoft.com/office/drawing/2014/main" id="{C63D3083-A56C-4199-8DE0-63C8BE9EDFE9}"/>
                 </a:ext>
                 <a:ext uri="{C183D7F6-B498-43B3-948B-1728B52AA6E4}">
-                  <adec:decorative xmlns:adec="http://schemas.microsoft.com/office/drawing/2017/decorative" xmlns="" val="1"/>
+                  <adec:decorative xmlns="" xmlns:adec="http://schemas.microsoft.com/office/drawing/2017/decorative" val="1"/>
                 </a:ext>
               </a:extLst>
             </p:cNvPr>
@@ -8178,7 +8178,7 @@
             <p:nvPr>
               <p:extLst>
                 <p:ext uri="{386F3935-93C4-4BCD-93E2-E3B085C9AB24}">
-                  <p16:designElem xmlns:p16="http://schemas.microsoft.com/office/powerpoint/2015/main" xmlns="" val="1"/>
+                  <p16:designElem xmlns="" xmlns:p16="http://schemas.microsoft.com/office/powerpoint/2015/main" val="1"/>
                 </p:ext>
               </p:extLst>
             </p:nvPr>
@@ -8249,10 +8249,10 @@
             <p:cNvPr id="16" name="Freeform 14">
               <a:extLst>
                 <a:ext uri="{FF2B5EF4-FFF2-40B4-BE49-F238E27FC236}">
-                  <a16:creationId xmlns:a16="http://schemas.microsoft.com/office/drawing/2014/main" xmlns="" id="{C7CD3581-635D-438F-A64F-68404E7AE0B8}"/>
+                  <a16:creationId xmlns="" xmlns:a16="http://schemas.microsoft.com/office/drawing/2014/main" id="{C7CD3581-635D-438F-A64F-68404E7AE0B8}"/>
                 </a:ext>
                 <a:ext uri="{C183D7F6-B498-43B3-948B-1728B52AA6E4}">
-                  <adec:decorative xmlns:adec="http://schemas.microsoft.com/office/drawing/2017/decorative" xmlns="" val="1"/>
+                  <adec:decorative xmlns="" xmlns:adec="http://schemas.microsoft.com/office/drawing/2017/decorative" val="1"/>
                 </a:ext>
               </a:extLst>
             </p:cNvPr>
@@ -8260,7 +8260,7 @@
             <p:nvPr>
               <p:extLst>
                 <p:ext uri="{386F3935-93C4-4BCD-93E2-E3B085C9AB24}">
-                  <p16:designElem xmlns:p16="http://schemas.microsoft.com/office/powerpoint/2015/main" xmlns="" val="1"/>
+                  <p16:designElem xmlns="" xmlns:p16="http://schemas.microsoft.com/office/powerpoint/2015/main" val="1"/>
                 </p:ext>
               </p:extLst>
             </p:nvPr>
@@ -8311,10 +8311,10 @@
             <p:cNvPr id="17" name="Freeform 15">
               <a:extLst>
                 <a:ext uri="{FF2B5EF4-FFF2-40B4-BE49-F238E27FC236}">
-                  <a16:creationId xmlns:a16="http://schemas.microsoft.com/office/drawing/2014/main" xmlns="" id="{AD6904C0-211C-41A2-BDB8-3B07C90BBB4C}"/>
+                  <a16:creationId xmlns="" xmlns:a16="http://schemas.microsoft.com/office/drawing/2014/main" id="{AD6904C0-211C-41A2-BDB8-3B07C90BBB4C}"/>
                 </a:ext>
                 <a:ext uri="{C183D7F6-B498-43B3-948B-1728B52AA6E4}">
-                  <adec:decorative xmlns:adec="http://schemas.microsoft.com/office/drawing/2017/decorative" xmlns="" val="1"/>
+                  <adec:decorative xmlns="" xmlns:adec="http://schemas.microsoft.com/office/drawing/2017/decorative" val="1"/>
                 </a:ext>
               </a:extLst>
             </p:cNvPr>
@@ -8322,7 +8322,7 @@
             <p:nvPr>
               <p:extLst>
                 <p:ext uri="{386F3935-93C4-4BCD-93E2-E3B085C9AB24}">
-                  <p16:designElem xmlns:p16="http://schemas.microsoft.com/office/powerpoint/2015/main" xmlns="" val="1"/>
+                  <p16:designElem xmlns="" xmlns:p16="http://schemas.microsoft.com/office/powerpoint/2015/main" val="1"/>
                 </p:ext>
               </p:extLst>
             </p:nvPr>
@@ -8408,10 +8408,10 @@
             <p:cNvPr id="18" name="Freeform 16">
               <a:extLst>
                 <a:ext uri="{FF2B5EF4-FFF2-40B4-BE49-F238E27FC236}">
-                  <a16:creationId xmlns:a16="http://schemas.microsoft.com/office/drawing/2014/main" xmlns="" id="{B0837DA6-CAF9-4E78-A39E-6358EDE2B108}"/>
+                  <a16:creationId xmlns="" xmlns:a16="http://schemas.microsoft.com/office/drawing/2014/main" id="{B0837DA6-CAF9-4E78-A39E-6358EDE2B108}"/>
                 </a:ext>
                 <a:ext uri="{C183D7F6-B498-43B3-948B-1728B52AA6E4}">
-                  <adec:decorative xmlns:adec="http://schemas.microsoft.com/office/drawing/2017/decorative" xmlns="" val="1"/>
+                  <adec:decorative xmlns="" xmlns:adec="http://schemas.microsoft.com/office/drawing/2017/decorative" val="1"/>
                 </a:ext>
               </a:extLst>
             </p:cNvPr>
@@ -8419,7 +8419,7 @@
             <p:nvPr>
               <p:extLst>
                 <p:ext uri="{386F3935-93C4-4BCD-93E2-E3B085C9AB24}">
-                  <p16:designElem xmlns:p16="http://schemas.microsoft.com/office/powerpoint/2015/main" xmlns="" val="1"/>
+                  <p16:designElem xmlns="" xmlns:p16="http://schemas.microsoft.com/office/powerpoint/2015/main" val="1"/>
                 </p:ext>
               </p:extLst>
             </p:nvPr>
@@ -8500,10 +8500,10 @@
             <p:cNvPr id="19" name="Freeform 17">
               <a:extLst>
                 <a:ext uri="{FF2B5EF4-FFF2-40B4-BE49-F238E27FC236}">
-                  <a16:creationId xmlns:a16="http://schemas.microsoft.com/office/drawing/2014/main" xmlns="" id="{0A99DD7D-3AB3-471E-842F-8AFEA09D07E4}"/>
+                  <a16:creationId xmlns="" xmlns:a16="http://schemas.microsoft.com/office/drawing/2014/main" id="{0A99DD7D-3AB3-471E-842F-8AFEA09D07E4}"/>
                 </a:ext>
                 <a:ext uri="{C183D7F6-B498-43B3-948B-1728B52AA6E4}">
-                  <adec:decorative xmlns:adec="http://schemas.microsoft.com/office/drawing/2017/decorative" xmlns="" val="1"/>
+                  <adec:decorative xmlns="" xmlns:adec="http://schemas.microsoft.com/office/drawing/2017/decorative" val="1"/>
                 </a:ext>
               </a:extLst>
             </p:cNvPr>
@@ -8511,7 +8511,7 @@
             <p:nvPr>
               <p:extLst>
                 <p:ext uri="{386F3935-93C4-4BCD-93E2-E3B085C9AB24}">
-                  <p16:designElem xmlns:p16="http://schemas.microsoft.com/office/powerpoint/2015/main" xmlns="" val="1"/>
+                  <p16:designElem xmlns="" xmlns:p16="http://schemas.microsoft.com/office/powerpoint/2015/main" val="1"/>
                 </p:ext>
               </p:extLst>
             </p:nvPr>
@@ -8572,10 +8572,10 @@
             <p:cNvPr id="20" name="Freeform 18">
               <a:extLst>
                 <a:ext uri="{FF2B5EF4-FFF2-40B4-BE49-F238E27FC236}">
-                  <a16:creationId xmlns:a16="http://schemas.microsoft.com/office/drawing/2014/main" xmlns="" id="{9C70B0D4-92FE-478F-86BD-93BA2C4DFCDC}"/>
+                  <a16:creationId xmlns="" xmlns:a16="http://schemas.microsoft.com/office/drawing/2014/main" id="{9C70B0D4-92FE-478F-86BD-93BA2C4DFCDC}"/>
                 </a:ext>
                 <a:ext uri="{C183D7F6-B498-43B3-948B-1728B52AA6E4}">
-                  <adec:decorative xmlns:adec="http://schemas.microsoft.com/office/drawing/2017/decorative" xmlns="" val="1"/>
+                  <adec:decorative xmlns="" xmlns:adec="http://schemas.microsoft.com/office/drawing/2017/decorative" val="1"/>
                 </a:ext>
               </a:extLst>
             </p:cNvPr>
@@ -8583,7 +8583,7 @@
             <p:nvPr>
               <p:extLst>
                 <p:ext uri="{386F3935-93C4-4BCD-93E2-E3B085C9AB24}">
-                  <p16:designElem xmlns:p16="http://schemas.microsoft.com/office/powerpoint/2015/main" xmlns="" val="1"/>
+                  <p16:designElem xmlns="" xmlns:p16="http://schemas.microsoft.com/office/powerpoint/2015/main" val="1"/>
                 </p:ext>
               </p:extLst>
             </p:nvPr>
@@ -8664,10 +8664,10 @@
             <p:cNvPr id="21" name="Freeform 19">
               <a:extLst>
                 <a:ext uri="{FF2B5EF4-FFF2-40B4-BE49-F238E27FC236}">
-                  <a16:creationId xmlns:a16="http://schemas.microsoft.com/office/drawing/2014/main" xmlns="" id="{C9156BE6-11D4-4696-9E3F-C325BFAC8196}"/>
+                  <a16:creationId xmlns="" xmlns:a16="http://schemas.microsoft.com/office/drawing/2014/main" id="{C9156BE6-11D4-4696-9E3F-C325BFAC8196}"/>
                 </a:ext>
                 <a:ext uri="{C183D7F6-B498-43B3-948B-1728B52AA6E4}">
-                  <adec:decorative xmlns:adec="http://schemas.microsoft.com/office/drawing/2017/decorative" xmlns="" val="1"/>
+                  <adec:decorative xmlns="" xmlns:adec="http://schemas.microsoft.com/office/drawing/2017/decorative" val="1"/>
                 </a:ext>
               </a:extLst>
             </p:cNvPr>
@@ -8675,7 +8675,7 @@
             <p:nvPr>
               <p:extLst>
                 <p:ext uri="{386F3935-93C4-4BCD-93E2-E3B085C9AB24}">
-                  <p16:designElem xmlns:p16="http://schemas.microsoft.com/office/powerpoint/2015/main" xmlns="" val="1"/>
+                  <p16:designElem xmlns="" xmlns:p16="http://schemas.microsoft.com/office/powerpoint/2015/main" val="1"/>
                 </p:ext>
               </p:extLst>
             </p:nvPr>
@@ -8791,10 +8791,10 @@
             <p:cNvPr id="22" name="Freeform 20">
               <a:extLst>
                 <a:ext uri="{FF2B5EF4-FFF2-40B4-BE49-F238E27FC236}">
-                  <a16:creationId xmlns:a16="http://schemas.microsoft.com/office/drawing/2014/main" xmlns="" id="{4E667226-1D20-4A9D-BBE3-AC17EA436F05}"/>
+                  <a16:creationId xmlns="" xmlns:a16="http://schemas.microsoft.com/office/drawing/2014/main" id="{4E667226-1D20-4A9D-BBE3-AC17EA436F05}"/>
                 </a:ext>
                 <a:ext uri="{C183D7F6-B498-43B3-948B-1728B52AA6E4}">
-                  <adec:decorative xmlns:adec="http://schemas.microsoft.com/office/drawing/2017/decorative" xmlns="" val="1"/>
+                  <adec:decorative xmlns="" xmlns:adec="http://schemas.microsoft.com/office/drawing/2017/decorative" val="1"/>
                 </a:ext>
               </a:extLst>
             </p:cNvPr>
@@ -8802,7 +8802,7 @@
             <p:nvPr>
               <p:extLst>
                 <p:ext uri="{386F3935-93C4-4BCD-93E2-E3B085C9AB24}">
-                  <p16:designElem xmlns:p16="http://schemas.microsoft.com/office/powerpoint/2015/main" xmlns="" val="1"/>
+                  <p16:designElem xmlns="" xmlns:p16="http://schemas.microsoft.com/office/powerpoint/2015/main" val="1"/>
                 </p:ext>
               </p:extLst>
             </p:nvPr>
@@ -8853,10 +8853,10 @@
             <p:cNvPr id="23" name="Freeform 21">
               <a:extLst>
                 <a:ext uri="{FF2B5EF4-FFF2-40B4-BE49-F238E27FC236}">
-                  <a16:creationId xmlns:a16="http://schemas.microsoft.com/office/drawing/2014/main" xmlns="" id="{2F87E3B6-5202-4434-9B26-42B46774F327}"/>
+                  <a16:creationId xmlns="" xmlns:a16="http://schemas.microsoft.com/office/drawing/2014/main" id="{2F87E3B6-5202-4434-9B26-42B46774F327}"/>
                 </a:ext>
                 <a:ext uri="{C183D7F6-B498-43B3-948B-1728B52AA6E4}">
-                  <adec:decorative xmlns:adec="http://schemas.microsoft.com/office/drawing/2017/decorative" xmlns="" val="1"/>
+                  <adec:decorative xmlns="" xmlns:adec="http://schemas.microsoft.com/office/drawing/2017/decorative" val="1"/>
                 </a:ext>
               </a:extLst>
             </p:cNvPr>
@@ -8864,7 +8864,7 @@
             <p:nvPr>
               <p:extLst>
                 <p:ext uri="{386F3935-93C4-4BCD-93E2-E3B085C9AB24}">
-                  <p16:designElem xmlns:p16="http://schemas.microsoft.com/office/powerpoint/2015/main" xmlns="" val="1"/>
+                  <p16:designElem xmlns="" xmlns:p16="http://schemas.microsoft.com/office/powerpoint/2015/main" val="1"/>
                 </p:ext>
               </p:extLst>
             </p:nvPr>
@@ -8925,10 +8925,10 @@
             <p:cNvPr id="24" name="Freeform 22">
               <a:extLst>
                 <a:ext uri="{FF2B5EF4-FFF2-40B4-BE49-F238E27FC236}">
-                  <a16:creationId xmlns:a16="http://schemas.microsoft.com/office/drawing/2014/main" xmlns="" id="{AEA5E85F-F1F4-40E4-A62C-95324F674929}"/>
+                  <a16:creationId xmlns="" xmlns:a16="http://schemas.microsoft.com/office/drawing/2014/main" id="{AEA5E85F-F1F4-40E4-A62C-95324F674929}"/>
                 </a:ext>
                 <a:ext uri="{C183D7F6-B498-43B3-948B-1728B52AA6E4}">
-                  <adec:decorative xmlns:adec="http://schemas.microsoft.com/office/drawing/2017/decorative" xmlns="" val="1"/>
+                  <adec:decorative xmlns="" xmlns:adec="http://schemas.microsoft.com/office/drawing/2017/decorative" val="1"/>
                 </a:ext>
               </a:extLst>
             </p:cNvPr>
@@ -8936,7 +8936,7 @@
             <p:nvPr>
               <p:extLst>
                 <p:ext uri="{386F3935-93C4-4BCD-93E2-E3B085C9AB24}">
-                  <p16:designElem xmlns:p16="http://schemas.microsoft.com/office/powerpoint/2015/main" xmlns="" val="1"/>
+                  <p16:designElem xmlns="" xmlns:p16="http://schemas.microsoft.com/office/powerpoint/2015/main" val="1"/>
                 </p:ext>
               </p:extLst>
             </p:nvPr>
@@ -9008,10 +9008,10 @@
           <p:cNvPr id="26" name="Group 25">
             <a:extLst>
               <a:ext uri="{FF2B5EF4-FFF2-40B4-BE49-F238E27FC236}">
-                <a16:creationId xmlns:a16="http://schemas.microsoft.com/office/drawing/2014/main" xmlns="" id="{40A75861-F6C5-44A9-B161-B03701CBDE0C}"/>
+                <a16:creationId xmlns="" xmlns:a16="http://schemas.microsoft.com/office/drawing/2014/main" id="{40A75861-F6C5-44A9-B161-B03701CBDE0C}"/>
               </a:ext>
               <a:ext uri="{C183D7F6-B498-43B3-948B-1728B52AA6E4}">
-                <adec:decorative xmlns:adec="http://schemas.microsoft.com/office/drawing/2017/decorative" xmlns="" val="1"/>
+                <adec:decorative xmlns="" xmlns:adec="http://schemas.microsoft.com/office/drawing/2017/decorative" val="1"/>
               </a:ext>
             </a:extLst>
           </p:cNvPr>
@@ -9021,7 +9021,7 @@
           <p:nvPr>
             <p:extLst>
               <p:ext uri="{386F3935-93C4-4BCD-93E2-E3B085C9AB24}">
-                <p16:designElem xmlns:p16="http://schemas.microsoft.com/office/powerpoint/2015/main" xmlns="" val="1"/>
+                <p16:designElem xmlns="" xmlns:p16="http://schemas.microsoft.com/office/powerpoint/2015/main" val="1"/>
               </p:ext>
             </p:extLst>
           </p:nvPr>
@@ -9045,10 +9045,10 @@
             <p:cNvPr id="27" name="Freeform 27">
               <a:extLst>
                 <a:ext uri="{FF2B5EF4-FFF2-40B4-BE49-F238E27FC236}">
-                  <a16:creationId xmlns:a16="http://schemas.microsoft.com/office/drawing/2014/main" xmlns="" id="{72EE642D-4F69-47C0-99BA-CE435035735F}"/>
+                  <a16:creationId xmlns="" xmlns:a16="http://schemas.microsoft.com/office/drawing/2014/main" id="{72EE642D-4F69-47C0-99BA-CE435035735F}"/>
                 </a:ext>
                 <a:ext uri="{C183D7F6-B498-43B3-948B-1728B52AA6E4}">
-                  <adec:decorative xmlns:adec="http://schemas.microsoft.com/office/drawing/2017/decorative" xmlns="" val="1"/>
+                  <adec:decorative xmlns="" xmlns:adec="http://schemas.microsoft.com/office/drawing/2017/decorative" val="1"/>
                 </a:ext>
               </a:extLst>
             </p:cNvPr>
@@ -9056,7 +9056,7 @@
             <p:nvPr>
               <p:extLst>
                 <p:ext uri="{386F3935-93C4-4BCD-93E2-E3B085C9AB24}">
-                  <p16:designElem xmlns:p16="http://schemas.microsoft.com/office/powerpoint/2015/main" xmlns="" val="1"/>
+                  <p16:designElem xmlns="" xmlns:p16="http://schemas.microsoft.com/office/powerpoint/2015/main" val="1"/>
                 </p:ext>
               </p:extLst>
             </p:nvPr>
@@ -9162,10 +9162,10 @@
             <p:cNvPr id="28" name="Freeform 28">
               <a:extLst>
                 <a:ext uri="{FF2B5EF4-FFF2-40B4-BE49-F238E27FC236}">
-                  <a16:creationId xmlns:a16="http://schemas.microsoft.com/office/drawing/2014/main" xmlns="" id="{26178CE4-DA2D-46EA-AB8D-341C5AC563D6}"/>
+                  <a16:creationId xmlns="" xmlns:a16="http://schemas.microsoft.com/office/drawing/2014/main" id="{26178CE4-DA2D-46EA-AB8D-341C5AC563D6}"/>
                 </a:ext>
                 <a:ext uri="{C183D7F6-B498-43B3-948B-1728B52AA6E4}">
-                  <adec:decorative xmlns:adec="http://schemas.microsoft.com/office/drawing/2017/decorative" xmlns="" val="1"/>
+                  <adec:decorative xmlns="" xmlns:adec="http://schemas.microsoft.com/office/drawing/2017/decorative" val="1"/>
                 </a:ext>
               </a:extLst>
             </p:cNvPr>
@@ -9173,7 +9173,7 @@
             <p:nvPr>
               <p:extLst>
                 <p:ext uri="{386F3935-93C4-4BCD-93E2-E3B085C9AB24}">
-                  <p16:designElem xmlns:p16="http://schemas.microsoft.com/office/powerpoint/2015/main" xmlns="" val="1"/>
+                  <p16:designElem xmlns="" xmlns:p16="http://schemas.microsoft.com/office/powerpoint/2015/main" val="1"/>
                 </p:ext>
               </p:extLst>
             </p:nvPr>
@@ -9244,10 +9244,10 @@
             <p:cNvPr id="29" name="Freeform 29">
               <a:extLst>
                 <a:ext uri="{FF2B5EF4-FFF2-40B4-BE49-F238E27FC236}">
-                  <a16:creationId xmlns:a16="http://schemas.microsoft.com/office/drawing/2014/main" xmlns="" id="{698E9F53-8381-4FA5-A510-846925D242CF}"/>
+                  <a16:creationId xmlns="" xmlns:a16="http://schemas.microsoft.com/office/drawing/2014/main" id="{698E9F53-8381-4FA5-A510-846925D242CF}"/>
                 </a:ext>
                 <a:ext uri="{C183D7F6-B498-43B3-948B-1728B52AA6E4}">
-                  <adec:decorative xmlns:adec="http://schemas.microsoft.com/office/drawing/2017/decorative" xmlns="" val="1"/>
+                  <adec:decorative xmlns="" xmlns:adec="http://schemas.microsoft.com/office/drawing/2017/decorative" val="1"/>
                 </a:ext>
               </a:extLst>
             </p:cNvPr>
@@ -9255,7 +9255,7 @@
             <p:nvPr>
               <p:extLst>
                 <p:ext uri="{386F3935-93C4-4BCD-93E2-E3B085C9AB24}">
-                  <p16:designElem xmlns:p16="http://schemas.microsoft.com/office/powerpoint/2015/main" xmlns="" val="1"/>
+                  <p16:designElem xmlns="" xmlns:p16="http://schemas.microsoft.com/office/powerpoint/2015/main" val="1"/>
                 </p:ext>
               </p:extLst>
             </p:nvPr>
@@ -9326,10 +9326,10 @@
             <p:cNvPr id="30" name="Freeform 30">
               <a:extLst>
                 <a:ext uri="{FF2B5EF4-FFF2-40B4-BE49-F238E27FC236}">
-                  <a16:creationId xmlns:a16="http://schemas.microsoft.com/office/drawing/2014/main" xmlns="" id="{B13CE284-F21E-411B-BB8E-9C03B853CE44}"/>
+                  <a16:creationId xmlns="" xmlns:a16="http://schemas.microsoft.com/office/drawing/2014/main" id="{B13CE284-F21E-411B-BB8E-9C03B853CE44}"/>
                 </a:ext>
                 <a:ext uri="{C183D7F6-B498-43B3-948B-1728B52AA6E4}">
-                  <adec:decorative xmlns:adec="http://schemas.microsoft.com/office/drawing/2017/decorative" xmlns="" val="1"/>
+                  <adec:decorative xmlns="" xmlns:adec="http://schemas.microsoft.com/office/drawing/2017/decorative" val="1"/>
                 </a:ext>
               </a:extLst>
             </p:cNvPr>
@@ -9337,7 +9337,7 @@
             <p:nvPr>
               <p:extLst>
                 <p:ext uri="{386F3935-93C4-4BCD-93E2-E3B085C9AB24}">
-                  <p16:designElem xmlns:p16="http://schemas.microsoft.com/office/powerpoint/2015/main" xmlns="" val="1"/>
+                  <p16:designElem xmlns="" xmlns:p16="http://schemas.microsoft.com/office/powerpoint/2015/main" val="1"/>
                 </p:ext>
               </p:extLst>
             </p:nvPr>
@@ -9423,10 +9423,10 @@
             <p:cNvPr id="31" name="Freeform 31">
               <a:extLst>
                 <a:ext uri="{FF2B5EF4-FFF2-40B4-BE49-F238E27FC236}">
-                  <a16:creationId xmlns:a16="http://schemas.microsoft.com/office/drawing/2014/main" xmlns="" id="{23DF4578-4703-437C-A797-2A2D0CEE5F45}"/>
+                  <a16:creationId xmlns="" xmlns:a16="http://schemas.microsoft.com/office/drawing/2014/main" id="{23DF4578-4703-437C-A797-2A2D0CEE5F45}"/>
                 </a:ext>
                 <a:ext uri="{C183D7F6-B498-43B3-948B-1728B52AA6E4}">
-                  <adec:decorative xmlns:adec="http://schemas.microsoft.com/office/drawing/2017/decorative" xmlns="" val="1"/>
+                  <adec:decorative xmlns="" xmlns:adec="http://schemas.microsoft.com/office/drawing/2017/decorative" val="1"/>
                 </a:ext>
               </a:extLst>
             </p:cNvPr>
@@ -9434,7 +9434,7 @@
             <p:nvPr>
               <p:extLst>
                 <p:ext uri="{386F3935-93C4-4BCD-93E2-E3B085C9AB24}">
-                  <p16:designElem xmlns:p16="http://schemas.microsoft.com/office/powerpoint/2015/main" xmlns="" val="1"/>
+                  <p16:designElem xmlns="" xmlns:p16="http://schemas.microsoft.com/office/powerpoint/2015/main" val="1"/>
                 </p:ext>
               </p:extLst>
             </p:nvPr>
@@ -9530,10 +9530,10 @@
             <p:cNvPr id="32" name="Freeform 32">
               <a:extLst>
                 <a:ext uri="{FF2B5EF4-FFF2-40B4-BE49-F238E27FC236}">
-                  <a16:creationId xmlns:a16="http://schemas.microsoft.com/office/drawing/2014/main" xmlns="" id="{F878F330-AF64-4F8F-88FD-A4A408D6D368}"/>
+                  <a16:creationId xmlns="" xmlns:a16="http://schemas.microsoft.com/office/drawing/2014/main" id="{F878F330-AF64-4F8F-88FD-A4A408D6D368}"/>
                 </a:ext>
                 <a:ext uri="{C183D7F6-B498-43B3-948B-1728B52AA6E4}">
-                  <adec:decorative xmlns:adec="http://schemas.microsoft.com/office/drawing/2017/decorative" xmlns="" val="1"/>
+                  <adec:decorative xmlns="" xmlns:adec="http://schemas.microsoft.com/office/drawing/2017/decorative" val="1"/>
                 </a:ext>
               </a:extLst>
             </p:cNvPr>
@@ -9541,7 +9541,7 @@
             <p:nvPr>
               <p:extLst>
                 <p:ext uri="{386F3935-93C4-4BCD-93E2-E3B085C9AB24}">
-                  <p16:designElem xmlns:p16="http://schemas.microsoft.com/office/powerpoint/2015/main" xmlns="" val="1"/>
+                  <p16:designElem xmlns="" xmlns:p16="http://schemas.microsoft.com/office/powerpoint/2015/main" val="1"/>
                 </p:ext>
               </p:extLst>
             </p:nvPr>
@@ -9592,10 +9592,10 @@
             <p:cNvPr id="33" name="Freeform 33">
               <a:extLst>
                 <a:ext uri="{FF2B5EF4-FFF2-40B4-BE49-F238E27FC236}">
-                  <a16:creationId xmlns:a16="http://schemas.microsoft.com/office/drawing/2014/main" xmlns="" id="{AC9B00BF-4FB7-42FA-BBBD-7DB54ED3F061}"/>
+                  <a16:creationId xmlns="" xmlns:a16="http://schemas.microsoft.com/office/drawing/2014/main" id="{AC9B00BF-4FB7-42FA-BBBD-7DB54ED3F061}"/>
                 </a:ext>
                 <a:ext uri="{C183D7F6-B498-43B3-948B-1728B52AA6E4}">
-                  <adec:decorative xmlns:adec="http://schemas.microsoft.com/office/drawing/2017/decorative" xmlns="" val="1"/>
+                  <adec:decorative xmlns="" xmlns:adec="http://schemas.microsoft.com/office/drawing/2017/decorative" val="1"/>
                 </a:ext>
               </a:extLst>
             </p:cNvPr>
@@ -9603,7 +9603,7 @@
             <p:nvPr>
               <p:extLst>
                 <p:ext uri="{386F3935-93C4-4BCD-93E2-E3B085C9AB24}">
-                  <p16:designElem xmlns:p16="http://schemas.microsoft.com/office/powerpoint/2015/main" xmlns="" val="1"/>
+                  <p16:designElem xmlns="" xmlns:p16="http://schemas.microsoft.com/office/powerpoint/2015/main" val="1"/>
                 </p:ext>
               </p:extLst>
             </p:nvPr>
@@ -9669,10 +9669,10 @@
             <p:cNvPr id="34" name="Freeform 34">
               <a:extLst>
                 <a:ext uri="{FF2B5EF4-FFF2-40B4-BE49-F238E27FC236}">
-                  <a16:creationId xmlns:a16="http://schemas.microsoft.com/office/drawing/2014/main" xmlns="" id="{BD3D64CA-2AAD-4609-8DAA-3EAD4609A6B1}"/>
+                  <a16:creationId xmlns="" xmlns:a16="http://schemas.microsoft.com/office/drawing/2014/main" id="{BD3D64CA-2AAD-4609-8DAA-3EAD4609A6B1}"/>
                 </a:ext>
                 <a:ext uri="{C183D7F6-B498-43B3-948B-1728B52AA6E4}">
-                  <adec:decorative xmlns:adec="http://schemas.microsoft.com/office/drawing/2017/decorative" xmlns="" val="1"/>
+                  <adec:decorative xmlns="" xmlns:adec="http://schemas.microsoft.com/office/drawing/2017/decorative" val="1"/>
                 </a:ext>
               </a:extLst>
             </p:cNvPr>
@@ -9680,7 +9680,7 @@
             <p:nvPr>
               <p:extLst>
                 <p:ext uri="{386F3935-93C4-4BCD-93E2-E3B085C9AB24}">
-                  <p16:designElem xmlns:p16="http://schemas.microsoft.com/office/powerpoint/2015/main" xmlns="" val="1"/>
+                  <p16:designElem xmlns="" xmlns:p16="http://schemas.microsoft.com/office/powerpoint/2015/main" val="1"/>
                 </p:ext>
               </p:extLst>
             </p:nvPr>
@@ -9791,10 +9791,10 @@
             <p:cNvPr id="35" name="Freeform 35">
               <a:extLst>
                 <a:ext uri="{FF2B5EF4-FFF2-40B4-BE49-F238E27FC236}">
-                  <a16:creationId xmlns:a16="http://schemas.microsoft.com/office/drawing/2014/main" xmlns="" id="{C669E05A-8550-4E91-B29E-E1912228EC93}"/>
+                  <a16:creationId xmlns="" xmlns:a16="http://schemas.microsoft.com/office/drawing/2014/main" id="{C669E05A-8550-4E91-B29E-E1912228EC93}"/>
                 </a:ext>
                 <a:ext uri="{C183D7F6-B498-43B3-948B-1728B52AA6E4}">
-                  <adec:decorative xmlns:adec="http://schemas.microsoft.com/office/drawing/2017/decorative" xmlns="" val="1"/>
+                  <adec:decorative xmlns="" xmlns:adec="http://schemas.microsoft.com/office/drawing/2017/decorative" val="1"/>
                 </a:ext>
               </a:extLst>
             </p:cNvPr>
@@ -9802,7 +9802,7 @@
             <p:nvPr>
               <p:extLst>
                 <p:ext uri="{386F3935-93C4-4BCD-93E2-E3B085C9AB24}">
-                  <p16:designElem xmlns:p16="http://schemas.microsoft.com/office/powerpoint/2015/main" xmlns="" val="1"/>
+                  <p16:designElem xmlns="" xmlns:p16="http://schemas.microsoft.com/office/powerpoint/2015/main" val="1"/>
                 </p:ext>
               </p:extLst>
             </p:nvPr>
@@ -9853,10 +9853,10 @@
             <p:cNvPr id="36" name="Freeform 36">
               <a:extLst>
                 <a:ext uri="{FF2B5EF4-FFF2-40B4-BE49-F238E27FC236}">
-                  <a16:creationId xmlns:a16="http://schemas.microsoft.com/office/drawing/2014/main" xmlns="" id="{F8C1FD53-1E8F-46CA-BC2D-FCEC4DAE07F6}"/>
+                  <a16:creationId xmlns="" xmlns:a16="http://schemas.microsoft.com/office/drawing/2014/main" id="{F8C1FD53-1E8F-46CA-BC2D-FCEC4DAE07F6}"/>
                 </a:ext>
                 <a:ext uri="{C183D7F6-B498-43B3-948B-1728B52AA6E4}">
-                  <adec:decorative xmlns:adec="http://schemas.microsoft.com/office/drawing/2017/decorative" xmlns="" val="1"/>
+                  <adec:decorative xmlns="" xmlns:adec="http://schemas.microsoft.com/office/drawing/2017/decorative" val="1"/>
                 </a:ext>
               </a:extLst>
             </p:cNvPr>
@@ -9864,7 +9864,7 @@
             <p:nvPr>
               <p:extLst>
                 <p:ext uri="{386F3935-93C4-4BCD-93E2-E3B085C9AB24}">
-                  <p16:designElem xmlns:p16="http://schemas.microsoft.com/office/powerpoint/2015/main" xmlns="" val="1"/>
+                  <p16:designElem xmlns="" xmlns:p16="http://schemas.microsoft.com/office/powerpoint/2015/main" val="1"/>
                 </p:ext>
               </p:extLst>
             </p:nvPr>
@@ -9935,10 +9935,10 @@
             <p:cNvPr id="37" name="Freeform 37">
               <a:extLst>
                 <a:ext uri="{FF2B5EF4-FFF2-40B4-BE49-F238E27FC236}">
-                  <a16:creationId xmlns:a16="http://schemas.microsoft.com/office/drawing/2014/main" xmlns="" id="{CC97A31F-CFDE-4EA3-98F1-13FDD16702E1}"/>
+                  <a16:creationId xmlns="" xmlns:a16="http://schemas.microsoft.com/office/drawing/2014/main" id="{CC97A31F-CFDE-4EA3-98F1-13FDD16702E1}"/>
                 </a:ext>
                 <a:ext uri="{C183D7F6-B498-43B3-948B-1728B52AA6E4}">
-                  <adec:decorative xmlns:adec="http://schemas.microsoft.com/office/drawing/2017/decorative" xmlns="" val="1"/>
+                  <adec:decorative xmlns="" xmlns:adec="http://schemas.microsoft.com/office/drawing/2017/decorative" val="1"/>
                 </a:ext>
               </a:extLst>
             </p:cNvPr>
@@ -9946,7 +9946,7 @@
             <p:nvPr>
               <p:extLst>
                 <p:ext uri="{386F3935-93C4-4BCD-93E2-E3B085C9AB24}">
-                  <p16:designElem xmlns:p16="http://schemas.microsoft.com/office/powerpoint/2015/main" xmlns="" val="1"/>
+                  <p16:designElem xmlns="" xmlns:p16="http://schemas.microsoft.com/office/powerpoint/2015/main" val="1"/>
                 </p:ext>
               </p:extLst>
             </p:nvPr>
@@ -10012,10 +10012,10 @@
             <p:cNvPr id="38" name="Freeform 38">
               <a:extLst>
                 <a:ext uri="{FF2B5EF4-FFF2-40B4-BE49-F238E27FC236}">
-                  <a16:creationId xmlns:a16="http://schemas.microsoft.com/office/drawing/2014/main" xmlns="" id="{9E1540E7-E6C3-4907-B70A-B17568365597}"/>
+                  <a16:creationId xmlns="" xmlns:a16="http://schemas.microsoft.com/office/drawing/2014/main" id="{9E1540E7-E6C3-4907-B70A-B17568365597}"/>
                 </a:ext>
                 <a:ext uri="{C183D7F6-B498-43B3-948B-1728B52AA6E4}">
-                  <adec:decorative xmlns:adec="http://schemas.microsoft.com/office/drawing/2017/decorative" xmlns="" val="1"/>
+                  <adec:decorative xmlns="" xmlns:adec="http://schemas.microsoft.com/office/drawing/2017/decorative" val="1"/>
                 </a:ext>
               </a:extLst>
             </p:cNvPr>
@@ -10023,7 +10023,7 @@
             <p:nvPr>
               <p:extLst>
                 <p:ext uri="{386F3935-93C4-4BCD-93E2-E3B085C9AB24}">
-                  <p16:designElem xmlns:p16="http://schemas.microsoft.com/office/powerpoint/2015/main" xmlns="" val="1"/>
+                  <p16:designElem xmlns="" xmlns:p16="http://schemas.microsoft.com/office/powerpoint/2015/main" val="1"/>
                 </p:ext>
               </p:extLst>
             </p:nvPr>
@@ -10095,10 +10095,10 @@
           <p:cNvPr id="40" name="Freeform 11">
             <a:extLst>
               <a:ext uri="{FF2B5EF4-FFF2-40B4-BE49-F238E27FC236}">
-                <a16:creationId xmlns:a16="http://schemas.microsoft.com/office/drawing/2014/main" xmlns="" id="{1310EFE2-B91D-47E7-B117-C2A802800A7C}"/>
+                <a16:creationId xmlns="" xmlns:a16="http://schemas.microsoft.com/office/drawing/2014/main" id="{1310EFE2-B91D-47E7-B117-C2A802800A7C}"/>
               </a:ext>
               <a:ext uri="{C183D7F6-B498-43B3-948B-1728B52AA6E4}">
-                <adec:decorative xmlns:adec="http://schemas.microsoft.com/office/drawing/2017/decorative" xmlns="" val="1"/>
+                <adec:decorative xmlns="" xmlns:adec="http://schemas.microsoft.com/office/drawing/2017/decorative" val="1"/>
               </a:ext>
             </a:extLst>
           </p:cNvPr>
@@ -10108,7 +10108,7 @@
           <p:nvPr>
             <p:extLst>
               <p:ext uri="{386F3935-93C4-4BCD-93E2-E3B085C9AB24}">
-                <p16:designElem xmlns:p16="http://schemas.microsoft.com/office/powerpoint/2015/main" xmlns="" val="1"/>
+                <p16:designElem xmlns="" xmlns:p16="http://schemas.microsoft.com/office/powerpoint/2015/main" val="1"/>
               </p:ext>
             </p:extLst>
           </p:nvPr>
@@ -10568,9 +10568,23 @@
             </a:r>
             <a:r>
               <a:rPr lang="en-US" sz="1400" b="1" dirty="0" smtClean="0"/>
-              <a:t>: </a:t>
-            </a:r>
-            <a:endParaRPr lang="en-US" sz="1400" b="1" dirty="0"/>
+              <a:t>:</a:t>
+            </a:r>
+          </a:p>
+          <a:p>
+            <a:pPr algn="ctr"/>
+            <a:r>
+              <a:rPr lang="en-US" sz="1400" dirty="0" smtClean="0"/>
+              <a:t>DDOS Attack Test,</a:t>
+            </a:r>
+          </a:p>
+          <a:p>
+            <a:pPr algn="ctr"/>
+            <a:r>
+              <a:rPr lang="en-US" sz="1400" dirty="0" smtClean="0"/>
+              <a:t>Helped with Load Balancing</a:t>
+            </a:r>
+            <a:endParaRPr lang="en-US" sz="1400" dirty="0"/>
           </a:p>
         </p:txBody>
       </p:sp>
@@ -10907,7 +10921,37 @@
           <a:bodyPr/>
           <a:lstStyle/>
           <a:p>
-            <a:endParaRPr lang="en-US"/>
+            <a:r>
+              <a:rPr lang="en-US" dirty="0" smtClean="0"/>
+              <a:t>Can protect against DDOS attack instead of DOS only.</a:t>
+            </a:r>
+          </a:p>
+          <a:p>
+            <a:r>
+              <a:rPr lang="en-US" dirty="0" err="1" smtClean="0"/>
+              <a:t>Heatmap</a:t>
+            </a:r>
+            <a:r>
+              <a:rPr lang="en-US" dirty="0" smtClean="0"/>
+              <a:t> of Incoming Traffic.</a:t>
+            </a:r>
+          </a:p>
+          <a:p>
+            <a:r>
+              <a:rPr lang="en-US" dirty="0" smtClean="0"/>
+              <a:t>Different Load Balancing Algorithms</a:t>
+            </a:r>
+          </a:p>
+          <a:p>
+            <a:r>
+              <a:rPr lang="en-US" dirty="0" smtClean="0"/>
+              <a:t>Shell file to install all </a:t>
+            </a:r>
+            <a:r>
+              <a:rPr lang="en-US" dirty="0" err="1" smtClean="0"/>
+              <a:t>dependancies</a:t>
+            </a:r>
+            <a:endParaRPr lang="en-US" dirty="0"/>
           </a:p>
         </p:txBody>
       </p:sp>
@@ -11095,7 +11139,30 @@
           <a:bodyPr/>
           <a:lstStyle/>
           <a:p>
-            <a:endParaRPr lang="en-US"/>
+            <a:r>
+              <a:rPr lang="en-US" dirty="0" smtClean="0"/>
+              <a:t>Optimizing database connection</a:t>
+            </a:r>
+          </a:p>
+          <a:p>
+            <a:r>
+              <a:rPr lang="en-US" dirty="0" smtClean="0"/>
+              <a:t>Adding triggers to database</a:t>
+            </a:r>
+            <a:endParaRPr lang="en-US" dirty="0" smtClean="0"/>
+          </a:p>
+          <a:p>
+            <a:r>
+              <a:rPr lang="en-US" dirty="0" smtClean="0"/>
+              <a:t>Exponential counter for blacklisting</a:t>
+            </a:r>
+          </a:p>
+          <a:p>
+            <a:r>
+              <a:rPr lang="en-US" dirty="0" smtClean="0"/>
+              <a:t>Improving interface to backend compatibility</a:t>
+            </a:r>
+            <a:endParaRPr lang="en-US" dirty="0"/>
           </a:p>
         </p:txBody>
       </p:sp>
@@ -11184,7 +11251,35 @@
           <a:bodyPr/>
           <a:lstStyle/>
           <a:p>
-            <a:endParaRPr lang="en-US"/>
+            <a:r>
+              <a:rPr lang="en-US" dirty="0" smtClean="0"/>
+              <a:t>Logging provides capabilities for forensic investigation into possible attacks</a:t>
+            </a:r>
+          </a:p>
+          <a:p>
+            <a:r>
+              <a:rPr lang="en-US" dirty="0" smtClean="0"/>
+              <a:t>Can protect any backend server that is registered with the device</a:t>
+            </a:r>
+          </a:p>
+          <a:p>
+            <a:r>
+              <a:rPr lang="en-US" dirty="0" smtClean="0"/>
+              <a:t>Possibility to defend against SYN attacks from number of connections implementation</a:t>
+            </a:r>
+          </a:p>
+          <a:p>
+            <a:r>
+              <a:rPr lang="en-US" dirty="0" smtClean="0"/>
+              <a:t>Documentation is user friendly </a:t>
+            </a:r>
+            <a:endParaRPr lang="en-US" dirty="0" smtClean="0"/>
+          </a:p>
+          <a:p>
+            <a:pPr marL="0" indent="0">
+              <a:buNone/>
+            </a:pPr>
+            <a:endParaRPr lang="en-US" dirty="0"/>
           </a:p>
         </p:txBody>
       </p:sp>
@@ -11512,7 +11607,7 @@
   <a:extraClrSchemeLst/>
   <a:extLst>
     <a:ext uri="{05A4C25C-085E-4340-85A3-A5531E510DB2}">
-      <thm15:themeFamily xmlns:thm15="http://schemas.microsoft.com/office/thememl/2012/main" xmlns="" name="Wisp" id="{7CB32D59-10C0-40DD-B7BD-2E94284A981C}" vid="{24B1A44C-C006-48B2-A4D7-E5549B3D8CD4}"/>
+      <thm15:themeFamily xmlns="" xmlns:thm15="http://schemas.microsoft.com/office/thememl/2012/main" name="Wisp" id="{7CB32D59-10C0-40DD-B7BD-2E94284A981C}" vid="{24B1A44C-C006-48B2-A4D7-E5549B3D8CD4}"/>
     </a:ext>
   </a:extLst>
 </a:theme>

--- a/SRS/SlideShow4.pptx
+++ b/SRS/SlideShow4.pptx
@@ -113,7 +113,7 @@
   </p:defaultTextStyle>
   <p:extLst>
     <p:ext uri="{EFAFB233-063F-42B5-8137-9DF3F51BA10A}">
-      <p15:sldGuideLst xmlns="" xmlns:p15="http://schemas.microsoft.com/office/powerpoint/2012/main">
+      <p15:sldGuideLst xmlns:p15="http://schemas.microsoft.com/office/powerpoint/2012/main">
         <p15:guide id="1" orient="horz" pos="2160">
           <p15:clr>
             <a:srgbClr val="A4A3A4"/>
@@ -7725,10 +7725,10 @@
           <p:cNvPr id="8" name="Rectangle 7">
             <a:extLst>
               <a:ext uri="{FF2B5EF4-FFF2-40B4-BE49-F238E27FC236}">
-                <a16:creationId xmlns="" xmlns:a16="http://schemas.microsoft.com/office/drawing/2014/main" id="{F81819F9-8CAC-4A6C-8F06-0482027F9736}"/>
+                <a16:creationId xmlns:a16="http://schemas.microsoft.com/office/drawing/2014/main" id="{F81819F9-8CAC-4A6C-8F06-0482027F9736}"/>
               </a:ext>
               <a:ext uri="{C183D7F6-B498-43B3-948B-1728B52AA6E4}">
-                <adec:decorative xmlns="" xmlns:adec="http://schemas.microsoft.com/office/drawing/2017/decorative" val="1"/>
+                <adec:decorative xmlns:adec="http://schemas.microsoft.com/office/drawing/2017/decorative" val="1"/>
               </a:ext>
             </a:extLst>
           </p:cNvPr>
@@ -7738,7 +7738,7 @@
           <p:nvPr>
             <p:extLst>
               <p:ext uri="{386F3935-93C4-4BCD-93E2-E3B085C9AB24}">
-                <p16:designElem xmlns="" xmlns:p16="http://schemas.microsoft.com/office/powerpoint/2015/main" val="1"/>
+                <p16:designElem xmlns:p16="http://schemas.microsoft.com/office/powerpoint/2015/main" val="1"/>
               </p:ext>
             </p:extLst>
           </p:nvPr>
@@ -7785,7 +7785,7 @@
           <p:cNvPr id="2" name="Title 1">
             <a:extLst>
               <a:ext uri="{FF2B5EF4-FFF2-40B4-BE49-F238E27FC236}">
-                <a16:creationId xmlns="" xmlns:a16="http://schemas.microsoft.com/office/drawing/2014/main" id="{ACCA312D-3828-4024-9CA0-545EE469B88F}"/>
+                <a16:creationId xmlns:a16="http://schemas.microsoft.com/office/drawing/2014/main" id="{ACCA312D-3828-4024-9CA0-545EE469B88F}"/>
               </a:ext>
             </a:extLst>
           </p:cNvPr>
@@ -7840,13 +7840,6 @@
               </a:rPr>
               <a:t>nites</a:t>
             </a:r>
-            <a:r>
-              <a:rPr lang="en-ZA" sz="5000" dirty="0">
-                <a:latin typeface="Times New Roman" panose="02020603050405020304" pitchFamily="18" charset="0"/>
-                <a:cs typeface="Times New Roman" panose="02020603050405020304" pitchFamily="18" charset="0"/>
-              </a:rPr>
-              <a:t/>
-            </a:r>
             <a:br>
               <a:rPr lang="en-ZA" sz="5000" dirty="0">
                 <a:latin typeface="Times New Roman" panose="02020603050405020304" pitchFamily="18" charset="0"/>
@@ -7872,7 +7865,7 @@
           <p:cNvPr id="3" name="Subtitle 2">
             <a:extLst>
               <a:ext uri="{FF2B5EF4-FFF2-40B4-BE49-F238E27FC236}">
-                <a16:creationId xmlns="" xmlns:a16="http://schemas.microsoft.com/office/drawing/2014/main" id="{C7503EA1-3526-455A-926A-3FC10C2110C2}"/>
+                <a16:creationId xmlns:a16="http://schemas.microsoft.com/office/drawing/2014/main" id="{C7503EA1-3526-455A-926A-3FC10C2110C2}"/>
               </a:ext>
             </a:extLst>
           </p:cNvPr>
@@ -7917,10 +7910,10 @@
           <p:cNvPr id="10" name="Rectangle 9">
             <a:extLst>
               <a:ext uri="{FF2B5EF4-FFF2-40B4-BE49-F238E27FC236}">
-                <a16:creationId xmlns="" xmlns:a16="http://schemas.microsoft.com/office/drawing/2014/main" id="{4A98CC08-AEC2-4E8F-8F52-0F5C6372DB4F}"/>
+                <a16:creationId xmlns:a16="http://schemas.microsoft.com/office/drawing/2014/main" id="{4A98CC08-AEC2-4E8F-8F52-0F5C6372DB4F}"/>
               </a:ext>
               <a:ext uri="{C183D7F6-B498-43B3-948B-1728B52AA6E4}">
-                <adec:decorative xmlns="" xmlns:adec="http://schemas.microsoft.com/office/drawing/2017/decorative" val="1"/>
+                <adec:decorative xmlns:adec="http://schemas.microsoft.com/office/drawing/2017/decorative" val="1"/>
               </a:ext>
             </a:extLst>
           </p:cNvPr>
@@ -7930,7 +7923,7 @@
           <p:nvPr>
             <p:extLst>
               <p:ext uri="{386F3935-93C4-4BCD-93E2-E3B085C9AB24}">
-                <p16:designElem xmlns="" xmlns:p16="http://schemas.microsoft.com/office/powerpoint/2015/main" val="1"/>
+                <p16:designElem xmlns:p16="http://schemas.microsoft.com/office/powerpoint/2015/main" val="1"/>
               </p:ext>
             </p:extLst>
           </p:nvPr>
@@ -7980,10 +7973,10 @@
           <p:cNvPr id="12" name="Group 11">
             <a:extLst>
               <a:ext uri="{FF2B5EF4-FFF2-40B4-BE49-F238E27FC236}">
-                <a16:creationId xmlns="" xmlns:a16="http://schemas.microsoft.com/office/drawing/2014/main" id="{5D1545E6-EB3C-4478-A661-A2CA963F129C}"/>
+                <a16:creationId xmlns:a16="http://schemas.microsoft.com/office/drawing/2014/main" id="{5D1545E6-EB3C-4478-A661-A2CA963F129C}"/>
               </a:ext>
               <a:ext uri="{C183D7F6-B498-43B3-948B-1728B52AA6E4}">
-                <adec:decorative xmlns="" xmlns:adec="http://schemas.microsoft.com/office/drawing/2017/decorative" val="1"/>
+                <adec:decorative xmlns:adec="http://schemas.microsoft.com/office/drawing/2017/decorative" val="1"/>
               </a:ext>
             </a:extLst>
           </p:cNvPr>
@@ -7993,7 +7986,7 @@
           <p:nvPr>
             <p:extLst>
               <p:ext uri="{386F3935-93C4-4BCD-93E2-E3B085C9AB24}">
-                <p16:designElem xmlns="" xmlns:p16="http://schemas.microsoft.com/office/powerpoint/2015/main" val="1"/>
+                <p16:designElem xmlns:p16="http://schemas.microsoft.com/office/powerpoint/2015/main" val="1"/>
               </p:ext>
             </p:extLst>
           </p:nvPr>
@@ -8018,10 +8011,10 @@
             <p:cNvPr id="13" name="Freeform 11">
               <a:extLst>
                 <a:ext uri="{FF2B5EF4-FFF2-40B4-BE49-F238E27FC236}">
-                  <a16:creationId xmlns="" xmlns:a16="http://schemas.microsoft.com/office/drawing/2014/main" id="{B2E5B960-0C5D-4F77-8E9F-9F3D883D83C5}"/>
+                  <a16:creationId xmlns:a16="http://schemas.microsoft.com/office/drawing/2014/main" id="{B2E5B960-0C5D-4F77-8E9F-9F3D883D83C5}"/>
                 </a:ext>
                 <a:ext uri="{C183D7F6-B498-43B3-948B-1728B52AA6E4}">
-                  <adec:decorative xmlns="" xmlns:adec="http://schemas.microsoft.com/office/drawing/2017/decorative" val="1"/>
+                  <adec:decorative xmlns:adec="http://schemas.microsoft.com/office/drawing/2017/decorative" val="1"/>
                 </a:ext>
               </a:extLst>
             </p:cNvPr>
@@ -8029,7 +8022,7 @@
             <p:nvPr>
               <p:extLst>
                 <p:ext uri="{386F3935-93C4-4BCD-93E2-E3B085C9AB24}">
-                  <p16:designElem xmlns="" xmlns:p16="http://schemas.microsoft.com/office/powerpoint/2015/main" val="1"/>
+                  <p16:designElem xmlns:p16="http://schemas.microsoft.com/office/powerpoint/2015/main" val="1"/>
                 </p:ext>
               </p:extLst>
             </p:nvPr>
@@ -8090,10 +8083,10 @@
             <p:cNvPr id="14" name="Freeform 12">
               <a:extLst>
                 <a:ext uri="{FF2B5EF4-FFF2-40B4-BE49-F238E27FC236}">
-                  <a16:creationId xmlns="" xmlns:a16="http://schemas.microsoft.com/office/drawing/2014/main" id="{258E44FC-92AD-43A0-BB05-DB268C82D8B2}"/>
+                  <a16:creationId xmlns:a16="http://schemas.microsoft.com/office/drawing/2014/main" id="{258E44FC-92AD-43A0-BB05-DB268C82D8B2}"/>
                 </a:ext>
                 <a:ext uri="{C183D7F6-B498-43B3-948B-1728B52AA6E4}">
-                  <adec:decorative xmlns="" xmlns:adec="http://schemas.microsoft.com/office/drawing/2017/decorative" val="1"/>
+                  <adec:decorative xmlns:adec="http://schemas.microsoft.com/office/drawing/2017/decorative" val="1"/>
                 </a:ext>
               </a:extLst>
             </p:cNvPr>
@@ -8101,7 +8094,7 @@
             <p:nvPr>
               <p:extLst>
                 <p:ext uri="{386F3935-93C4-4BCD-93E2-E3B085C9AB24}">
-                  <p16:designElem xmlns="" xmlns:p16="http://schemas.microsoft.com/office/powerpoint/2015/main" val="1"/>
+                  <p16:designElem xmlns:p16="http://schemas.microsoft.com/office/powerpoint/2015/main" val="1"/>
                 </p:ext>
               </p:extLst>
             </p:nvPr>
@@ -8167,10 +8160,10 @@
             <p:cNvPr id="15" name="Freeform 13">
               <a:extLst>
                 <a:ext uri="{FF2B5EF4-FFF2-40B4-BE49-F238E27FC236}">
-                  <a16:creationId xmlns="" xmlns:a16="http://schemas.microsoft.com/office/drawing/2014/main" id="{C63D3083-A56C-4199-8DE0-63C8BE9EDFE9}"/>
+                  <a16:creationId xmlns:a16="http://schemas.microsoft.com/office/drawing/2014/main" id="{C63D3083-A56C-4199-8DE0-63C8BE9EDFE9}"/>
                 </a:ext>
                 <a:ext uri="{C183D7F6-B498-43B3-948B-1728B52AA6E4}">
-                  <adec:decorative xmlns="" xmlns:adec="http://schemas.microsoft.com/office/drawing/2017/decorative" val="1"/>
+                  <adec:decorative xmlns:adec="http://schemas.microsoft.com/office/drawing/2017/decorative" val="1"/>
                 </a:ext>
               </a:extLst>
             </p:cNvPr>
@@ -8178,7 +8171,7 @@
             <p:nvPr>
               <p:extLst>
                 <p:ext uri="{386F3935-93C4-4BCD-93E2-E3B085C9AB24}">
-                  <p16:designElem xmlns="" xmlns:p16="http://schemas.microsoft.com/office/powerpoint/2015/main" val="1"/>
+                  <p16:designElem xmlns:p16="http://schemas.microsoft.com/office/powerpoint/2015/main" val="1"/>
                 </p:ext>
               </p:extLst>
             </p:nvPr>
@@ -8249,10 +8242,10 @@
             <p:cNvPr id="16" name="Freeform 14">
               <a:extLst>
                 <a:ext uri="{FF2B5EF4-FFF2-40B4-BE49-F238E27FC236}">
-                  <a16:creationId xmlns="" xmlns:a16="http://schemas.microsoft.com/office/drawing/2014/main" id="{C7CD3581-635D-438F-A64F-68404E7AE0B8}"/>
+                  <a16:creationId xmlns:a16="http://schemas.microsoft.com/office/drawing/2014/main" id="{C7CD3581-635D-438F-A64F-68404E7AE0B8}"/>
                 </a:ext>
                 <a:ext uri="{C183D7F6-B498-43B3-948B-1728B52AA6E4}">
-                  <adec:decorative xmlns="" xmlns:adec="http://schemas.microsoft.com/office/drawing/2017/decorative" val="1"/>
+                  <adec:decorative xmlns:adec="http://schemas.microsoft.com/office/drawing/2017/decorative" val="1"/>
                 </a:ext>
               </a:extLst>
             </p:cNvPr>
@@ -8260,7 +8253,7 @@
             <p:nvPr>
               <p:extLst>
                 <p:ext uri="{386F3935-93C4-4BCD-93E2-E3B085C9AB24}">
-                  <p16:designElem xmlns="" xmlns:p16="http://schemas.microsoft.com/office/powerpoint/2015/main" val="1"/>
+                  <p16:designElem xmlns:p16="http://schemas.microsoft.com/office/powerpoint/2015/main" val="1"/>
                 </p:ext>
               </p:extLst>
             </p:nvPr>
@@ -8311,10 +8304,10 @@
             <p:cNvPr id="17" name="Freeform 15">
               <a:extLst>
                 <a:ext uri="{FF2B5EF4-FFF2-40B4-BE49-F238E27FC236}">
-                  <a16:creationId xmlns="" xmlns:a16="http://schemas.microsoft.com/office/drawing/2014/main" id="{AD6904C0-211C-41A2-BDB8-3B07C90BBB4C}"/>
+                  <a16:creationId xmlns:a16="http://schemas.microsoft.com/office/drawing/2014/main" id="{AD6904C0-211C-41A2-BDB8-3B07C90BBB4C}"/>
                 </a:ext>
                 <a:ext uri="{C183D7F6-B498-43B3-948B-1728B52AA6E4}">
-                  <adec:decorative xmlns="" xmlns:adec="http://schemas.microsoft.com/office/drawing/2017/decorative" val="1"/>
+                  <adec:decorative xmlns:adec="http://schemas.microsoft.com/office/drawing/2017/decorative" val="1"/>
                 </a:ext>
               </a:extLst>
             </p:cNvPr>
@@ -8322,7 +8315,7 @@
             <p:nvPr>
               <p:extLst>
                 <p:ext uri="{386F3935-93C4-4BCD-93E2-E3B085C9AB24}">
-                  <p16:designElem xmlns="" xmlns:p16="http://schemas.microsoft.com/office/powerpoint/2015/main" val="1"/>
+                  <p16:designElem xmlns:p16="http://schemas.microsoft.com/office/powerpoint/2015/main" val="1"/>
                 </p:ext>
               </p:extLst>
             </p:nvPr>
@@ -8408,10 +8401,10 @@
             <p:cNvPr id="18" name="Freeform 16">
               <a:extLst>
                 <a:ext uri="{FF2B5EF4-FFF2-40B4-BE49-F238E27FC236}">
-                  <a16:creationId xmlns="" xmlns:a16="http://schemas.microsoft.com/office/drawing/2014/main" id="{B0837DA6-CAF9-4E78-A39E-6358EDE2B108}"/>
+                  <a16:creationId xmlns:a16="http://schemas.microsoft.com/office/drawing/2014/main" id="{B0837DA6-CAF9-4E78-A39E-6358EDE2B108}"/>
                 </a:ext>
                 <a:ext uri="{C183D7F6-B498-43B3-948B-1728B52AA6E4}">
-                  <adec:decorative xmlns="" xmlns:adec="http://schemas.microsoft.com/office/drawing/2017/decorative" val="1"/>
+                  <adec:decorative xmlns:adec="http://schemas.microsoft.com/office/drawing/2017/decorative" val="1"/>
                 </a:ext>
               </a:extLst>
             </p:cNvPr>
@@ -8419,7 +8412,7 @@
             <p:nvPr>
               <p:extLst>
                 <p:ext uri="{386F3935-93C4-4BCD-93E2-E3B085C9AB24}">
-                  <p16:designElem xmlns="" xmlns:p16="http://schemas.microsoft.com/office/powerpoint/2015/main" val="1"/>
+                  <p16:designElem xmlns:p16="http://schemas.microsoft.com/office/powerpoint/2015/main" val="1"/>
                 </p:ext>
               </p:extLst>
             </p:nvPr>
@@ -8500,10 +8493,10 @@
             <p:cNvPr id="19" name="Freeform 17">
               <a:extLst>
                 <a:ext uri="{FF2B5EF4-FFF2-40B4-BE49-F238E27FC236}">
-                  <a16:creationId xmlns="" xmlns:a16="http://schemas.microsoft.com/office/drawing/2014/main" id="{0A99DD7D-3AB3-471E-842F-8AFEA09D07E4}"/>
+                  <a16:creationId xmlns:a16="http://schemas.microsoft.com/office/drawing/2014/main" id="{0A99DD7D-3AB3-471E-842F-8AFEA09D07E4}"/>
                 </a:ext>
                 <a:ext uri="{C183D7F6-B498-43B3-948B-1728B52AA6E4}">
-                  <adec:decorative xmlns="" xmlns:adec="http://schemas.microsoft.com/office/drawing/2017/decorative" val="1"/>
+                  <adec:decorative xmlns:adec="http://schemas.microsoft.com/office/drawing/2017/decorative" val="1"/>
                 </a:ext>
               </a:extLst>
             </p:cNvPr>
@@ -8511,7 +8504,7 @@
             <p:nvPr>
               <p:extLst>
                 <p:ext uri="{386F3935-93C4-4BCD-93E2-E3B085C9AB24}">
-                  <p16:designElem xmlns="" xmlns:p16="http://schemas.microsoft.com/office/powerpoint/2015/main" val="1"/>
+                  <p16:designElem xmlns:p16="http://schemas.microsoft.com/office/powerpoint/2015/main" val="1"/>
                 </p:ext>
               </p:extLst>
             </p:nvPr>
@@ -8572,10 +8565,10 @@
             <p:cNvPr id="20" name="Freeform 18">
               <a:extLst>
                 <a:ext uri="{FF2B5EF4-FFF2-40B4-BE49-F238E27FC236}">
-                  <a16:creationId xmlns="" xmlns:a16="http://schemas.microsoft.com/office/drawing/2014/main" id="{9C70B0D4-92FE-478F-86BD-93BA2C4DFCDC}"/>
+                  <a16:creationId xmlns:a16="http://schemas.microsoft.com/office/drawing/2014/main" id="{9C70B0D4-92FE-478F-86BD-93BA2C4DFCDC}"/>
                 </a:ext>
                 <a:ext uri="{C183D7F6-B498-43B3-948B-1728B52AA6E4}">
-                  <adec:decorative xmlns="" xmlns:adec="http://schemas.microsoft.com/office/drawing/2017/decorative" val="1"/>
+                  <adec:decorative xmlns:adec="http://schemas.microsoft.com/office/drawing/2017/decorative" val="1"/>
                 </a:ext>
               </a:extLst>
             </p:cNvPr>
@@ -8583,7 +8576,7 @@
             <p:nvPr>
               <p:extLst>
                 <p:ext uri="{386F3935-93C4-4BCD-93E2-E3B085C9AB24}">
-                  <p16:designElem xmlns="" xmlns:p16="http://schemas.microsoft.com/office/powerpoint/2015/main" val="1"/>
+                  <p16:designElem xmlns:p16="http://schemas.microsoft.com/office/powerpoint/2015/main" val="1"/>
                 </p:ext>
               </p:extLst>
             </p:nvPr>
@@ -8664,10 +8657,10 @@
             <p:cNvPr id="21" name="Freeform 19">
               <a:extLst>
                 <a:ext uri="{FF2B5EF4-FFF2-40B4-BE49-F238E27FC236}">
-                  <a16:creationId xmlns="" xmlns:a16="http://schemas.microsoft.com/office/drawing/2014/main" id="{C9156BE6-11D4-4696-9E3F-C325BFAC8196}"/>
+                  <a16:creationId xmlns:a16="http://schemas.microsoft.com/office/drawing/2014/main" id="{C9156BE6-11D4-4696-9E3F-C325BFAC8196}"/>
                 </a:ext>
                 <a:ext uri="{C183D7F6-B498-43B3-948B-1728B52AA6E4}">
-                  <adec:decorative xmlns="" xmlns:adec="http://schemas.microsoft.com/office/drawing/2017/decorative" val="1"/>
+                  <adec:decorative xmlns:adec="http://schemas.microsoft.com/office/drawing/2017/decorative" val="1"/>
                 </a:ext>
               </a:extLst>
             </p:cNvPr>
@@ -8675,7 +8668,7 @@
             <p:nvPr>
               <p:extLst>
                 <p:ext uri="{386F3935-93C4-4BCD-93E2-E3B085C9AB24}">
-                  <p16:designElem xmlns="" xmlns:p16="http://schemas.microsoft.com/office/powerpoint/2015/main" val="1"/>
+                  <p16:designElem xmlns:p16="http://schemas.microsoft.com/office/powerpoint/2015/main" val="1"/>
                 </p:ext>
               </p:extLst>
             </p:nvPr>
@@ -8791,10 +8784,10 @@
             <p:cNvPr id="22" name="Freeform 20">
               <a:extLst>
                 <a:ext uri="{FF2B5EF4-FFF2-40B4-BE49-F238E27FC236}">
-                  <a16:creationId xmlns="" xmlns:a16="http://schemas.microsoft.com/office/drawing/2014/main" id="{4E667226-1D20-4A9D-BBE3-AC17EA436F05}"/>
+                  <a16:creationId xmlns:a16="http://schemas.microsoft.com/office/drawing/2014/main" id="{4E667226-1D20-4A9D-BBE3-AC17EA436F05}"/>
                 </a:ext>
                 <a:ext uri="{C183D7F6-B498-43B3-948B-1728B52AA6E4}">
-                  <adec:decorative xmlns="" xmlns:adec="http://schemas.microsoft.com/office/drawing/2017/decorative" val="1"/>
+                  <adec:decorative xmlns:adec="http://schemas.microsoft.com/office/drawing/2017/decorative" val="1"/>
                 </a:ext>
               </a:extLst>
             </p:cNvPr>
@@ -8802,7 +8795,7 @@
             <p:nvPr>
               <p:extLst>
                 <p:ext uri="{386F3935-93C4-4BCD-93E2-E3B085C9AB24}">
-                  <p16:designElem xmlns="" xmlns:p16="http://schemas.microsoft.com/office/powerpoint/2015/main" val="1"/>
+                  <p16:designElem xmlns:p16="http://schemas.microsoft.com/office/powerpoint/2015/main" val="1"/>
                 </p:ext>
               </p:extLst>
             </p:nvPr>
@@ -8853,10 +8846,10 @@
             <p:cNvPr id="23" name="Freeform 21">
               <a:extLst>
                 <a:ext uri="{FF2B5EF4-FFF2-40B4-BE49-F238E27FC236}">
-                  <a16:creationId xmlns="" xmlns:a16="http://schemas.microsoft.com/office/drawing/2014/main" id="{2F87E3B6-5202-4434-9B26-42B46774F327}"/>
+                  <a16:creationId xmlns:a16="http://schemas.microsoft.com/office/drawing/2014/main" id="{2F87E3B6-5202-4434-9B26-42B46774F327}"/>
                 </a:ext>
                 <a:ext uri="{C183D7F6-B498-43B3-948B-1728B52AA6E4}">
-                  <adec:decorative xmlns="" xmlns:adec="http://schemas.microsoft.com/office/drawing/2017/decorative" val="1"/>
+                  <adec:decorative xmlns:adec="http://schemas.microsoft.com/office/drawing/2017/decorative" val="1"/>
                 </a:ext>
               </a:extLst>
             </p:cNvPr>
@@ -8864,7 +8857,7 @@
             <p:nvPr>
               <p:extLst>
                 <p:ext uri="{386F3935-93C4-4BCD-93E2-E3B085C9AB24}">
-                  <p16:designElem xmlns="" xmlns:p16="http://schemas.microsoft.com/office/powerpoint/2015/main" val="1"/>
+                  <p16:designElem xmlns:p16="http://schemas.microsoft.com/office/powerpoint/2015/main" val="1"/>
                 </p:ext>
               </p:extLst>
             </p:nvPr>
@@ -8925,10 +8918,10 @@
             <p:cNvPr id="24" name="Freeform 22">
               <a:extLst>
                 <a:ext uri="{FF2B5EF4-FFF2-40B4-BE49-F238E27FC236}">
-                  <a16:creationId xmlns="" xmlns:a16="http://schemas.microsoft.com/office/drawing/2014/main" id="{AEA5E85F-F1F4-40E4-A62C-95324F674929}"/>
+                  <a16:creationId xmlns:a16="http://schemas.microsoft.com/office/drawing/2014/main" id="{AEA5E85F-F1F4-40E4-A62C-95324F674929}"/>
                 </a:ext>
                 <a:ext uri="{C183D7F6-B498-43B3-948B-1728B52AA6E4}">
-                  <adec:decorative xmlns="" xmlns:adec="http://schemas.microsoft.com/office/drawing/2017/decorative" val="1"/>
+                  <adec:decorative xmlns:adec="http://schemas.microsoft.com/office/drawing/2017/decorative" val="1"/>
                 </a:ext>
               </a:extLst>
             </p:cNvPr>
@@ -8936,7 +8929,7 @@
             <p:nvPr>
               <p:extLst>
                 <p:ext uri="{386F3935-93C4-4BCD-93E2-E3B085C9AB24}">
-                  <p16:designElem xmlns="" xmlns:p16="http://schemas.microsoft.com/office/powerpoint/2015/main" val="1"/>
+                  <p16:designElem xmlns:p16="http://schemas.microsoft.com/office/powerpoint/2015/main" val="1"/>
                 </p:ext>
               </p:extLst>
             </p:nvPr>
@@ -9008,10 +9001,10 @@
           <p:cNvPr id="26" name="Group 25">
             <a:extLst>
               <a:ext uri="{FF2B5EF4-FFF2-40B4-BE49-F238E27FC236}">
-                <a16:creationId xmlns="" xmlns:a16="http://schemas.microsoft.com/office/drawing/2014/main" id="{40A75861-F6C5-44A9-B161-B03701CBDE0C}"/>
+                <a16:creationId xmlns:a16="http://schemas.microsoft.com/office/drawing/2014/main" id="{40A75861-F6C5-44A9-B161-B03701CBDE0C}"/>
               </a:ext>
               <a:ext uri="{C183D7F6-B498-43B3-948B-1728B52AA6E4}">
-                <adec:decorative xmlns="" xmlns:adec="http://schemas.microsoft.com/office/drawing/2017/decorative" val="1"/>
+                <adec:decorative xmlns:adec="http://schemas.microsoft.com/office/drawing/2017/decorative" val="1"/>
               </a:ext>
             </a:extLst>
           </p:cNvPr>
@@ -9021,7 +9014,7 @@
           <p:nvPr>
             <p:extLst>
               <p:ext uri="{386F3935-93C4-4BCD-93E2-E3B085C9AB24}">
-                <p16:designElem xmlns="" xmlns:p16="http://schemas.microsoft.com/office/powerpoint/2015/main" val="1"/>
+                <p16:designElem xmlns:p16="http://schemas.microsoft.com/office/powerpoint/2015/main" val="1"/>
               </p:ext>
             </p:extLst>
           </p:nvPr>
@@ -9045,10 +9038,10 @@
             <p:cNvPr id="27" name="Freeform 27">
               <a:extLst>
                 <a:ext uri="{FF2B5EF4-FFF2-40B4-BE49-F238E27FC236}">
-                  <a16:creationId xmlns="" xmlns:a16="http://schemas.microsoft.com/office/drawing/2014/main" id="{72EE642D-4F69-47C0-99BA-CE435035735F}"/>
+                  <a16:creationId xmlns:a16="http://schemas.microsoft.com/office/drawing/2014/main" id="{72EE642D-4F69-47C0-99BA-CE435035735F}"/>
                 </a:ext>
                 <a:ext uri="{C183D7F6-B498-43B3-948B-1728B52AA6E4}">
-                  <adec:decorative xmlns="" xmlns:adec="http://schemas.microsoft.com/office/drawing/2017/decorative" val="1"/>
+                  <adec:decorative xmlns:adec="http://schemas.microsoft.com/office/drawing/2017/decorative" val="1"/>
                 </a:ext>
               </a:extLst>
             </p:cNvPr>
@@ -9056,7 +9049,7 @@
             <p:nvPr>
               <p:extLst>
                 <p:ext uri="{386F3935-93C4-4BCD-93E2-E3B085C9AB24}">
-                  <p16:designElem xmlns="" xmlns:p16="http://schemas.microsoft.com/office/powerpoint/2015/main" val="1"/>
+                  <p16:designElem xmlns:p16="http://schemas.microsoft.com/office/powerpoint/2015/main" val="1"/>
                 </p:ext>
               </p:extLst>
             </p:nvPr>
@@ -9162,10 +9155,10 @@
             <p:cNvPr id="28" name="Freeform 28">
               <a:extLst>
                 <a:ext uri="{FF2B5EF4-FFF2-40B4-BE49-F238E27FC236}">
-                  <a16:creationId xmlns="" xmlns:a16="http://schemas.microsoft.com/office/drawing/2014/main" id="{26178CE4-DA2D-46EA-AB8D-341C5AC563D6}"/>
+                  <a16:creationId xmlns:a16="http://schemas.microsoft.com/office/drawing/2014/main" id="{26178CE4-DA2D-46EA-AB8D-341C5AC563D6}"/>
                 </a:ext>
                 <a:ext uri="{C183D7F6-B498-43B3-948B-1728B52AA6E4}">
-                  <adec:decorative xmlns="" xmlns:adec="http://schemas.microsoft.com/office/drawing/2017/decorative" val="1"/>
+                  <adec:decorative xmlns:adec="http://schemas.microsoft.com/office/drawing/2017/decorative" val="1"/>
                 </a:ext>
               </a:extLst>
             </p:cNvPr>
@@ -9173,7 +9166,7 @@
             <p:nvPr>
               <p:extLst>
                 <p:ext uri="{386F3935-93C4-4BCD-93E2-E3B085C9AB24}">
-                  <p16:designElem xmlns="" xmlns:p16="http://schemas.microsoft.com/office/powerpoint/2015/main" val="1"/>
+                  <p16:designElem xmlns:p16="http://schemas.microsoft.com/office/powerpoint/2015/main" val="1"/>
                 </p:ext>
               </p:extLst>
             </p:nvPr>
@@ -9244,10 +9237,10 @@
             <p:cNvPr id="29" name="Freeform 29">
               <a:extLst>
                 <a:ext uri="{FF2B5EF4-FFF2-40B4-BE49-F238E27FC236}">
-                  <a16:creationId xmlns="" xmlns:a16="http://schemas.microsoft.com/office/drawing/2014/main" id="{698E9F53-8381-4FA5-A510-846925D242CF}"/>
+                  <a16:creationId xmlns:a16="http://schemas.microsoft.com/office/drawing/2014/main" id="{698E9F53-8381-4FA5-A510-846925D242CF}"/>
                 </a:ext>
                 <a:ext uri="{C183D7F6-B498-43B3-948B-1728B52AA6E4}">
-                  <adec:decorative xmlns="" xmlns:adec="http://schemas.microsoft.com/office/drawing/2017/decorative" val="1"/>
+                  <adec:decorative xmlns:adec="http://schemas.microsoft.com/office/drawing/2017/decorative" val="1"/>
                 </a:ext>
               </a:extLst>
             </p:cNvPr>
@@ -9255,7 +9248,7 @@
             <p:nvPr>
               <p:extLst>
                 <p:ext uri="{386F3935-93C4-4BCD-93E2-E3B085C9AB24}">
-                  <p16:designElem xmlns="" xmlns:p16="http://schemas.microsoft.com/office/powerpoint/2015/main" val="1"/>
+                  <p16:designElem xmlns:p16="http://schemas.microsoft.com/office/powerpoint/2015/main" val="1"/>
                 </p:ext>
               </p:extLst>
             </p:nvPr>
@@ -9326,10 +9319,10 @@
             <p:cNvPr id="30" name="Freeform 30">
               <a:extLst>
                 <a:ext uri="{FF2B5EF4-FFF2-40B4-BE49-F238E27FC236}">
-                  <a16:creationId xmlns="" xmlns:a16="http://schemas.microsoft.com/office/drawing/2014/main" id="{B13CE284-F21E-411B-BB8E-9C03B853CE44}"/>
+                  <a16:creationId xmlns:a16="http://schemas.microsoft.com/office/drawing/2014/main" id="{B13CE284-F21E-411B-BB8E-9C03B853CE44}"/>
                 </a:ext>
                 <a:ext uri="{C183D7F6-B498-43B3-948B-1728B52AA6E4}">
-                  <adec:decorative xmlns="" xmlns:adec="http://schemas.microsoft.com/office/drawing/2017/decorative" val="1"/>
+                  <adec:decorative xmlns:adec="http://schemas.microsoft.com/office/drawing/2017/decorative" val="1"/>
                 </a:ext>
               </a:extLst>
             </p:cNvPr>
@@ -9337,7 +9330,7 @@
             <p:nvPr>
               <p:extLst>
                 <p:ext uri="{386F3935-93C4-4BCD-93E2-E3B085C9AB24}">
-                  <p16:designElem xmlns="" xmlns:p16="http://schemas.microsoft.com/office/powerpoint/2015/main" val="1"/>
+                  <p16:designElem xmlns:p16="http://schemas.microsoft.com/office/powerpoint/2015/main" val="1"/>
                 </p:ext>
               </p:extLst>
             </p:nvPr>
@@ -9423,10 +9416,10 @@
             <p:cNvPr id="31" name="Freeform 31">
               <a:extLst>
                 <a:ext uri="{FF2B5EF4-FFF2-40B4-BE49-F238E27FC236}">
-                  <a16:creationId xmlns="" xmlns:a16="http://schemas.microsoft.com/office/drawing/2014/main" id="{23DF4578-4703-437C-A797-2A2D0CEE5F45}"/>
+                  <a16:creationId xmlns:a16="http://schemas.microsoft.com/office/drawing/2014/main" id="{23DF4578-4703-437C-A797-2A2D0CEE5F45}"/>
                 </a:ext>
                 <a:ext uri="{C183D7F6-B498-43B3-948B-1728B52AA6E4}">
-                  <adec:decorative xmlns="" xmlns:adec="http://schemas.microsoft.com/office/drawing/2017/decorative" val="1"/>
+                  <adec:decorative xmlns:adec="http://schemas.microsoft.com/office/drawing/2017/decorative" val="1"/>
                 </a:ext>
               </a:extLst>
             </p:cNvPr>
@@ -9434,7 +9427,7 @@
             <p:nvPr>
               <p:extLst>
                 <p:ext uri="{386F3935-93C4-4BCD-93E2-E3B085C9AB24}">
-                  <p16:designElem xmlns="" xmlns:p16="http://schemas.microsoft.com/office/powerpoint/2015/main" val="1"/>
+                  <p16:designElem xmlns:p16="http://schemas.microsoft.com/office/powerpoint/2015/main" val="1"/>
                 </p:ext>
               </p:extLst>
             </p:nvPr>
@@ -9530,10 +9523,10 @@
             <p:cNvPr id="32" name="Freeform 32">
               <a:extLst>
                 <a:ext uri="{FF2B5EF4-FFF2-40B4-BE49-F238E27FC236}">
-                  <a16:creationId xmlns="" xmlns:a16="http://schemas.microsoft.com/office/drawing/2014/main" id="{F878F330-AF64-4F8F-88FD-A4A408D6D368}"/>
+                  <a16:creationId xmlns:a16="http://schemas.microsoft.com/office/drawing/2014/main" id="{F878F330-AF64-4F8F-88FD-A4A408D6D368}"/>
                 </a:ext>
                 <a:ext uri="{C183D7F6-B498-43B3-948B-1728B52AA6E4}">
-                  <adec:decorative xmlns="" xmlns:adec="http://schemas.microsoft.com/office/drawing/2017/decorative" val="1"/>
+                  <adec:decorative xmlns:adec="http://schemas.microsoft.com/office/drawing/2017/decorative" val="1"/>
                 </a:ext>
               </a:extLst>
             </p:cNvPr>
@@ -9541,7 +9534,7 @@
             <p:nvPr>
               <p:extLst>
                 <p:ext uri="{386F3935-93C4-4BCD-93E2-E3B085C9AB24}">
-                  <p16:designElem xmlns="" xmlns:p16="http://schemas.microsoft.com/office/powerpoint/2015/main" val="1"/>
+                  <p16:designElem xmlns:p16="http://schemas.microsoft.com/office/powerpoint/2015/main" val="1"/>
                 </p:ext>
               </p:extLst>
             </p:nvPr>
@@ -9592,10 +9585,10 @@
             <p:cNvPr id="33" name="Freeform 33">
               <a:extLst>
                 <a:ext uri="{FF2B5EF4-FFF2-40B4-BE49-F238E27FC236}">
-                  <a16:creationId xmlns="" xmlns:a16="http://schemas.microsoft.com/office/drawing/2014/main" id="{AC9B00BF-4FB7-42FA-BBBD-7DB54ED3F061}"/>
+                  <a16:creationId xmlns:a16="http://schemas.microsoft.com/office/drawing/2014/main" id="{AC9B00BF-4FB7-42FA-BBBD-7DB54ED3F061}"/>
                 </a:ext>
                 <a:ext uri="{C183D7F6-B498-43B3-948B-1728B52AA6E4}">
-                  <adec:decorative xmlns="" xmlns:adec="http://schemas.microsoft.com/office/drawing/2017/decorative" val="1"/>
+                  <adec:decorative xmlns:adec="http://schemas.microsoft.com/office/drawing/2017/decorative" val="1"/>
                 </a:ext>
               </a:extLst>
             </p:cNvPr>
@@ -9603,7 +9596,7 @@
             <p:nvPr>
               <p:extLst>
                 <p:ext uri="{386F3935-93C4-4BCD-93E2-E3B085C9AB24}">
-                  <p16:designElem xmlns="" xmlns:p16="http://schemas.microsoft.com/office/powerpoint/2015/main" val="1"/>
+                  <p16:designElem xmlns:p16="http://schemas.microsoft.com/office/powerpoint/2015/main" val="1"/>
                 </p:ext>
               </p:extLst>
             </p:nvPr>
@@ -9669,10 +9662,10 @@
             <p:cNvPr id="34" name="Freeform 34">
               <a:extLst>
                 <a:ext uri="{FF2B5EF4-FFF2-40B4-BE49-F238E27FC236}">
-                  <a16:creationId xmlns="" xmlns:a16="http://schemas.microsoft.com/office/drawing/2014/main" id="{BD3D64CA-2AAD-4609-8DAA-3EAD4609A6B1}"/>
+                  <a16:creationId xmlns:a16="http://schemas.microsoft.com/office/drawing/2014/main" id="{BD3D64CA-2AAD-4609-8DAA-3EAD4609A6B1}"/>
                 </a:ext>
                 <a:ext uri="{C183D7F6-B498-43B3-948B-1728B52AA6E4}">
-                  <adec:decorative xmlns="" xmlns:adec="http://schemas.microsoft.com/office/drawing/2017/decorative" val="1"/>
+                  <adec:decorative xmlns:adec="http://schemas.microsoft.com/office/drawing/2017/decorative" val="1"/>
                 </a:ext>
               </a:extLst>
             </p:cNvPr>
@@ -9680,7 +9673,7 @@
             <p:nvPr>
               <p:extLst>
                 <p:ext uri="{386F3935-93C4-4BCD-93E2-E3B085C9AB24}">
-                  <p16:designElem xmlns="" xmlns:p16="http://schemas.microsoft.com/office/powerpoint/2015/main" val="1"/>
+                  <p16:designElem xmlns:p16="http://schemas.microsoft.com/office/powerpoint/2015/main" val="1"/>
                 </p:ext>
               </p:extLst>
             </p:nvPr>
@@ -9791,10 +9784,10 @@
             <p:cNvPr id="35" name="Freeform 35">
               <a:extLst>
                 <a:ext uri="{FF2B5EF4-FFF2-40B4-BE49-F238E27FC236}">
-                  <a16:creationId xmlns="" xmlns:a16="http://schemas.microsoft.com/office/drawing/2014/main" id="{C669E05A-8550-4E91-B29E-E1912228EC93}"/>
+                  <a16:creationId xmlns:a16="http://schemas.microsoft.com/office/drawing/2014/main" id="{C669E05A-8550-4E91-B29E-E1912228EC93}"/>
                 </a:ext>
                 <a:ext uri="{C183D7F6-B498-43B3-948B-1728B52AA6E4}">
-                  <adec:decorative xmlns="" xmlns:adec="http://schemas.microsoft.com/office/drawing/2017/decorative" val="1"/>
+                  <adec:decorative xmlns:adec="http://schemas.microsoft.com/office/drawing/2017/decorative" val="1"/>
                 </a:ext>
               </a:extLst>
             </p:cNvPr>
@@ -9802,7 +9795,7 @@
             <p:nvPr>
               <p:extLst>
                 <p:ext uri="{386F3935-93C4-4BCD-93E2-E3B085C9AB24}">
-                  <p16:designElem xmlns="" xmlns:p16="http://schemas.microsoft.com/office/powerpoint/2015/main" val="1"/>
+                  <p16:designElem xmlns:p16="http://schemas.microsoft.com/office/powerpoint/2015/main" val="1"/>
                 </p:ext>
               </p:extLst>
             </p:nvPr>
@@ -9853,10 +9846,10 @@
             <p:cNvPr id="36" name="Freeform 36">
               <a:extLst>
                 <a:ext uri="{FF2B5EF4-FFF2-40B4-BE49-F238E27FC236}">
-                  <a16:creationId xmlns="" xmlns:a16="http://schemas.microsoft.com/office/drawing/2014/main" id="{F8C1FD53-1E8F-46CA-BC2D-FCEC4DAE07F6}"/>
+                  <a16:creationId xmlns:a16="http://schemas.microsoft.com/office/drawing/2014/main" id="{F8C1FD53-1E8F-46CA-BC2D-FCEC4DAE07F6}"/>
                 </a:ext>
                 <a:ext uri="{C183D7F6-B498-43B3-948B-1728B52AA6E4}">
-                  <adec:decorative xmlns="" xmlns:adec="http://schemas.microsoft.com/office/drawing/2017/decorative" val="1"/>
+                  <adec:decorative xmlns:adec="http://schemas.microsoft.com/office/drawing/2017/decorative" val="1"/>
                 </a:ext>
               </a:extLst>
             </p:cNvPr>
@@ -9864,7 +9857,7 @@
             <p:nvPr>
               <p:extLst>
                 <p:ext uri="{386F3935-93C4-4BCD-93E2-E3B085C9AB24}">
-                  <p16:designElem xmlns="" xmlns:p16="http://schemas.microsoft.com/office/powerpoint/2015/main" val="1"/>
+                  <p16:designElem xmlns:p16="http://schemas.microsoft.com/office/powerpoint/2015/main" val="1"/>
                 </p:ext>
               </p:extLst>
             </p:nvPr>
@@ -9935,10 +9928,10 @@
             <p:cNvPr id="37" name="Freeform 37">
               <a:extLst>
                 <a:ext uri="{FF2B5EF4-FFF2-40B4-BE49-F238E27FC236}">
-                  <a16:creationId xmlns="" xmlns:a16="http://schemas.microsoft.com/office/drawing/2014/main" id="{CC97A31F-CFDE-4EA3-98F1-13FDD16702E1}"/>
+                  <a16:creationId xmlns:a16="http://schemas.microsoft.com/office/drawing/2014/main" id="{CC97A31F-CFDE-4EA3-98F1-13FDD16702E1}"/>
                 </a:ext>
                 <a:ext uri="{C183D7F6-B498-43B3-948B-1728B52AA6E4}">
-                  <adec:decorative xmlns="" xmlns:adec="http://schemas.microsoft.com/office/drawing/2017/decorative" val="1"/>
+                  <adec:decorative xmlns:adec="http://schemas.microsoft.com/office/drawing/2017/decorative" val="1"/>
                 </a:ext>
               </a:extLst>
             </p:cNvPr>
@@ -9946,7 +9939,7 @@
             <p:nvPr>
               <p:extLst>
                 <p:ext uri="{386F3935-93C4-4BCD-93E2-E3B085C9AB24}">
-                  <p16:designElem xmlns="" xmlns:p16="http://schemas.microsoft.com/office/powerpoint/2015/main" val="1"/>
+                  <p16:designElem xmlns:p16="http://schemas.microsoft.com/office/powerpoint/2015/main" val="1"/>
                 </p:ext>
               </p:extLst>
             </p:nvPr>
@@ -10012,10 +10005,10 @@
             <p:cNvPr id="38" name="Freeform 38">
               <a:extLst>
                 <a:ext uri="{FF2B5EF4-FFF2-40B4-BE49-F238E27FC236}">
-                  <a16:creationId xmlns="" xmlns:a16="http://schemas.microsoft.com/office/drawing/2014/main" id="{9E1540E7-E6C3-4907-B70A-B17568365597}"/>
+                  <a16:creationId xmlns:a16="http://schemas.microsoft.com/office/drawing/2014/main" id="{9E1540E7-E6C3-4907-B70A-B17568365597}"/>
                 </a:ext>
                 <a:ext uri="{C183D7F6-B498-43B3-948B-1728B52AA6E4}">
-                  <adec:decorative xmlns="" xmlns:adec="http://schemas.microsoft.com/office/drawing/2017/decorative" val="1"/>
+                  <adec:decorative xmlns:adec="http://schemas.microsoft.com/office/drawing/2017/decorative" val="1"/>
                 </a:ext>
               </a:extLst>
             </p:cNvPr>
@@ -10023,7 +10016,7 @@
             <p:nvPr>
               <p:extLst>
                 <p:ext uri="{386F3935-93C4-4BCD-93E2-E3B085C9AB24}">
-                  <p16:designElem xmlns="" xmlns:p16="http://schemas.microsoft.com/office/powerpoint/2015/main" val="1"/>
+                  <p16:designElem xmlns:p16="http://schemas.microsoft.com/office/powerpoint/2015/main" val="1"/>
                 </p:ext>
               </p:extLst>
             </p:nvPr>
@@ -10095,10 +10088,10 @@
           <p:cNvPr id="40" name="Freeform 11">
             <a:extLst>
               <a:ext uri="{FF2B5EF4-FFF2-40B4-BE49-F238E27FC236}">
-                <a16:creationId xmlns="" xmlns:a16="http://schemas.microsoft.com/office/drawing/2014/main" id="{1310EFE2-B91D-47E7-B117-C2A802800A7C}"/>
+                <a16:creationId xmlns:a16="http://schemas.microsoft.com/office/drawing/2014/main" id="{1310EFE2-B91D-47E7-B117-C2A802800A7C}"/>
               </a:ext>
               <a:ext uri="{C183D7F6-B498-43B3-948B-1728B52AA6E4}">
-                <adec:decorative xmlns="" xmlns:adec="http://schemas.microsoft.com/office/drawing/2017/decorative" val="1"/>
+                <adec:decorative xmlns:adec="http://schemas.microsoft.com/office/drawing/2017/decorative" val="1"/>
               </a:ext>
             </a:extLst>
           </p:cNvPr>
@@ -10108,7 +10101,7 @@
           <p:nvPr>
             <p:extLst>
               <p:ext uri="{386F3935-93C4-4BCD-93E2-E3B085C9AB24}">
-                <p16:designElem xmlns="" xmlns:p16="http://schemas.microsoft.com/office/powerpoint/2015/main" val="1"/>
+                <p16:designElem xmlns:p16="http://schemas.microsoft.com/office/powerpoint/2015/main" val="1"/>
               </p:ext>
             </p:extLst>
           </p:nvPr>
@@ -10413,26 +10406,34 @@
           <a:p>
             <a:pPr algn="ctr"/>
             <a:r>
-              <a:rPr lang="en-US" sz="1400" b="1" dirty="0" err="1" smtClean="0"/>
-              <a:t>Ruslynn</a:t>
-            </a:r>
-            <a:r>
-              <a:rPr lang="en-US" sz="1400" b="1" dirty="0" smtClean="0"/>
+              <a:rPr lang="en-US" sz="1400" b="1" dirty="0"/>
+              <a:t>Ruslynn Appana:</a:t>
+            </a:r>
+          </a:p>
+          <a:p>
+            <a:pPr algn="ctr"/>
+            <a:r>
+              <a:rPr lang="en-US" sz="1400" dirty="0"/>
+              <a:t>Interface redesign</a:t>
+            </a:r>
+          </a:p>
+          <a:p>
+            <a:pPr algn="ctr"/>
+            <a:r>
+              <a:rPr lang="en-US" sz="1400" dirty="0"/>
+              <a:t>Maintenance of all existing code to standards</a:t>
+            </a:r>
+          </a:p>
+          <a:p>
+            <a:pPr algn="ctr"/>
+            <a:r>
+              <a:rPr lang="en-US" sz="1400" b="1" dirty="0"/>
               <a:t> </a:t>
             </a:r>
             <a:r>
-              <a:rPr lang="en-US" sz="1400" b="1" dirty="0" err="1" smtClean="0"/>
-              <a:t>Appana</a:t>
-            </a:r>
-            <a:r>
-              <a:rPr lang="en-US" sz="1400" b="1" dirty="0" smtClean="0"/>
-              <a:t>: </a:t>
-            </a:r>
-            <a:r>
-              <a:rPr lang="en-US" sz="1400" dirty="0" smtClean="0"/>
+              <a:rPr lang="en-US" sz="1400" dirty="0"/>
               <a:t> </a:t>
             </a:r>
-            <a:endParaRPr lang="en-US" sz="1400" dirty="0"/>
           </a:p>
         </p:txBody>
       </p:sp>
@@ -10482,11 +10483,7 @@
             </a:r>
             <a:r>
               <a:rPr lang="en-US" sz="1400" b="1" dirty="0"/>
-              <a:t> Botha</a:t>
-            </a:r>
-            <a:r>
-              <a:rPr lang="en-US" sz="1400" b="1" dirty="0" smtClean="0"/>
-              <a:t>:</a:t>
+              <a:t> Botha:</a:t>
             </a:r>
           </a:p>
           <a:p>
@@ -10500,21 +10497,16 @@
             <a:pPr algn="ctr"/>
             <a:r>
               <a:rPr lang="en-US" sz="1400" dirty="0"/>
-              <a:t>Implemented Load </a:t>
-            </a:r>
-            <a:r>
-              <a:rPr lang="en-US" sz="1400" dirty="0" smtClean="0"/>
-              <a:t>balancer.</a:t>
-            </a:r>
-            <a:r>
-              <a:rPr lang="en-US" sz="1400" b="1" dirty="0" smtClean="0"/>
+              <a:t>Implemented Load balancer.</a:t>
+            </a:r>
+            <a:r>
+              <a:rPr lang="en-US" sz="1400" b="1" dirty="0"/>
               <a:t> </a:t>
             </a:r>
             <a:r>
-              <a:rPr lang="en-US" sz="1400" dirty="0" smtClean="0"/>
+              <a:rPr lang="en-US" sz="1400" dirty="0"/>
               <a:t> </a:t>
             </a:r>
-            <a:endParaRPr lang="en-US" sz="1400" dirty="0"/>
           </a:p>
         </p:txBody>
       </p:sp>
@@ -10567,24 +10559,23 @@
               <a:t>Carrim</a:t>
             </a:r>
             <a:r>
-              <a:rPr lang="en-US" sz="1400" b="1" dirty="0" smtClean="0"/>
+              <a:rPr lang="en-US" sz="1400" b="1" dirty="0"/>
               <a:t>:</a:t>
             </a:r>
           </a:p>
           <a:p>
             <a:pPr algn="ctr"/>
             <a:r>
-              <a:rPr lang="en-US" sz="1400" dirty="0" smtClean="0"/>
+              <a:rPr lang="en-US" sz="1400" dirty="0"/>
               <a:t>DDOS Attack Test,</a:t>
             </a:r>
           </a:p>
           <a:p>
             <a:pPr algn="ctr"/>
             <a:r>
-              <a:rPr lang="en-US" sz="1400" dirty="0" smtClean="0"/>
+              <a:rPr lang="en-US" sz="1400" dirty="0"/>
               <a:t>Helped with Load Balancing</a:t>
             </a:r>
-            <a:endParaRPr lang="en-US" sz="1400" dirty="0"/>
           </a:p>
         </p:txBody>
       </p:sp>
@@ -10696,25 +10687,16 @@
               <a:t>Opperman</a:t>
             </a:r>
             <a:r>
-              <a:rPr lang="en-US" sz="1400" b="1" dirty="0" smtClean="0"/>
+              <a:rPr lang="en-US" sz="1400" b="1" dirty="0"/>
               <a:t>:</a:t>
             </a:r>
           </a:p>
           <a:p>
             <a:pPr algn="ctr"/>
             <a:r>
-              <a:rPr lang="en-US" sz="1200" dirty="0" smtClean="0"/>
-              <a:t>Link the interface will database and the security</a:t>
-            </a:r>
-            <a:r>
               <a:rPr lang="en-US" sz="1200" dirty="0"/>
-              <a:t> </a:t>
-            </a:r>
-            <a:r>
-              <a:rPr lang="en-US" sz="1200" dirty="0" smtClean="0"/>
-              <a:t>of the interface.</a:t>
-            </a:r>
-            <a:endParaRPr lang="en-US" sz="1200" dirty="0"/>
+              <a:t>Link the interface will database and the security of the interface.</a:t>
+            </a:r>
           </a:p>
         </p:txBody>
       </p:sp>
@@ -10728,13 +10710,6 @@
   <p:clrMapOvr>
     <a:masterClrMapping/>
   </p:clrMapOvr>
-  <p:timing>
-    <p:tnLst>
-      <p:par>
-        <p:cTn id="1" dur="indefinite" restart="never" nodeType="tmRoot"/>
-      </p:par>
-    </p:tnLst>
-  </p:timing>
 </p:sld>
 </file>
 
@@ -10775,13 +10750,8 @@
             <a:pPr algn="ctr"/>
             <a:r>
               <a:rPr lang="en-US" sz="3200" b="1" dirty="0"/>
-              <a:t>C</a:t>
-            </a:r>
-            <a:r>
-              <a:rPr lang="en-US" sz="3200" b="1" dirty="0" smtClean="0"/>
-              <a:t>ore functionality</a:t>
-            </a:r>
-            <a:endParaRPr lang="en-US" sz="3200" b="1" dirty="0"/>
+              <a:t>Core functionality</a:t>
+            </a:r>
           </a:p>
         </p:txBody>
       </p:sp>
@@ -10801,33 +10771,33 @@
           <a:lstStyle/>
           <a:p>
             <a:r>
-              <a:rPr lang="en-US" dirty="0" smtClean="0"/>
+              <a:rPr lang="en-US" dirty="0"/>
               <a:t>DOS protection.</a:t>
             </a:r>
           </a:p>
           <a:p>
             <a:r>
-              <a:rPr lang="en-US" dirty="0" smtClean="0"/>
+              <a:rPr lang="en-US" dirty="0"/>
               <a:t>Load balancing.</a:t>
             </a:r>
           </a:p>
           <a:p>
             <a:r>
-              <a:rPr lang="en-US" dirty="0" smtClean="0"/>
+              <a:rPr lang="en-US" dirty="0"/>
               <a:t>Metrics with </a:t>
             </a:r>
             <a:r>
-              <a:rPr lang="en-US" dirty="0" err="1" smtClean="0"/>
+              <a:rPr lang="en-US" dirty="0" err="1"/>
               <a:t>Grafana</a:t>
             </a:r>
             <a:r>
-              <a:rPr lang="en-US" dirty="0" smtClean="0"/>
+              <a:rPr lang="en-US" dirty="0"/>
               <a:t>.</a:t>
             </a:r>
           </a:p>
           <a:p>
             <a:r>
-              <a:rPr lang="en-US" dirty="0" smtClean="0"/>
+              <a:rPr lang="en-US" dirty="0"/>
               <a:t>Modern UI.</a:t>
             </a:r>
           </a:p>
@@ -10846,13 +10816,6 @@
   <p:clrMapOvr>
     <a:masterClrMapping/>
   </p:clrMapOvr>
-  <p:timing>
-    <p:tnLst>
-      <p:par>
-        <p:cTn id="1" dur="indefinite" restart="never" nodeType="tmRoot"/>
-      </p:par>
-    </p:tnLst>
-  </p:timing>
 </p:sld>
 </file>
 
@@ -10893,15 +10856,7 @@
             <a:pPr algn="ctr"/>
             <a:r>
               <a:rPr lang="en-US" sz="3200" b="1" dirty="0"/>
-              <a:t>I</a:t>
-            </a:r>
-            <a:r>
-              <a:rPr lang="en-US" sz="3200" b="1" dirty="0" smtClean="0"/>
-              <a:t>mpressive </a:t>
-            </a:r>
-            <a:r>
-              <a:rPr lang="en-US" sz="3200" b="1" dirty="0"/>
-              <a:t>aspect</a:t>
+              <a:t>Impressive aspect</a:t>
             </a:r>
           </a:p>
         </p:txBody>
@@ -10922,33 +10877,33 @@
           <a:lstStyle/>
           <a:p>
             <a:r>
-              <a:rPr lang="en-US" dirty="0" smtClean="0"/>
+              <a:rPr lang="en-US" dirty="0"/>
               <a:t>Can protect against DDOS attack instead of DOS only.</a:t>
             </a:r>
           </a:p>
           <a:p>
             <a:r>
-              <a:rPr lang="en-US" dirty="0" err="1" smtClean="0"/>
+              <a:rPr lang="en-US" dirty="0" err="1"/>
               <a:t>Heatmap</a:t>
             </a:r>
             <a:r>
-              <a:rPr lang="en-US" dirty="0" smtClean="0"/>
+              <a:rPr lang="en-US" dirty="0"/>
               <a:t> of Incoming Traffic.</a:t>
             </a:r>
           </a:p>
           <a:p>
             <a:r>
-              <a:rPr lang="en-US" dirty="0" smtClean="0"/>
+              <a:rPr lang="en-US" dirty="0"/>
               <a:t>Different Load Balancing Algorithms</a:t>
             </a:r>
           </a:p>
           <a:p>
             <a:r>
-              <a:rPr lang="en-US" dirty="0" smtClean="0"/>
+              <a:rPr lang="en-US" dirty="0"/>
               <a:t>Shell file to install all </a:t>
             </a:r>
             <a:r>
-              <a:rPr lang="en-US" dirty="0" err="1" smtClean="0"/>
+              <a:rPr lang="en-US" dirty="0" err="1"/>
               <a:t>dependancies</a:t>
             </a:r>
             <a:endParaRPr lang="en-US" dirty="0"/>
@@ -10965,13 +10920,6 @@
   <p:clrMapOvr>
     <a:masterClrMapping/>
   </p:clrMapOvr>
-  <p:timing>
-    <p:tnLst>
-      <p:par>
-        <p:cTn id="1" dur="indefinite" restart="never" nodeType="tmRoot"/>
-      </p:par>
-    </p:tnLst>
-  </p:timing>
 </p:sld>
 </file>
 
@@ -11012,15 +10960,7 @@
             <a:pPr algn="ctr"/>
             <a:r>
               <a:rPr lang="en-US" sz="3200" b="1" dirty="0"/>
-              <a:t>D</a:t>
-            </a:r>
-            <a:r>
-              <a:rPr lang="en-US" sz="3200" b="1" dirty="0" smtClean="0"/>
-              <a:t>eployment </a:t>
-            </a:r>
-            <a:r>
-              <a:rPr lang="en-US" sz="3200" b="1" dirty="0"/>
-              <a:t>diagram</a:t>
+              <a:t>Deployment diagram</a:t>
             </a:r>
           </a:p>
         </p:txBody>
@@ -11064,13 +11004,6 @@
   <p:clrMapOvr>
     <a:masterClrMapping/>
   </p:clrMapOvr>
-  <p:timing>
-    <p:tnLst>
-      <p:par>
-        <p:cTn id="1" dur="indefinite" restart="never" nodeType="tmRoot"/>
-      </p:par>
-    </p:tnLst>
-  </p:timing>
 </p:sld>
 </file>
 
@@ -11111,15 +11044,7 @@
             <a:pPr algn="ctr"/>
             <a:r>
               <a:rPr lang="en-US" sz="3200" b="1" dirty="0"/>
-              <a:t>L</a:t>
-            </a:r>
-            <a:r>
-              <a:rPr lang="en-US" sz="3200" b="1" dirty="0" smtClean="0"/>
-              <a:t>ist of what </a:t>
-            </a:r>
-            <a:r>
-              <a:rPr lang="en-US" sz="3200" b="1" dirty="0"/>
-              <a:t>is left</a:t>
+              <a:t>List of what is left</a:t>
             </a:r>
           </a:p>
         </p:txBody>
@@ -11140,29 +11065,27 @@
           <a:lstStyle/>
           <a:p>
             <a:r>
-              <a:rPr lang="en-US" dirty="0" smtClean="0"/>
+              <a:rPr lang="en-US" dirty="0"/>
               <a:t>Optimizing database connection</a:t>
             </a:r>
           </a:p>
           <a:p>
             <a:r>
-              <a:rPr lang="en-US" dirty="0" smtClean="0"/>
+              <a:rPr lang="en-US" dirty="0"/>
               <a:t>Adding triggers to database</a:t>
             </a:r>
-            <a:endParaRPr lang="en-US" dirty="0" smtClean="0"/>
-          </a:p>
-          <a:p>
-            <a:r>
-              <a:rPr lang="en-US" dirty="0" smtClean="0"/>
+          </a:p>
+          <a:p>
+            <a:r>
+              <a:rPr lang="en-US" dirty="0"/>
               <a:t>Exponential counter for blacklisting</a:t>
             </a:r>
           </a:p>
           <a:p>
             <a:r>
-              <a:rPr lang="en-US" dirty="0" smtClean="0"/>
+              <a:rPr lang="en-US" dirty="0"/>
               <a:t>Improving interface to backend compatibility</a:t>
             </a:r>
-            <a:endParaRPr lang="en-US" dirty="0"/>
           </a:p>
         </p:txBody>
       </p:sp>
@@ -11176,13 +11099,6 @@
   <p:clrMapOvr>
     <a:masterClrMapping/>
   </p:clrMapOvr>
-  <p:timing>
-    <p:tnLst>
-      <p:par>
-        <p:cTn id="1" dur="indefinite" restart="never" nodeType="tmRoot"/>
-      </p:par>
-    </p:tnLst>
-  </p:timing>
 </p:sld>
 </file>
 
@@ -11223,15 +11139,7 @@
             <a:pPr algn="ctr"/>
             <a:r>
               <a:rPr lang="en-US" sz="3200" b="1" dirty="0"/>
-              <a:t>S</a:t>
-            </a:r>
-            <a:r>
-              <a:rPr lang="en-US" sz="3200" b="1" dirty="0" smtClean="0"/>
-              <a:t>tand-out </a:t>
-            </a:r>
-            <a:r>
-              <a:rPr lang="en-US" sz="3200" b="1" dirty="0"/>
-              <a:t>extension</a:t>
+              <a:t>Stand-out extension</a:t>
             </a:r>
           </a:p>
         </p:txBody>
@@ -11252,28 +11160,27 @@
           <a:lstStyle/>
           <a:p>
             <a:r>
-              <a:rPr lang="en-US" dirty="0" smtClean="0"/>
+              <a:rPr lang="en-US" dirty="0"/>
               <a:t>Logging provides capabilities for forensic investigation into possible attacks</a:t>
             </a:r>
           </a:p>
           <a:p>
             <a:r>
-              <a:rPr lang="en-US" dirty="0" smtClean="0"/>
+              <a:rPr lang="en-US" dirty="0"/>
               <a:t>Can protect any backend server that is registered with the device</a:t>
             </a:r>
           </a:p>
           <a:p>
             <a:r>
-              <a:rPr lang="en-US" dirty="0" smtClean="0"/>
+              <a:rPr lang="en-US" dirty="0"/>
               <a:t>Possibility to defend against SYN attacks from number of connections implementation</a:t>
             </a:r>
           </a:p>
           <a:p>
             <a:r>
-              <a:rPr lang="en-US" dirty="0" smtClean="0"/>
+              <a:rPr lang="en-US" dirty="0"/>
               <a:t>Documentation is user friendly </a:t>
             </a:r>
-            <a:endParaRPr lang="en-US" dirty="0" smtClean="0"/>
           </a:p>
           <a:p>
             <a:pPr marL="0" indent="0">
@@ -11293,13 +11200,6 @@
   <p:clrMapOvr>
     <a:masterClrMapping/>
   </p:clrMapOvr>
-  <p:timing>
-    <p:tnLst>
-      <p:par>
-        <p:cTn id="1" dur="indefinite" restart="never" nodeType="tmRoot"/>
-      </p:par>
-    </p:tnLst>
-  </p:timing>
 </p:sld>
 </file>
 
@@ -11360,13 +11260,6 @@
   <p:clrMapOvr>
     <a:masterClrMapping/>
   </p:clrMapOvr>
-  <p:timing>
-    <p:tnLst>
-      <p:par>
-        <p:cTn id="1" dur="indefinite" restart="never" nodeType="tmRoot"/>
-      </p:par>
-    </p:tnLst>
-  </p:timing>
 </p:sld>
 </file>
 
@@ -11607,7 +11500,7 @@
   <a:extraClrSchemeLst/>
   <a:extLst>
     <a:ext uri="{05A4C25C-085E-4340-85A3-A5531E510DB2}">
-      <thm15:themeFamily xmlns="" xmlns:thm15="http://schemas.microsoft.com/office/thememl/2012/main" name="Wisp" id="{7CB32D59-10C0-40DD-B7BD-2E94284A981C}" vid="{24B1A44C-C006-48B2-A4D7-E5549B3D8CD4}"/>
+      <thm15:themeFamily xmlns:thm15="http://schemas.microsoft.com/office/thememl/2012/main" name="Wisp" id="{7CB32D59-10C0-40DD-B7BD-2E94284A981C}" vid="{24B1A44C-C006-48B2-A4D7-E5549B3D8CD4}"/>
     </a:ext>
   </a:extLst>
 </a:theme>

--- a/SRS/SlideShow4.pptx
+++ b/SRS/SlideShow4.pptx
@@ -113,7 +113,7 @@
   </p:defaultTextStyle>
   <p:extLst>
     <p:ext uri="{EFAFB233-063F-42B5-8137-9DF3F51BA10A}">
-      <p15:sldGuideLst xmlns:p15="http://schemas.microsoft.com/office/powerpoint/2012/main">
+      <p15:sldGuideLst xmlns="" xmlns:p15="http://schemas.microsoft.com/office/powerpoint/2012/main">
         <p15:guide id="1" orient="horz" pos="2160">
           <p15:clr>
             <a:srgbClr val="A4A3A4"/>
@@ -318,7 +318,7 @@
           <a:p>
             <a:fld id="{030CC8C2-31CE-435F-A416-A5DD09A07E33}" type="datetimeFigureOut">
               <a:rPr lang="en-ZA" smtClean="0"/>
-              <a:t>2019/08/21</a:t>
+              <a:t>2019/08/22</a:t>
             </a:fld>
             <a:endParaRPr lang="en-ZA"/>
           </a:p>
@@ -656,7 +656,7 @@
           <a:p>
             <a:fld id="{030CC8C2-31CE-435F-A416-A5DD09A07E33}" type="datetimeFigureOut">
               <a:rPr lang="en-ZA" smtClean="0"/>
-              <a:t>2019/08/21</a:t>
+              <a:t>2019/08/22</a:t>
             </a:fld>
             <a:endParaRPr lang="en-ZA"/>
           </a:p>
@@ -1057,7 +1057,7 @@
           <a:p>
             <a:fld id="{030CC8C2-31CE-435F-A416-A5DD09A07E33}" type="datetimeFigureOut">
               <a:rPr lang="en-ZA" smtClean="0"/>
-              <a:t>2019/08/21</a:t>
+              <a:t>2019/08/22</a:t>
             </a:fld>
             <a:endParaRPr lang="en-ZA"/>
           </a:p>
@@ -1393,7 +1393,7 @@
           <a:p>
             <a:fld id="{030CC8C2-31CE-435F-A416-A5DD09A07E33}" type="datetimeFigureOut">
               <a:rPr lang="en-ZA" smtClean="0"/>
-              <a:t>2019/08/21</a:t>
+              <a:t>2019/08/22</a:t>
             </a:fld>
             <a:endParaRPr lang="en-ZA"/>
           </a:p>
@@ -1713,7 +1713,7 @@
           <a:p>
             <a:fld id="{030CC8C2-31CE-435F-A416-A5DD09A07E33}" type="datetimeFigureOut">
               <a:rPr lang="en-ZA" smtClean="0"/>
-              <a:t>2019/08/21</a:t>
+              <a:t>2019/08/22</a:t>
             </a:fld>
             <a:endParaRPr lang="en-ZA"/>
           </a:p>
@@ -2109,7 +2109,7 @@
           <a:p>
             <a:fld id="{030CC8C2-31CE-435F-A416-A5DD09A07E33}" type="datetimeFigureOut">
               <a:rPr lang="en-ZA" smtClean="0"/>
-              <a:t>2019/08/21</a:t>
+              <a:t>2019/08/22</a:t>
             </a:fld>
             <a:endParaRPr lang="en-ZA"/>
           </a:p>
@@ -2366,7 +2366,7 @@
           <a:p>
             <a:fld id="{030CC8C2-31CE-435F-A416-A5DD09A07E33}" type="datetimeFigureOut">
               <a:rPr lang="en-ZA" smtClean="0"/>
-              <a:t>2019/08/21</a:t>
+              <a:t>2019/08/22</a:t>
             </a:fld>
             <a:endParaRPr lang="en-ZA"/>
           </a:p>
@@ -2628,7 +2628,7 @@
           <a:p>
             <a:fld id="{030CC8C2-31CE-435F-A416-A5DD09A07E33}" type="datetimeFigureOut">
               <a:rPr lang="en-ZA" smtClean="0"/>
-              <a:t>2019/08/21</a:t>
+              <a:t>2019/08/22</a:t>
             </a:fld>
             <a:endParaRPr lang="en-ZA"/>
           </a:p>
@@ -2890,7 +2890,7 @@
           <a:p>
             <a:fld id="{030CC8C2-31CE-435F-A416-A5DD09A07E33}" type="datetimeFigureOut">
               <a:rPr lang="en-ZA" smtClean="0"/>
-              <a:t>2019/08/21</a:t>
+              <a:t>2019/08/22</a:t>
             </a:fld>
             <a:endParaRPr lang="en-ZA"/>
           </a:p>
@@ -3219,7 +3219,7 @@
           <a:p>
             <a:fld id="{030CC8C2-31CE-435F-A416-A5DD09A07E33}" type="datetimeFigureOut">
               <a:rPr lang="en-ZA" smtClean="0"/>
-              <a:t>2019/08/21</a:t>
+              <a:t>2019/08/22</a:t>
             </a:fld>
             <a:endParaRPr lang="en-ZA"/>
           </a:p>
@@ -3542,7 +3542,7 @@
           <a:p>
             <a:fld id="{030CC8C2-31CE-435F-A416-A5DD09A07E33}" type="datetimeFigureOut">
               <a:rPr lang="en-ZA" smtClean="0"/>
-              <a:t>2019/08/21</a:t>
+              <a:t>2019/08/22</a:t>
             </a:fld>
             <a:endParaRPr lang="en-ZA"/>
           </a:p>
@@ -3999,7 +3999,7 @@
           <a:p>
             <a:fld id="{030CC8C2-31CE-435F-A416-A5DD09A07E33}" type="datetimeFigureOut">
               <a:rPr lang="en-ZA" smtClean="0"/>
-              <a:t>2019/08/21</a:t>
+              <a:t>2019/08/22</a:t>
             </a:fld>
             <a:endParaRPr lang="en-ZA"/>
           </a:p>
@@ -4204,7 +4204,7 @@
           <a:p>
             <a:fld id="{030CC8C2-31CE-435F-A416-A5DD09A07E33}" type="datetimeFigureOut">
               <a:rPr lang="en-ZA" smtClean="0"/>
-              <a:t>2019/08/21</a:t>
+              <a:t>2019/08/22</a:t>
             </a:fld>
             <a:endParaRPr lang="en-ZA"/>
           </a:p>
@@ -4381,7 +4381,7 @@
           <a:p>
             <a:fld id="{030CC8C2-31CE-435F-A416-A5DD09A07E33}" type="datetimeFigureOut">
               <a:rPr lang="en-ZA" smtClean="0"/>
-              <a:t>2019/08/21</a:t>
+              <a:t>2019/08/22</a:t>
             </a:fld>
             <a:endParaRPr lang="en-ZA"/>
           </a:p>
@@ -4714,7 +4714,7 @@
           <a:p>
             <a:fld id="{030CC8C2-31CE-435F-A416-A5DD09A07E33}" type="datetimeFigureOut">
               <a:rPr lang="en-ZA" smtClean="0"/>
-              <a:t>2019/08/21</a:t>
+              <a:t>2019/08/22</a:t>
             </a:fld>
             <a:endParaRPr lang="en-ZA"/>
           </a:p>
@@ -5059,7 +5059,7 @@
           <a:p>
             <a:fld id="{030CC8C2-31CE-435F-A416-A5DD09A07E33}" type="datetimeFigureOut">
               <a:rPr lang="en-ZA" smtClean="0"/>
-              <a:t>2019/08/21</a:t>
+              <a:t>2019/08/22</a:t>
             </a:fld>
             <a:endParaRPr lang="en-ZA"/>
           </a:p>
@@ -7176,7 +7176,7 @@
           <a:p>
             <a:fld id="{030CC8C2-31CE-435F-A416-A5DD09A07E33}" type="datetimeFigureOut">
               <a:rPr lang="en-ZA" smtClean="0"/>
-              <a:t>2019/08/21</a:t>
+              <a:t>2019/08/22</a:t>
             </a:fld>
             <a:endParaRPr lang="en-ZA"/>
           </a:p>
@@ -7725,10 +7725,10 @@
           <p:cNvPr id="8" name="Rectangle 7">
             <a:extLst>
               <a:ext uri="{FF2B5EF4-FFF2-40B4-BE49-F238E27FC236}">
-                <a16:creationId xmlns:a16="http://schemas.microsoft.com/office/drawing/2014/main" id="{F81819F9-8CAC-4A6C-8F06-0482027F9736}"/>
+                <a16:creationId xmlns="" xmlns:a16="http://schemas.microsoft.com/office/drawing/2014/main" id="{F81819F9-8CAC-4A6C-8F06-0482027F9736}"/>
               </a:ext>
               <a:ext uri="{C183D7F6-B498-43B3-948B-1728B52AA6E4}">
-                <adec:decorative xmlns:adec="http://schemas.microsoft.com/office/drawing/2017/decorative" val="1"/>
+                <adec:decorative xmlns="" xmlns:adec="http://schemas.microsoft.com/office/drawing/2017/decorative" val="1"/>
               </a:ext>
             </a:extLst>
           </p:cNvPr>
@@ -7738,7 +7738,7 @@
           <p:nvPr>
             <p:extLst>
               <p:ext uri="{386F3935-93C4-4BCD-93E2-E3B085C9AB24}">
-                <p16:designElem xmlns:p16="http://schemas.microsoft.com/office/powerpoint/2015/main" val="1"/>
+                <p16:designElem xmlns="" xmlns:p16="http://schemas.microsoft.com/office/powerpoint/2015/main" val="1"/>
               </p:ext>
             </p:extLst>
           </p:nvPr>
@@ -7785,7 +7785,7 @@
           <p:cNvPr id="2" name="Title 1">
             <a:extLst>
               <a:ext uri="{FF2B5EF4-FFF2-40B4-BE49-F238E27FC236}">
-                <a16:creationId xmlns:a16="http://schemas.microsoft.com/office/drawing/2014/main" id="{ACCA312D-3828-4024-9CA0-545EE469B88F}"/>
+                <a16:creationId xmlns="" xmlns:a16="http://schemas.microsoft.com/office/drawing/2014/main" id="{ACCA312D-3828-4024-9CA0-545EE469B88F}"/>
               </a:ext>
             </a:extLst>
           </p:cNvPr>
@@ -7840,6 +7840,13 @@
               </a:rPr>
               <a:t>nites</a:t>
             </a:r>
+            <a:r>
+              <a:rPr lang="en-ZA" sz="5000" dirty="0">
+                <a:latin typeface="Times New Roman" panose="02020603050405020304" pitchFamily="18" charset="0"/>
+                <a:cs typeface="Times New Roman" panose="02020603050405020304" pitchFamily="18" charset="0"/>
+              </a:rPr>
+              <a:t/>
+            </a:r>
             <a:br>
               <a:rPr lang="en-ZA" sz="5000" dirty="0">
                 <a:latin typeface="Times New Roman" panose="02020603050405020304" pitchFamily="18" charset="0"/>
@@ -7865,7 +7872,7 @@
           <p:cNvPr id="3" name="Subtitle 2">
             <a:extLst>
               <a:ext uri="{FF2B5EF4-FFF2-40B4-BE49-F238E27FC236}">
-                <a16:creationId xmlns:a16="http://schemas.microsoft.com/office/drawing/2014/main" id="{C7503EA1-3526-455A-926A-3FC10C2110C2}"/>
+                <a16:creationId xmlns="" xmlns:a16="http://schemas.microsoft.com/office/drawing/2014/main" id="{C7503EA1-3526-455A-926A-3FC10C2110C2}"/>
               </a:ext>
             </a:extLst>
           </p:cNvPr>
@@ -7910,10 +7917,10 @@
           <p:cNvPr id="10" name="Rectangle 9">
             <a:extLst>
               <a:ext uri="{FF2B5EF4-FFF2-40B4-BE49-F238E27FC236}">
-                <a16:creationId xmlns:a16="http://schemas.microsoft.com/office/drawing/2014/main" id="{4A98CC08-AEC2-4E8F-8F52-0F5C6372DB4F}"/>
+                <a16:creationId xmlns="" xmlns:a16="http://schemas.microsoft.com/office/drawing/2014/main" id="{4A98CC08-AEC2-4E8F-8F52-0F5C6372DB4F}"/>
               </a:ext>
               <a:ext uri="{C183D7F6-B498-43B3-948B-1728B52AA6E4}">
-                <adec:decorative xmlns:adec="http://schemas.microsoft.com/office/drawing/2017/decorative" val="1"/>
+                <adec:decorative xmlns="" xmlns:adec="http://schemas.microsoft.com/office/drawing/2017/decorative" val="1"/>
               </a:ext>
             </a:extLst>
           </p:cNvPr>
@@ -7923,7 +7930,7 @@
           <p:nvPr>
             <p:extLst>
               <p:ext uri="{386F3935-93C4-4BCD-93E2-E3B085C9AB24}">
-                <p16:designElem xmlns:p16="http://schemas.microsoft.com/office/powerpoint/2015/main" val="1"/>
+                <p16:designElem xmlns="" xmlns:p16="http://schemas.microsoft.com/office/powerpoint/2015/main" val="1"/>
               </p:ext>
             </p:extLst>
           </p:nvPr>
@@ -7973,10 +7980,10 @@
           <p:cNvPr id="12" name="Group 11">
             <a:extLst>
               <a:ext uri="{FF2B5EF4-FFF2-40B4-BE49-F238E27FC236}">
-                <a16:creationId xmlns:a16="http://schemas.microsoft.com/office/drawing/2014/main" id="{5D1545E6-EB3C-4478-A661-A2CA963F129C}"/>
+                <a16:creationId xmlns="" xmlns:a16="http://schemas.microsoft.com/office/drawing/2014/main" id="{5D1545E6-EB3C-4478-A661-A2CA963F129C}"/>
               </a:ext>
               <a:ext uri="{C183D7F6-B498-43B3-948B-1728B52AA6E4}">
-                <adec:decorative xmlns:adec="http://schemas.microsoft.com/office/drawing/2017/decorative" val="1"/>
+                <adec:decorative xmlns="" xmlns:adec="http://schemas.microsoft.com/office/drawing/2017/decorative" val="1"/>
               </a:ext>
             </a:extLst>
           </p:cNvPr>
@@ -7986,7 +7993,7 @@
           <p:nvPr>
             <p:extLst>
               <p:ext uri="{386F3935-93C4-4BCD-93E2-E3B085C9AB24}">
-                <p16:designElem xmlns:p16="http://schemas.microsoft.com/office/powerpoint/2015/main" val="1"/>
+                <p16:designElem xmlns="" xmlns:p16="http://schemas.microsoft.com/office/powerpoint/2015/main" val="1"/>
               </p:ext>
             </p:extLst>
           </p:nvPr>
@@ -8011,10 +8018,10 @@
             <p:cNvPr id="13" name="Freeform 11">
               <a:extLst>
                 <a:ext uri="{FF2B5EF4-FFF2-40B4-BE49-F238E27FC236}">
-                  <a16:creationId xmlns:a16="http://schemas.microsoft.com/office/drawing/2014/main" id="{B2E5B960-0C5D-4F77-8E9F-9F3D883D83C5}"/>
+                  <a16:creationId xmlns="" xmlns:a16="http://schemas.microsoft.com/office/drawing/2014/main" id="{B2E5B960-0C5D-4F77-8E9F-9F3D883D83C5}"/>
                 </a:ext>
                 <a:ext uri="{C183D7F6-B498-43B3-948B-1728B52AA6E4}">
-                  <adec:decorative xmlns:adec="http://schemas.microsoft.com/office/drawing/2017/decorative" val="1"/>
+                  <adec:decorative xmlns="" xmlns:adec="http://schemas.microsoft.com/office/drawing/2017/decorative" val="1"/>
                 </a:ext>
               </a:extLst>
             </p:cNvPr>
@@ -8022,7 +8029,7 @@
             <p:nvPr>
               <p:extLst>
                 <p:ext uri="{386F3935-93C4-4BCD-93E2-E3B085C9AB24}">
-                  <p16:designElem xmlns:p16="http://schemas.microsoft.com/office/powerpoint/2015/main" val="1"/>
+                  <p16:designElem xmlns="" xmlns:p16="http://schemas.microsoft.com/office/powerpoint/2015/main" val="1"/>
                 </p:ext>
               </p:extLst>
             </p:nvPr>
@@ -8083,10 +8090,10 @@
             <p:cNvPr id="14" name="Freeform 12">
               <a:extLst>
                 <a:ext uri="{FF2B5EF4-FFF2-40B4-BE49-F238E27FC236}">
-                  <a16:creationId xmlns:a16="http://schemas.microsoft.com/office/drawing/2014/main" id="{258E44FC-92AD-43A0-BB05-DB268C82D8B2}"/>
+                  <a16:creationId xmlns="" xmlns:a16="http://schemas.microsoft.com/office/drawing/2014/main" id="{258E44FC-92AD-43A0-BB05-DB268C82D8B2}"/>
                 </a:ext>
                 <a:ext uri="{C183D7F6-B498-43B3-948B-1728B52AA6E4}">
-                  <adec:decorative xmlns:adec="http://schemas.microsoft.com/office/drawing/2017/decorative" val="1"/>
+                  <adec:decorative xmlns="" xmlns:adec="http://schemas.microsoft.com/office/drawing/2017/decorative" val="1"/>
                 </a:ext>
               </a:extLst>
             </p:cNvPr>
@@ -8094,7 +8101,7 @@
             <p:nvPr>
               <p:extLst>
                 <p:ext uri="{386F3935-93C4-4BCD-93E2-E3B085C9AB24}">
-                  <p16:designElem xmlns:p16="http://schemas.microsoft.com/office/powerpoint/2015/main" val="1"/>
+                  <p16:designElem xmlns="" xmlns:p16="http://schemas.microsoft.com/office/powerpoint/2015/main" val="1"/>
                 </p:ext>
               </p:extLst>
             </p:nvPr>
@@ -8160,10 +8167,10 @@
             <p:cNvPr id="15" name="Freeform 13">
               <a:extLst>
                 <a:ext uri="{FF2B5EF4-FFF2-40B4-BE49-F238E27FC236}">
-                  <a16:creationId xmlns:a16="http://schemas.microsoft.com/office/drawing/2014/main" id="{C63D3083-A56C-4199-8DE0-63C8BE9EDFE9}"/>
+                  <a16:creationId xmlns="" xmlns:a16="http://schemas.microsoft.com/office/drawing/2014/main" id="{C63D3083-A56C-4199-8DE0-63C8BE9EDFE9}"/>
                 </a:ext>
                 <a:ext uri="{C183D7F6-B498-43B3-948B-1728B52AA6E4}">
-                  <adec:decorative xmlns:adec="http://schemas.microsoft.com/office/drawing/2017/decorative" val="1"/>
+                  <adec:decorative xmlns="" xmlns:adec="http://schemas.microsoft.com/office/drawing/2017/decorative" val="1"/>
                 </a:ext>
               </a:extLst>
             </p:cNvPr>
@@ -8171,7 +8178,7 @@
             <p:nvPr>
               <p:extLst>
                 <p:ext uri="{386F3935-93C4-4BCD-93E2-E3B085C9AB24}">
-                  <p16:designElem xmlns:p16="http://schemas.microsoft.com/office/powerpoint/2015/main" val="1"/>
+                  <p16:designElem xmlns="" xmlns:p16="http://schemas.microsoft.com/office/powerpoint/2015/main" val="1"/>
                 </p:ext>
               </p:extLst>
             </p:nvPr>
@@ -8242,10 +8249,10 @@
             <p:cNvPr id="16" name="Freeform 14">
               <a:extLst>
                 <a:ext uri="{FF2B5EF4-FFF2-40B4-BE49-F238E27FC236}">
-                  <a16:creationId xmlns:a16="http://schemas.microsoft.com/office/drawing/2014/main" id="{C7CD3581-635D-438F-A64F-68404E7AE0B8}"/>
+                  <a16:creationId xmlns="" xmlns:a16="http://schemas.microsoft.com/office/drawing/2014/main" id="{C7CD3581-635D-438F-A64F-68404E7AE0B8}"/>
                 </a:ext>
                 <a:ext uri="{C183D7F6-B498-43B3-948B-1728B52AA6E4}">
-                  <adec:decorative xmlns:adec="http://schemas.microsoft.com/office/drawing/2017/decorative" val="1"/>
+                  <adec:decorative xmlns="" xmlns:adec="http://schemas.microsoft.com/office/drawing/2017/decorative" val="1"/>
                 </a:ext>
               </a:extLst>
             </p:cNvPr>
@@ -8253,7 +8260,7 @@
             <p:nvPr>
               <p:extLst>
                 <p:ext uri="{386F3935-93C4-4BCD-93E2-E3B085C9AB24}">
-                  <p16:designElem xmlns:p16="http://schemas.microsoft.com/office/powerpoint/2015/main" val="1"/>
+                  <p16:designElem xmlns="" xmlns:p16="http://schemas.microsoft.com/office/powerpoint/2015/main" val="1"/>
                 </p:ext>
               </p:extLst>
             </p:nvPr>
@@ -8304,10 +8311,10 @@
             <p:cNvPr id="17" name="Freeform 15">
               <a:extLst>
                 <a:ext uri="{FF2B5EF4-FFF2-40B4-BE49-F238E27FC236}">
-                  <a16:creationId xmlns:a16="http://schemas.microsoft.com/office/drawing/2014/main" id="{AD6904C0-211C-41A2-BDB8-3B07C90BBB4C}"/>
+                  <a16:creationId xmlns="" xmlns:a16="http://schemas.microsoft.com/office/drawing/2014/main" id="{AD6904C0-211C-41A2-BDB8-3B07C90BBB4C}"/>
                 </a:ext>
                 <a:ext uri="{C183D7F6-B498-43B3-948B-1728B52AA6E4}">
-                  <adec:decorative xmlns:adec="http://schemas.microsoft.com/office/drawing/2017/decorative" val="1"/>
+                  <adec:decorative xmlns="" xmlns:adec="http://schemas.microsoft.com/office/drawing/2017/decorative" val="1"/>
                 </a:ext>
               </a:extLst>
             </p:cNvPr>
@@ -8315,7 +8322,7 @@
             <p:nvPr>
               <p:extLst>
                 <p:ext uri="{386F3935-93C4-4BCD-93E2-E3B085C9AB24}">
-                  <p16:designElem xmlns:p16="http://schemas.microsoft.com/office/powerpoint/2015/main" val="1"/>
+                  <p16:designElem xmlns="" xmlns:p16="http://schemas.microsoft.com/office/powerpoint/2015/main" val="1"/>
                 </p:ext>
               </p:extLst>
             </p:nvPr>
@@ -8401,10 +8408,10 @@
             <p:cNvPr id="18" name="Freeform 16">
               <a:extLst>
                 <a:ext uri="{FF2B5EF4-FFF2-40B4-BE49-F238E27FC236}">
-                  <a16:creationId xmlns:a16="http://schemas.microsoft.com/office/drawing/2014/main" id="{B0837DA6-CAF9-4E78-A39E-6358EDE2B108}"/>
+                  <a16:creationId xmlns="" xmlns:a16="http://schemas.microsoft.com/office/drawing/2014/main" id="{B0837DA6-CAF9-4E78-A39E-6358EDE2B108}"/>
                 </a:ext>
                 <a:ext uri="{C183D7F6-B498-43B3-948B-1728B52AA6E4}">
-                  <adec:decorative xmlns:adec="http://schemas.microsoft.com/office/drawing/2017/decorative" val="1"/>
+                  <adec:decorative xmlns="" xmlns:adec="http://schemas.microsoft.com/office/drawing/2017/decorative" val="1"/>
                 </a:ext>
               </a:extLst>
             </p:cNvPr>
@@ -8412,7 +8419,7 @@
             <p:nvPr>
               <p:extLst>
                 <p:ext uri="{386F3935-93C4-4BCD-93E2-E3B085C9AB24}">
-                  <p16:designElem xmlns:p16="http://schemas.microsoft.com/office/powerpoint/2015/main" val="1"/>
+                  <p16:designElem xmlns="" xmlns:p16="http://schemas.microsoft.com/office/powerpoint/2015/main" val="1"/>
                 </p:ext>
               </p:extLst>
             </p:nvPr>
@@ -8493,10 +8500,10 @@
             <p:cNvPr id="19" name="Freeform 17">
               <a:extLst>
                 <a:ext uri="{FF2B5EF4-FFF2-40B4-BE49-F238E27FC236}">
-                  <a16:creationId xmlns:a16="http://schemas.microsoft.com/office/drawing/2014/main" id="{0A99DD7D-3AB3-471E-842F-8AFEA09D07E4}"/>
+                  <a16:creationId xmlns="" xmlns:a16="http://schemas.microsoft.com/office/drawing/2014/main" id="{0A99DD7D-3AB3-471E-842F-8AFEA09D07E4}"/>
                 </a:ext>
                 <a:ext uri="{C183D7F6-B498-43B3-948B-1728B52AA6E4}">
-                  <adec:decorative xmlns:adec="http://schemas.microsoft.com/office/drawing/2017/decorative" val="1"/>
+                  <adec:decorative xmlns="" xmlns:adec="http://schemas.microsoft.com/office/drawing/2017/decorative" val="1"/>
                 </a:ext>
               </a:extLst>
             </p:cNvPr>
@@ -8504,7 +8511,7 @@
             <p:nvPr>
               <p:extLst>
                 <p:ext uri="{386F3935-93C4-4BCD-93E2-E3B085C9AB24}">
-                  <p16:designElem xmlns:p16="http://schemas.microsoft.com/office/powerpoint/2015/main" val="1"/>
+                  <p16:designElem xmlns="" xmlns:p16="http://schemas.microsoft.com/office/powerpoint/2015/main" val="1"/>
                 </p:ext>
               </p:extLst>
             </p:nvPr>
@@ -8565,10 +8572,10 @@
             <p:cNvPr id="20" name="Freeform 18">
               <a:extLst>
                 <a:ext uri="{FF2B5EF4-FFF2-40B4-BE49-F238E27FC236}">
-                  <a16:creationId xmlns:a16="http://schemas.microsoft.com/office/drawing/2014/main" id="{9C70B0D4-92FE-478F-86BD-93BA2C4DFCDC}"/>
+                  <a16:creationId xmlns="" xmlns:a16="http://schemas.microsoft.com/office/drawing/2014/main" id="{9C70B0D4-92FE-478F-86BD-93BA2C4DFCDC}"/>
                 </a:ext>
                 <a:ext uri="{C183D7F6-B498-43B3-948B-1728B52AA6E4}">
-                  <adec:decorative xmlns:adec="http://schemas.microsoft.com/office/drawing/2017/decorative" val="1"/>
+                  <adec:decorative xmlns="" xmlns:adec="http://schemas.microsoft.com/office/drawing/2017/decorative" val="1"/>
                 </a:ext>
               </a:extLst>
             </p:cNvPr>
@@ -8576,7 +8583,7 @@
             <p:nvPr>
               <p:extLst>
                 <p:ext uri="{386F3935-93C4-4BCD-93E2-E3B085C9AB24}">
-                  <p16:designElem xmlns:p16="http://schemas.microsoft.com/office/powerpoint/2015/main" val="1"/>
+                  <p16:designElem xmlns="" xmlns:p16="http://schemas.microsoft.com/office/powerpoint/2015/main" val="1"/>
                 </p:ext>
               </p:extLst>
             </p:nvPr>
@@ -8657,10 +8664,10 @@
             <p:cNvPr id="21" name="Freeform 19">
               <a:extLst>
                 <a:ext uri="{FF2B5EF4-FFF2-40B4-BE49-F238E27FC236}">
-                  <a16:creationId xmlns:a16="http://schemas.microsoft.com/office/drawing/2014/main" id="{C9156BE6-11D4-4696-9E3F-C325BFAC8196}"/>
+                  <a16:creationId xmlns="" xmlns:a16="http://schemas.microsoft.com/office/drawing/2014/main" id="{C9156BE6-11D4-4696-9E3F-C325BFAC8196}"/>
                 </a:ext>
                 <a:ext uri="{C183D7F6-B498-43B3-948B-1728B52AA6E4}">
-                  <adec:decorative xmlns:adec="http://schemas.microsoft.com/office/drawing/2017/decorative" val="1"/>
+                  <adec:decorative xmlns="" xmlns:adec="http://schemas.microsoft.com/office/drawing/2017/decorative" val="1"/>
                 </a:ext>
               </a:extLst>
             </p:cNvPr>
@@ -8668,7 +8675,7 @@
             <p:nvPr>
               <p:extLst>
                 <p:ext uri="{386F3935-93C4-4BCD-93E2-E3B085C9AB24}">
-                  <p16:designElem xmlns:p16="http://schemas.microsoft.com/office/powerpoint/2015/main" val="1"/>
+                  <p16:designElem xmlns="" xmlns:p16="http://schemas.microsoft.com/office/powerpoint/2015/main" val="1"/>
                 </p:ext>
               </p:extLst>
             </p:nvPr>
@@ -8784,10 +8791,10 @@
             <p:cNvPr id="22" name="Freeform 20">
               <a:extLst>
                 <a:ext uri="{FF2B5EF4-FFF2-40B4-BE49-F238E27FC236}">
-                  <a16:creationId xmlns:a16="http://schemas.microsoft.com/office/drawing/2014/main" id="{4E667226-1D20-4A9D-BBE3-AC17EA436F05}"/>
+                  <a16:creationId xmlns="" xmlns:a16="http://schemas.microsoft.com/office/drawing/2014/main" id="{4E667226-1D20-4A9D-BBE3-AC17EA436F05}"/>
                 </a:ext>
                 <a:ext uri="{C183D7F6-B498-43B3-948B-1728B52AA6E4}">
-                  <adec:decorative xmlns:adec="http://schemas.microsoft.com/office/drawing/2017/decorative" val="1"/>
+                  <adec:decorative xmlns="" xmlns:adec="http://schemas.microsoft.com/office/drawing/2017/decorative" val="1"/>
                 </a:ext>
               </a:extLst>
             </p:cNvPr>
@@ -8795,7 +8802,7 @@
             <p:nvPr>
               <p:extLst>
                 <p:ext uri="{386F3935-93C4-4BCD-93E2-E3B085C9AB24}">
-                  <p16:designElem xmlns:p16="http://schemas.microsoft.com/office/powerpoint/2015/main" val="1"/>
+                  <p16:designElem xmlns="" xmlns:p16="http://schemas.microsoft.com/office/powerpoint/2015/main" val="1"/>
                 </p:ext>
               </p:extLst>
             </p:nvPr>
@@ -8846,10 +8853,10 @@
             <p:cNvPr id="23" name="Freeform 21">
               <a:extLst>
                 <a:ext uri="{FF2B5EF4-FFF2-40B4-BE49-F238E27FC236}">
-                  <a16:creationId xmlns:a16="http://schemas.microsoft.com/office/drawing/2014/main" id="{2F87E3B6-5202-4434-9B26-42B46774F327}"/>
+                  <a16:creationId xmlns="" xmlns:a16="http://schemas.microsoft.com/office/drawing/2014/main" id="{2F87E3B6-5202-4434-9B26-42B46774F327}"/>
                 </a:ext>
                 <a:ext uri="{C183D7F6-B498-43B3-948B-1728B52AA6E4}">
-                  <adec:decorative xmlns:adec="http://schemas.microsoft.com/office/drawing/2017/decorative" val="1"/>
+                  <adec:decorative xmlns="" xmlns:adec="http://schemas.microsoft.com/office/drawing/2017/decorative" val="1"/>
                 </a:ext>
               </a:extLst>
             </p:cNvPr>
@@ -8857,7 +8864,7 @@
             <p:nvPr>
               <p:extLst>
                 <p:ext uri="{386F3935-93C4-4BCD-93E2-E3B085C9AB24}">
-                  <p16:designElem xmlns:p16="http://schemas.microsoft.com/office/powerpoint/2015/main" val="1"/>
+                  <p16:designElem xmlns="" xmlns:p16="http://schemas.microsoft.com/office/powerpoint/2015/main" val="1"/>
                 </p:ext>
               </p:extLst>
             </p:nvPr>
@@ -8918,10 +8925,10 @@
             <p:cNvPr id="24" name="Freeform 22">
               <a:extLst>
                 <a:ext uri="{FF2B5EF4-FFF2-40B4-BE49-F238E27FC236}">
-                  <a16:creationId xmlns:a16="http://schemas.microsoft.com/office/drawing/2014/main" id="{AEA5E85F-F1F4-40E4-A62C-95324F674929}"/>
+                  <a16:creationId xmlns="" xmlns:a16="http://schemas.microsoft.com/office/drawing/2014/main" id="{AEA5E85F-F1F4-40E4-A62C-95324F674929}"/>
                 </a:ext>
                 <a:ext uri="{C183D7F6-B498-43B3-948B-1728B52AA6E4}">
-                  <adec:decorative xmlns:adec="http://schemas.microsoft.com/office/drawing/2017/decorative" val="1"/>
+                  <adec:decorative xmlns="" xmlns:adec="http://schemas.microsoft.com/office/drawing/2017/decorative" val="1"/>
                 </a:ext>
               </a:extLst>
             </p:cNvPr>
@@ -8929,7 +8936,7 @@
             <p:nvPr>
               <p:extLst>
                 <p:ext uri="{386F3935-93C4-4BCD-93E2-E3B085C9AB24}">
-                  <p16:designElem xmlns:p16="http://schemas.microsoft.com/office/powerpoint/2015/main" val="1"/>
+                  <p16:designElem xmlns="" xmlns:p16="http://schemas.microsoft.com/office/powerpoint/2015/main" val="1"/>
                 </p:ext>
               </p:extLst>
             </p:nvPr>
@@ -9001,10 +9008,10 @@
           <p:cNvPr id="26" name="Group 25">
             <a:extLst>
               <a:ext uri="{FF2B5EF4-FFF2-40B4-BE49-F238E27FC236}">
-                <a16:creationId xmlns:a16="http://schemas.microsoft.com/office/drawing/2014/main" id="{40A75861-F6C5-44A9-B161-B03701CBDE0C}"/>
+                <a16:creationId xmlns="" xmlns:a16="http://schemas.microsoft.com/office/drawing/2014/main" id="{40A75861-F6C5-44A9-B161-B03701CBDE0C}"/>
               </a:ext>
               <a:ext uri="{C183D7F6-B498-43B3-948B-1728B52AA6E4}">
-                <adec:decorative xmlns:adec="http://schemas.microsoft.com/office/drawing/2017/decorative" val="1"/>
+                <adec:decorative xmlns="" xmlns:adec="http://schemas.microsoft.com/office/drawing/2017/decorative" val="1"/>
               </a:ext>
             </a:extLst>
           </p:cNvPr>
@@ -9014,7 +9021,7 @@
           <p:nvPr>
             <p:extLst>
               <p:ext uri="{386F3935-93C4-4BCD-93E2-E3B085C9AB24}">
-                <p16:designElem xmlns:p16="http://schemas.microsoft.com/office/powerpoint/2015/main" val="1"/>
+                <p16:designElem xmlns="" xmlns:p16="http://schemas.microsoft.com/office/powerpoint/2015/main" val="1"/>
               </p:ext>
             </p:extLst>
           </p:nvPr>
@@ -9038,10 +9045,10 @@
             <p:cNvPr id="27" name="Freeform 27">
               <a:extLst>
                 <a:ext uri="{FF2B5EF4-FFF2-40B4-BE49-F238E27FC236}">
-                  <a16:creationId xmlns:a16="http://schemas.microsoft.com/office/drawing/2014/main" id="{72EE642D-4F69-47C0-99BA-CE435035735F}"/>
+                  <a16:creationId xmlns="" xmlns:a16="http://schemas.microsoft.com/office/drawing/2014/main" id="{72EE642D-4F69-47C0-99BA-CE435035735F}"/>
                 </a:ext>
                 <a:ext uri="{C183D7F6-B498-43B3-948B-1728B52AA6E4}">
-                  <adec:decorative xmlns:adec="http://schemas.microsoft.com/office/drawing/2017/decorative" val="1"/>
+                  <adec:decorative xmlns="" xmlns:adec="http://schemas.microsoft.com/office/drawing/2017/decorative" val="1"/>
                 </a:ext>
               </a:extLst>
             </p:cNvPr>
@@ -9049,7 +9056,7 @@
             <p:nvPr>
               <p:extLst>
                 <p:ext uri="{386F3935-93C4-4BCD-93E2-E3B085C9AB24}">
-                  <p16:designElem xmlns:p16="http://schemas.microsoft.com/office/powerpoint/2015/main" val="1"/>
+                  <p16:designElem xmlns="" xmlns:p16="http://schemas.microsoft.com/office/powerpoint/2015/main" val="1"/>
                 </p:ext>
               </p:extLst>
             </p:nvPr>
@@ -9155,10 +9162,10 @@
             <p:cNvPr id="28" name="Freeform 28">
               <a:extLst>
                 <a:ext uri="{FF2B5EF4-FFF2-40B4-BE49-F238E27FC236}">
-                  <a16:creationId xmlns:a16="http://schemas.microsoft.com/office/drawing/2014/main" id="{26178CE4-DA2D-46EA-AB8D-341C5AC563D6}"/>
+                  <a16:creationId xmlns="" xmlns:a16="http://schemas.microsoft.com/office/drawing/2014/main" id="{26178CE4-DA2D-46EA-AB8D-341C5AC563D6}"/>
                 </a:ext>
                 <a:ext uri="{C183D7F6-B498-43B3-948B-1728B52AA6E4}">
-                  <adec:decorative xmlns:adec="http://schemas.microsoft.com/office/drawing/2017/decorative" val="1"/>
+                  <adec:decorative xmlns="" xmlns:adec="http://schemas.microsoft.com/office/drawing/2017/decorative" val="1"/>
                 </a:ext>
               </a:extLst>
             </p:cNvPr>
@@ -9166,7 +9173,7 @@
             <p:nvPr>
               <p:extLst>
                 <p:ext uri="{386F3935-93C4-4BCD-93E2-E3B085C9AB24}">
-                  <p16:designElem xmlns:p16="http://schemas.microsoft.com/office/powerpoint/2015/main" val="1"/>
+                  <p16:designElem xmlns="" xmlns:p16="http://schemas.microsoft.com/office/powerpoint/2015/main" val="1"/>
                 </p:ext>
               </p:extLst>
             </p:nvPr>
@@ -9237,10 +9244,10 @@
             <p:cNvPr id="29" name="Freeform 29">
               <a:extLst>
                 <a:ext uri="{FF2B5EF4-FFF2-40B4-BE49-F238E27FC236}">
-                  <a16:creationId xmlns:a16="http://schemas.microsoft.com/office/drawing/2014/main" id="{698E9F53-8381-4FA5-A510-846925D242CF}"/>
+                  <a16:creationId xmlns="" xmlns:a16="http://schemas.microsoft.com/office/drawing/2014/main" id="{698E9F53-8381-4FA5-A510-846925D242CF}"/>
                 </a:ext>
                 <a:ext uri="{C183D7F6-B498-43B3-948B-1728B52AA6E4}">
-                  <adec:decorative xmlns:adec="http://schemas.microsoft.com/office/drawing/2017/decorative" val="1"/>
+                  <adec:decorative xmlns="" xmlns:adec="http://schemas.microsoft.com/office/drawing/2017/decorative" val="1"/>
                 </a:ext>
               </a:extLst>
             </p:cNvPr>
@@ -9248,7 +9255,7 @@
             <p:nvPr>
               <p:extLst>
                 <p:ext uri="{386F3935-93C4-4BCD-93E2-E3B085C9AB24}">
-                  <p16:designElem xmlns:p16="http://schemas.microsoft.com/office/powerpoint/2015/main" val="1"/>
+                  <p16:designElem xmlns="" xmlns:p16="http://schemas.microsoft.com/office/powerpoint/2015/main" val="1"/>
                 </p:ext>
               </p:extLst>
             </p:nvPr>
@@ -9319,10 +9326,10 @@
             <p:cNvPr id="30" name="Freeform 30">
               <a:extLst>
                 <a:ext uri="{FF2B5EF4-FFF2-40B4-BE49-F238E27FC236}">
-                  <a16:creationId xmlns:a16="http://schemas.microsoft.com/office/drawing/2014/main" id="{B13CE284-F21E-411B-BB8E-9C03B853CE44}"/>
+                  <a16:creationId xmlns="" xmlns:a16="http://schemas.microsoft.com/office/drawing/2014/main" id="{B13CE284-F21E-411B-BB8E-9C03B853CE44}"/>
                 </a:ext>
                 <a:ext uri="{C183D7F6-B498-43B3-948B-1728B52AA6E4}">
-                  <adec:decorative xmlns:adec="http://schemas.microsoft.com/office/drawing/2017/decorative" val="1"/>
+                  <adec:decorative xmlns="" xmlns:adec="http://schemas.microsoft.com/office/drawing/2017/decorative" val="1"/>
                 </a:ext>
               </a:extLst>
             </p:cNvPr>
@@ -9330,7 +9337,7 @@
             <p:nvPr>
               <p:extLst>
                 <p:ext uri="{386F3935-93C4-4BCD-93E2-E3B085C9AB24}">
-                  <p16:designElem xmlns:p16="http://schemas.microsoft.com/office/powerpoint/2015/main" val="1"/>
+                  <p16:designElem xmlns="" xmlns:p16="http://schemas.microsoft.com/office/powerpoint/2015/main" val="1"/>
                 </p:ext>
               </p:extLst>
             </p:nvPr>
@@ -9416,10 +9423,10 @@
             <p:cNvPr id="31" name="Freeform 31">
               <a:extLst>
                 <a:ext uri="{FF2B5EF4-FFF2-40B4-BE49-F238E27FC236}">
-                  <a16:creationId xmlns:a16="http://schemas.microsoft.com/office/drawing/2014/main" id="{23DF4578-4703-437C-A797-2A2D0CEE5F45}"/>
+                  <a16:creationId xmlns="" xmlns:a16="http://schemas.microsoft.com/office/drawing/2014/main" id="{23DF4578-4703-437C-A797-2A2D0CEE5F45}"/>
                 </a:ext>
                 <a:ext uri="{C183D7F6-B498-43B3-948B-1728B52AA6E4}">
-                  <adec:decorative xmlns:adec="http://schemas.microsoft.com/office/drawing/2017/decorative" val="1"/>
+                  <adec:decorative xmlns="" xmlns:adec="http://schemas.microsoft.com/office/drawing/2017/decorative" val="1"/>
                 </a:ext>
               </a:extLst>
             </p:cNvPr>
@@ -9427,7 +9434,7 @@
             <p:nvPr>
               <p:extLst>
                 <p:ext uri="{386F3935-93C4-4BCD-93E2-E3B085C9AB24}">
-                  <p16:designElem xmlns:p16="http://schemas.microsoft.com/office/powerpoint/2015/main" val="1"/>
+                  <p16:designElem xmlns="" xmlns:p16="http://schemas.microsoft.com/office/powerpoint/2015/main" val="1"/>
                 </p:ext>
               </p:extLst>
             </p:nvPr>
@@ -9523,10 +9530,10 @@
             <p:cNvPr id="32" name="Freeform 32">
               <a:extLst>
                 <a:ext uri="{FF2B5EF4-FFF2-40B4-BE49-F238E27FC236}">
-                  <a16:creationId xmlns:a16="http://schemas.microsoft.com/office/drawing/2014/main" id="{F878F330-AF64-4F8F-88FD-A4A408D6D368}"/>
+                  <a16:creationId xmlns="" xmlns:a16="http://schemas.microsoft.com/office/drawing/2014/main" id="{F878F330-AF64-4F8F-88FD-A4A408D6D368}"/>
                 </a:ext>
                 <a:ext uri="{C183D7F6-B498-43B3-948B-1728B52AA6E4}">
-                  <adec:decorative xmlns:adec="http://schemas.microsoft.com/office/drawing/2017/decorative" val="1"/>
+                  <adec:decorative xmlns="" xmlns:adec="http://schemas.microsoft.com/office/drawing/2017/decorative" val="1"/>
                 </a:ext>
               </a:extLst>
             </p:cNvPr>
@@ -9534,7 +9541,7 @@
             <p:nvPr>
               <p:extLst>
                 <p:ext uri="{386F3935-93C4-4BCD-93E2-E3B085C9AB24}">
-                  <p16:designElem xmlns:p16="http://schemas.microsoft.com/office/powerpoint/2015/main" val="1"/>
+                  <p16:designElem xmlns="" xmlns:p16="http://schemas.microsoft.com/office/powerpoint/2015/main" val="1"/>
                 </p:ext>
               </p:extLst>
             </p:nvPr>
@@ -9585,10 +9592,10 @@
             <p:cNvPr id="33" name="Freeform 33">
               <a:extLst>
                 <a:ext uri="{FF2B5EF4-FFF2-40B4-BE49-F238E27FC236}">
-                  <a16:creationId xmlns:a16="http://schemas.microsoft.com/office/drawing/2014/main" id="{AC9B00BF-4FB7-42FA-BBBD-7DB54ED3F061}"/>
+                  <a16:creationId xmlns="" xmlns:a16="http://schemas.microsoft.com/office/drawing/2014/main" id="{AC9B00BF-4FB7-42FA-BBBD-7DB54ED3F061}"/>
                 </a:ext>
                 <a:ext uri="{C183D7F6-B498-43B3-948B-1728B52AA6E4}">
-                  <adec:decorative xmlns:adec="http://schemas.microsoft.com/office/drawing/2017/decorative" val="1"/>
+                  <adec:decorative xmlns="" xmlns:adec="http://schemas.microsoft.com/office/drawing/2017/decorative" val="1"/>
                 </a:ext>
               </a:extLst>
             </p:cNvPr>
@@ -9596,7 +9603,7 @@
             <p:nvPr>
               <p:extLst>
                 <p:ext uri="{386F3935-93C4-4BCD-93E2-E3B085C9AB24}">
-                  <p16:designElem xmlns:p16="http://schemas.microsoft.com/office/powerpoint/2015/main" val="1"/>
+                  <p16:designElem xmlns="" xmlns:p16="http://schemas.microsoft.com/office/powerpoint/2015/main" val="1"/>
                 </p:ext>
               </p:extLst>
             </p:nvPr>
@@ -9662,10 +9669,10 @@
             <p:cNvPr id="34" name="Freeform 34">
               <a:extLst>
                 <a:ext uri="{FF2B5EF4-FFF2-40B4-BE49-F238E27FC236}">
-                  <a16:creationId xmlns:a16="http://schemas.microsoft.com/office/drawing/2014/main" id="{BD3D64CA-2AAD-4609-8DAA-3EAD4609A6B1}"/>
+                  <a16:creationId xmlns="" xmlns:a16="http://schemas.microsoft.com/office/drawing/2014/main" id="{BD3D64CA-2AAD-4609-8DAA-3EAD4609A6B1}"/>
                 </a:ext>
                 <a:ext uri="{C183D7F6-B498-43B3-948B-1728B52AA6E4}">
-                  <adec:decorative xmlns:adec="http://schemas.microsoft.com/office/drawing/2017/decorative" val="1"/>
+                  <adec:decorative xmlns="" xmlns:adec="http://schemas.microsoft.com/office/drawing/2017/decorative" val="1"/>
                 </a:ext>
               </a:extLst>
             </p:cNvPr>
@@ -9673,7 +9680,7 @@
             <p:nvPr>
               <p:extLst>
                 <p:ext uri="{386F3935-93C4-4BCD-93E2-E3B085C9AB24}">
-                  <p16:designElem xmlns:p16="http://schemas.microsoft.com/office/powerpoint/2015/main" val="1"/>
+                  <p16:designElem xmlns="" xmlns:p16="http://schemas.microsoft.com/office/powerpoint/2015/main" val="1"/>
                 </p:ext>
               </p:extLst>
             </p:nvPr>
@@ -9784,10 +9791,10 @@
             <p:cNvPr id="35" name="Freeform 35">
               <a:extLst>
                 <a:ext uri="{FF2B5EF4-FFF2-40B4-BE49-F238E27FC236}">
-                  <a16:creationId xmlns:a16="http://schemas.microsoft.com/office/drawing/2014/main" id="{C669E05A-8550-4E91-B29E-E1912228EC93}"/>
+                  <a16:creationId xmlns="" xmlns:a16="http://schemas.microsoft.com/office/drawing/2014/main" id="{C669E05A-8550-4E91-B29E-E1912228EC93}"/>
                 </a:ext>
                 <a:ext uri="{C183D7F6-B498-43B3-948B-1728B52AA6E4}">
-                  <adec:decorative xmlns:adec="http://schemas.microsoft.com/office/drawing/2017/decorative" val="1"/>
+                  <adec:decorative xmlns="" xmlns:adec="http://schemas.microsoft.com/office/drawing/2017/decorative" val="1"/>
                 </a:ext>
               </a:extLst>
             </p:cNvPr>
@@ -9795,7 +9802,7 @@
             <p:nvPr>
               <p:extLst>
                 <p:ext uri="{386F3935-93C4-4BCD-93E2-E3B085C9AB24}">
-                  <p16:designElem xmlns:p16="http://schemas.microsoft.com/office/powerpoint/2015/main" val="1"/>
+                  <p16:designElem xmlns="" xmlns:p16="http://schemas.microsoft.com/office/powerpoint/2015/main" val="1"/>
                 </p:ext>
               </p:extLst>
             </p:nvPr>
@@ -9846,10 +9853,10 @@
             <p:cNvPr id="36" name="Freeform 36">
               <a:extLst>
                 <a:ext uri="{FF2B5EF4-FFF2-40B4-BE49-F238E27FC236}">
-                  <a16:creationId xmlns:a16="http://schemas.microsoft.com/office/drawing/2014/main" id="{F8C1FD53-1E8F-46CA-BC2D-FCEC4DAE07F6}"/>
+                  <a16:creationId xmlns="" xmlns:a16="http://schemas.microsoft.com/office/drawing/2014/main" id="{F8C1FD53-1E8F-46CA-BC2D-FCEC4DAE07F6}"/>
                 </a:ext>
                 <a:ext uri="{C183D7F6-B498-43B3-948B-1728B52AA6E4}">
-                  <adec:decorative xmlns:adec="http://schemas.microsoft.com/office/drawing/2017/decorative" val="1"/>
+                  <adec:decorative xmlns="" xmlns:adec="http://schemas.microsoft.com/office/drawing/2017/decorative" val="1"/>
                 </a:ext>
               </a:extLst>
             </p:cNvPr>
@@ -9857,7 +9864,7 @@
             <p:nvPr>
               <p:extLst>
                 <p:ext uri="{386F3935-93C4-4BCD-93E2-E3B085C9AB24}">
-                  <p16:designElem xmlns:p16="http://schemas.microsoft.com/office/powerpoint/2015/main" val="1"/>
+                  <p16:designElem xmlns="" xmlns:p16="http://schemas.microsoft.com/office/powerpoint/2015/main" val="1"/>
                 </p:ext>
               </p:extLst>
             </p:nvPr>
@@ -9928,10 +9935,10 @@
             <p:cNvPr id="37" name="Freeform 37">
               <a:extLst>
                 <a:ext uri="{FF2B5EF4-FFF2-40B4-BE49-F238E27FC236}">
-                  <a16:creationId xmlns:a16="http://schemas.microsoft.com/office/drawing/2014/main" id="{CC97A31F-CFDE-4EA3-98F1-13FDD16702E1}"/>
+                  <a16:creationId xmlns="" xmlns:a16="http://schemas.microsoft.com/office/drawing/2014/main" id="{CC97A31F-CFDE-4EA3-98F1-13FDD16702E1}"/>
                 </a:ext>
                 <a:ext uri="{C183D7F6-B498-43B3-948B-1728B52AA6E4}">
-                  <adec:decorative xmlns:adec="http://schemas.microsoft.com/office/drawing/2017/decorative" val="1"/>
+                  <adec:decorative xmlns="" xmlns:adec="http://schemas.microsoft.com/office/drawing/2017/decorative" val="1"/>
                 </a:ext>
               </a:extLst>
             </p:cNvPr>
@@ -9939,7 +9946,7 @@
             <p:nvPr>
               <p:extLst>
                 <p:ext uri="{386F3935-93C4-4BCD-93E2-E3B085C9AB24}">
-                  <p16:designElem xmlns:p16="http://schemas.microsoft.com/office/powerpoint/2015/main" val="1"/>
+                  <p16:designElem xmlns="" xmlns:p16="http://schemas.microsoft.com/office/powerpoint/2015/main" val="1"/>
                 </p:ext>
               </p:extLst>
             </p:nvPr>
@@ -10005,10 +10012,10 @@
             <p:cNvPr id="38" name="Freeform 38">
               <a:extLst>
                 <a:ext uri="{FF2B5EF4-FFF2-40B4-BE49-F238E27FC236}">
-                  <a16:creationId xmlns:a16="http://schemas.microsoft.com/office/drawing/2014/main" id="{9E1540E7-E6C3-4907-B70A-B17568365597}"/>
+                  <a16:creationId xmlns="" xmlns:a16="http://schemas.microsoft.com/office/drawing/2014/main" id="{9E1540E7-E6C3-4907-B70A-B17568365597}"/>
                 </a:ext>
                 <a:ext uri="{C183D7F6-B498-43B3-948B-1728B52AA6E4}">
-                  <adec:decorative xmlns:adec="http://schemas.microsoft.com/office/drawing/2017/decorative" val="1"/>
+                  <adec:decorative xmlns="" xmlns:adec="http://schemas.microsoft.com/office/drawing/2017/decorative" val="1"/>
                 </a:ext>
               </a:extLst>
             </p:cNvPr>
@@ -10016,7 +10023,7 @@
             <p:nvPr>
               <p:extLst>
                 <p:ext uri="{386F3935-93C4-4BCD-93E2-E3B085C9AB24}">
-                  <p16:designElem xmlns:p16="http://schemas.microsoft.com/office/powerpoint/2015/main" val="1"/>
+                  <p16:designElem xmlns="" xmlns:p16="http://schemas.microsoft.com/office/powerpoint/2015/main" val="1"/>
                 </p:ext>
               </p:extLst>
             </p:nvPr>
@@ -10088,10 +10095,10 @@
           <p:cNvPr id="40" name="Freeform 11">
             <a:extLst>
               <a:ext uri="{FF2B5EF4-FFF2-40B4-BE49-F238E27FC236}">
-                <a16:creationId xmlns:a16="http://schemas.microsoft.com/office/drawing/2014/main" id="{1310EFE2-B91D-47E7-B117-C2A802800A7C}"/>
+                <a16:creationId xmlns="" xmlns:a16="http://schemas.microsoft.com/office/drawing/2014/main" id="{1310EFE2-B91D-47E7-B117-C2A802800A7C}"/>
               </a:ext>
               <a:ext uri="{C183D7F6-B498-43B3-948B-1728B52AA6E4}">
-                <adec:decorative xmlns:adec="http://schemas.microsoft.com/office/drawing/2017/decorative" val="1"/>
+                <adec:decorative xmlns="" xmlns:adec="http://schemas.microsoft.com/office/drawing/2017/decorative" val="1"/>
               </a:ext>
             </a:extLst>
           </p:cNvPr>
@@ -10101,7 +10108,7 @@
           <p:nvPr>
             <p:extLst>
               <p:ext uri="{386F3935-93C4-4BCD-93E2-E3B085C9AB24}">
-                <p16:designElem xmlns:p16="http://schemas.microsoft.com/office/powerpoint/2015/main" val="1"/>
+                <p16:designElem xmlns="" xmlns:p16="http://schemas.microsoft.com/office/powerpoint/2015/main" val="1"/>
               </p:ext>
             </p:extLst>
           </p:nvPr>
@@ -10315,6 +10322,13 @@
   <p:clrMapOvr>
     <a:masterClrMapping/>
   </p:clrMapOvr>
+  <p:timing>
+    <p:tnLst>
+      <p:par>
+        <p:cTn id="1" dur="indefinite" restart="never" nodeType="tmRoot"/>
+      </p:par>
+    </p:tnLst>
+  </p:timing>
 </p:sld>
 </file>
 
@@ -10635,6 +10649,19 @@
               <a:rPr lang="en-US" sz="1400" b="1" dirty="0"/>
               <a:t>: </a:t>
             </a:r>
+            <a:endParaRPr lang="en-US" sz="1400" b="1" dirty="0"/>
+          </a:p>
+          <a:p>
+            <a:pPr algn="ctr"/>
+            <a:r>
+              <a:rPr lang="en-US" sz="1400" dirty="0" smtClean="0"/>
+              <a:t>Metrics,  Database Integration </a:t>
+            </a:r>
+            <a:r>
+              <a:rPr lang="en-US" sz="1400" smtClean="0"/>
+              <a:t>with Metrics</a:t>
+            </a:r>
+            <a:endParaRPr lang="en-US" sz="1400" dirty="0"/>
           </a:p>
         </p:txBody>
       </p:sp>
@@ -10710,6 +10737,13 @@
   <p:clrMapOvr>
     <a:masterClrMapping/>
   </p:clrMapOvr>
+  <p:timing>
+    <p:tnLst>
+      <p:par>
+        <p:cTn id="1" dur="indefinite" restart="never" nodeType="tmRoot"/>
+      </p:par>
+    </p:tnLst>
+  </p:timing>
 </p:sld>
 </file>
 
@@ -10816,6 +10850,499 @@
   <p:clrMapOvr>
     <a:masterClrMapping/>
   </p:clrMapOvr>
+  <p:timing>
+    <p:tnLst>
+      <p:par>
+        <p:cTn id="1" dur="indefinite" restart="never" nodeType="tmRoot">
+          <p:childTnLst>
+            <p:seq concurrent="1" nextAc="seek">
+              <p:cTn id="2" dur="indefinite" nodeType="mainSeq">
+                <p:childTnLst>
+                  <p:par>
+                    <p:cTn id="3" fill="hold">
+                      <p:stCondLst>
+                        <p:cond delay="indefinite"/>
+                      </p:stCondLst>
+                      <p:childTnLst>
+                        <p:par>
+                          <p:cTn id="4" fill="hold">
+                            <p:stCondLst>
+                              <p:cond delay="0"/>
+                            </p:stCondLst>
+                            <p:childTnLst>
+                              <p:par>
+                                <p:cTn id="5" presetID="42" presetClass="entr" presetSubtype="0" fill="hold" grpId="0" nodeType="clickEffect">
+                                  <p:stCondLst>
+                                    <p:cond delay="0"/>
+                                  </p:stCondLst>
+                                  <p:childTnLst>
+                                    <p:set>
+                                      <p:cBhvr>
+                                        <p:cTn id="6" dur="1" fill="hold">
+                                          <p:stCondLst>
+                                            <p:cond delay="0"/>
+                                          </p:stCondLst>
+                                        </p:cTn>
+                                        <p:tgtEl>
+                                          <p:spTgt spid="3">
+                                            <p:txEl>
+                                              <p:pRg st="0" end="0"/>
+                                            </p:txEl>
+                                          </p:spTgt>
+                                        </p:tgtEl>
+                                        <p:attrNameLst>
+                                          <p:attrName>style.visibility</p:attrName>
+                                        </p:attrNameLst>
+                                      </p:cBhvr>
+                                      <p:to>
+                                        <p:strVal val="visible"/>
+                                      </p:to>
+                                    </p:set>
+                                    <p:animEffect transition="in" filter="fade">
+                                      <p:cBhvr>
+                                        <p:cTn id="7" dur="1000"/>
+                                        <p:tgtEl>
+                                          <p:spTgt spid="3">
+                                            <p:txEl>
+                                              <p:pRg st="0" end="0"/>
+                                            </p:txEl>
+                                          </p:spTgt>
+                                        </p:tgtEl>
+                                      </p:cBhvr>
+                                    </p:animEffect>
+                                    <p:anim calcmode="lin" valueType="num">
+                                      <p:cBhvr>
+                                        <p:cTn id="8" dur="1000" fill="hold"/>
+                                        <p:tgtEl>
+                                          <p:spTgt spid="3">
+                                            <p:txEl>
+                                              <p:pRg st="0" end="0"/>
+                                            </p:txEl>
+                                          </p:spTgt>
+                                        </p:tgtEl>
+                                        <p:attrNameLst>
+                                          <p:attrName>ppt_x</p:attrName>
+                                        </p:attrNameLst>
+                                      </p:cBhvr>
+                                      <p:tavLst>
+                                        <p:tav tm="0">
+                                          <p:val>
+                                            <p:strVal val="#ppt_x"/>
+                                          </p:val>
+                                        </p:tav>
+                                        <p:tav tm="100000">
+                                          <p:val>
+                                            <p:strVal val="#ppt_x"/>
+                                          </p:val>
+                                        </p:tav>
+                                      </p:tavLst>
+                                    </p:anim>
+                                    <p:anim calcmode="lin" valueType="num">
+                                      <p:cBhvr>
+                                        <p:cTn id="9" dur="1000" fill="hold"/>
+                                        <p:tgtEl>
+                                          <p:spTgt spid="3">
+                                            <p:txEl>
+                                              <p:pRg st="0" end="0"/>
+                                            </p:txEl>
+                                          </p:spTgt>
+                                        </p:tgtEl>
+                                        <p:attrNameLst>
+                                          <p:attrName>ppt_y</p:attrName>
+                                        </p:attrNameLst>
+                                      </p:cBhvr>
+                                      <p:tavLst>
+                                        <p:tav tm="0">
+                                          <p:val>
+                                            <p:strVal val="#ppt_y+.1"/>
+                                          </p:val>
+                                        </p:tav>
+                                        <p:tav tm="100000">
+                                          <p:val>
+                                            <p:strVal val="#ppt_y"/>
+                                          </p:val>
+                                        </p:tav>
+                                      </p:tavLst>
+                                    </p:anim>
+                                  </p:childTnLst>
+                                </p:cTn>
+                              </p:par>
+                            </p:childTnLst>
+                          </p:cTn>
+                        </p:par>
+                      </p:childTnLst>
+                    </p:cTn>
+                  </p:par>
+                  <p:par>
+                    <p:cTn id="10" fill="hold">
+                      <p:stCondLst>
+                        <p:cond delay="indefinite"/>
+                      </p:stCondLst>
+                      <p:childTnLst>
+                        <p:par>
+                          <p:cTn id="11" fill="hold">
+                            <p:stCondLst>
+                              <p:cond delay="0"/>
+                            </p:stCondLst>
+                            <p:childTnLst>
+                              <p:par>
+                                <p:cTn id="12" presetID="42" presetClass="entr" presetSubtype="0" fill="hold" grpId="0" nodeType="clickEffect">
+                                  <p:stCondLst>
+                                    <p:cond delay="0"/>
+                                  </p:stCondLst>
+                                  <p:childTnLst>
+                                    <p:set>
+                                      <p:cBhvr>
+                                        <p:cTn id="13" dur="1" fill="hold">
+                                          <p:stCondLst>
+                                            <p:cond delay="0"/>
+                                          </p:stCondLst>
+                                        </p:cTn>
+                                        <p:tgtEl>
+                                          <p:spTgt spid="3">
+                                            <p:txEl>
+                                              <p:pRg st="1" end="1"/>
+                                            </p:txEl>
+                                          </p:spTgt>
+                                        </p:tgtEl>
+                                        <p:attrNameLst>
+                                          <p:attrName>style.visibility</p:attrName>
+                                        </p:attrNameLst>
+                                      </p:cBhvr>
+                                      <p:to>
+                                        <p:strVal val="visible"/>
+                                      </p:to>
+                                    </p:set>
+                                    <p:animEffect transition="in" filter="fade">
+                                      <p:cBhvr>
+                                        <p:cTn id="14" dur="1000"/>
+                                        <p:tgtEl>
+                                          <p:spTgt spid="3">
+                                            <p:txEl>
+                                              <p:pRg st="1" end="1"/>
+                                            </p:txEl>
+                                          </p:spTgt>
+                                        </p:tgtEl>
+                                      </p:cBhvr>
+                                    </p:animEffect>
+                                    <p:anim calcmode="lin" valueType="num">
+                                      <p:cBhvr>
+                                        <p:cTn id="15" dur="1000" fill="hold"/>
+                                        <p:tgtEl>
+                                          <p:spTgt spid="3">
+                                            <p:txEl>
+                                              <p:pRg st="1" end="1"/>
+                                            </p:txEl>
+                                          </p:spTgt>
+                                        </p:tgtEl>
+                                        <p:attrNameLst>
+                                          <p:attrName>ppt_x</p:attrName>
+                                        </p:attrNameLst>
+                                      </p:cBhvr>
+                                      <p:tavLst>
+                                        <p:tav tm="0">
+                                          <p:val>
+                                            <p:strVal val="#ppt_x"/>
+                                          </p:val>
+                                        </p:tav>
+                                        <p:tav tm="100000">
+                                          <p:val>
+                                            <p:strVal val="#ppt_x"/>
+                                          </p:val>
+                                        </p:tav>
+                                      </p:tavLst>
+                                    </p:anim>
+                                    <p:anim calcmode="lin" valueType="num">
+                                      <p:cBhvr>
+                                        <p:cTn id="16" dur="1000" fill="hold"/>
+                                        <p:tgtEl>
+                                          <p:spTgt spid="3">
+                                            <p:txEl>
+                                              <p:pRg st="1" end="1"/>
+                                            </p:txEl>
+                                          </p:spTgt>
+                                        </p:tgtEl>
+                                        <p:attrNameLst>
+                                          <p:attrName>ppt_y</p:attrName>
+                                        </p:attrNameLst>
+                                      </p:cBhvr>
+                                      <p:tavLst>
+                                        <p:tav tm="0">
+                                          <p:val>
+                                            <p:strVal val="#ppt_y+.1"/>
+                                          </p:val>
+                                        </p:tav>
+                                        <p:tav tm="100000">
+                                          <p:val>
+                                            <p:strVal val="#ppt_y"/>
+                                          </p:val>
+                                        </p:tav>
+                                      </p:tavLst>
+                                    </p:anim>
+                                  </p:childTnLst>
+                                </p:cTn>
+                              </p:par>
+                            </p:childTnLst>
+                          </p:cTn>
+                        </p:par>
+                      </p:childTnLst>
+                    </p:cTn>
+                  </p:par>
+                  <p:par>
+                    <p:cTn id="17" fill="hold">
+                      <p:stCondLst>
+                        <p:cond delay="indefinite"/>
+                      </p:stCondLst>
+                      <p:childTnLst>
+                        <p:par>
+                          <p:cTn id="18" fill="hold">
+                            <p:stCondLst>
+                              <p:cond delay="0"/>
+                            </p:stCondLst>
+                            <p:childTnLst>
+                              <p:par>
+                                <p:cTn id="19" presetID="42" presetClass="entr" presetSubtype="0" fill="hold" grpId="0" nodeType="clickEffect">
+                                  <p:stCondLst>
+                                    <p:cond delay="0"/>
+                                  </p:stCondLst>
+                                  <p:childTnLst>
+                                    <p:set>
+                                      <p:cBhvr>
+                                        <p:cTn id="20" dur="1" fill="hold">
+                                          <p:stCondLst>
+                                            <p:cond delay="0"/>
+                                          </p:stCondLst>
+                                        </p:cTn>
+                                        <p:tgtEl>
+                                          <p:spTgt spid="3">
+                                            <p:txEl>
+                                              <p:pRg st="2" end="2"/>
+                                            </p:txEl>
+                                          </p:spTgt>
+                                        </p:tgtEl>
+                                        <p:attrNameLst>
+                                          <p:attrName>style.visibility</p:attrName>
+                                        </p:attrNameLst>
+                                      </p:cBhvr>
+                                      <p:to>
+                                        <p:strVal val="visible"/>
+                                      </p:to>
+                                    </p:set>
+                                    <p:animEffect transition="in" filter="fade">
+                                      <p:cBhvr>
+                                        <p:cTn id="21" dur="1000"/>
+                                        <p:tgtEl>
+                                          <p:spTgt spid="3">
+                                            <p:txEl>
+                                              <p:pRg st="2" end="2"/>
+                                            </p:txEl>
+                                          </p:spTgt>
+                                        </p:tgtEl>
+                                      </p:cBhvr>
+                                    </p:animEffect>
+                                    <p:anim calcmode="lin" valueType="num">
+                                      <p:cBhvr>
+                                        <p:cTn id="22" dur="1000" fill="hold"/>
+                                        <p:tgtEl>
+                                          <p:spTgt spid="3">
+                                            <p:txEl>
+                                              <p:pRg st="2" end="2"/>
+                                            </p:txEl>
+                                          </p:spTgt>
+                                        </p:tgtEl>
+                                        <p:attrNameLst>
+                                          <p:attrName>ppt_x</p:attrName>
+                                        </p:attrNameLst>
+                                      </p:cBhvr>
+                                      <p:tavLst>
+                                        <p:tav tm="0">
+                                          <p:val>
+                                            <p:strVal val="#ppt_x"/>
+                                          </p:val>
+                                        </p:tav>
+                                        <p:tav tm="100000">
+                                          <p:val>
+                                            <p:strVal val="#ppt_x"/>
+                                          </p:val>
+                                        </p:tav>
+                                      </p:tavLst>
+                                    </p:anim>
+                                    <p:anim calcmode="lin" valueType="num">
+                                      <p:cBhvr>
+                                        <p:cTn id="23" dur="1000" fill="hold"/>
+                                        <p:tgtEl>
+                                          <p:spTgt spid="3">
+                                            <p:txEl>
+                                              <p:pRg st="2" end="2"/>
+                                            </p:txEl>
+                                          </p:spTgt>
+                                        </p:tgtEl>
+                                        <p:attrNameLst>
+                                          <p:attrName>ppt_y</p:attrName>
+                                        </p:attrNameLst>
+                                      </p:cBhvr>
+                                      <p:tavLst>
+                                        <p:tav tm="0">
+                                          <p:val>
+                                            <p:strVal val="#ppt_y+.1"/>
+                                          </p:val>
+                                        </p:tav>
+                                        <p:tav tm="100000">
+                                          <p:val>
+                                            <p:strVal val="#ppt_y"/>
+                                          </p:val>
+                                        </p:tav>
+                                      </p:tavLst>
+                                    </p:anim>
+                                  </p:childTnLst>
+                                </p:cTn>
+                              </p:par>
+                            </p:childTnLst>
+                          </p:cTn>
+                        </p:par>
+                      </p:childTnLst>
+                    </p:cTn>
+                  </p:par>
+                  <p:par>
+                    <p:cTn id="24" fill="hold">
+                      <p:stCondLst>
+                        <p:cond delay="indefinite"/>
+                      </p:stCondLst>
+                      <p:childTnLst>
+                        <p:par>
+                          <p:cTn id="25" fill="hold">
+                            <p:stCondLst>
+                              <p:cond delay="0"/>
+                            </p:stCondLst>
+                            <p:childTnLst>
+                              <p:par>
+                                <p:cTn id="26" presetID="42" presetClass="entr" presetSubtype="0" fill="hold" grpId="0" nodeType="clickEffect">
+                                  <p:stCondLst>
+                                    <p:cond delay="0"/>
+                                  </p:stCondLst>
+                                  <p:childTnLst>
+                                    <p:set>
+                                      <p:cBhvr>
+                                        <p:cTn id="27" dur="1" fill="hold">
+                                          <p:stCondLst>
+                                            <p:cond delay="0"/>
+                                          </p:stCondLst>
+                                        </p:cTn>
+                                        <p:tgtEl>
+                                          <p:spTgt spid="3">
+                                            <p:txEl>
+                                              <p:pRg st="3" end="3"/>
+                                            </p:txEl>
+                                          </p:spTgt>
+                                        </p:tgtEl>
+                                        <p:attrNameLst>
+                                          <p:attrName>style.visibility</p:attrName>
+                                        </p:attrNameLst>
+                                      </p:cBhvr>
+                                      <p:to>
+                                        <p:strVal val="visible"/>
+                                      </p:to>
+                                    </p:set>
+                                    <p:animEffect transition="in" filter="fade">
+                                      <p:cBhvr>
+                                        <p:cTn id="28" dur="1000"/>
+                                        <p:tgtEl>
+                                          <p:spTgt spid="3">
+                                            <p:txEl>
+                                              <p:pRg st="3" end="3"/>
+                                            </p:txEl>
+                                          </p:spTgt>
+                                        </p:tgtEl>
+                                      </p:cBhvr>
+                                    </p:animEffect>
+                                    <p:anim calcmode="lin" valueType="num">
+                                      <p:cBhvr>
+                                        <p:cTn id="29" dur="1000" fill="hold"/>
+                                        <p:tgtEl>
+                                          <p:spTgt spid="3">
+                                            <p:txEl>
+                                              <p:pRg st="3" end="3"/>
+                                            </p:txEl>
+                                          </p:spTgt>
+                                        </p:tgtEl>
+                                        <p:attrNameLst>
+                                          <p:attrName>ppt_x</p:attrName>
+                                        </p:attrNameLst>
+                                      </p:cBhvr>
+                                      <p:tavLst>
+                                        <p:tav tm="0">
+                                          <p:val>
+                                            <p:strVal val="#ppt_x"/>
+                                          </p:val>
+                                        </p:tav>
+                                        <p:tav tm="100000">
+                                          <p:val>
+                                            <p:strVal val="#ppt_x"/>
+                                          </p:val>
+                                        </p:tav>
+                                      </p:tavLst>
+                                    </p:anim>
+                                    <p:anim calcmode="lin" valueType="num">
+                                      <p:cBhvr>
+                                        <p:cTn id="30" dur="1000" fill="hold"/>
+                                        <p:tgtEl>
+                                          <p:spTgt spid="3">
+                                            <p:txEl>
+                                              <p:pRg st="3" end="3"/>
+                                            </p:txEl>
+                                          </p:spTgt>
+                                        </p:tgtEl>
+                                        <p:attrNameLst>
+                                          <p:attrName>ppt_y</p:attrName>
+                                        </p:attrNameLst>
+                                      </p:cBhvr>
+                                      <p:tavLst>
+                                        <p:tav tm="0">
+                                          <p:val>
+                                            <p:strVal val="#ppt_y+.1"/>
+                                          </p:val>
+                                        </p:tav>
+                                        <p:tav tm="100000">
+                                          <p:val>
+                                            <p:strVal val="#ppt_y"/>
+                                          </p:val>
+                                        </p:tav>
+                                      </p:tavLst>
+                                    </p:anim>
+                                  </p:childTnLst>
+                                </p:cTn>
+                              </p:par>
+                            </p:childTnLst>
+                          </p:cTn>
+                        </p:par>
+                      </p:childTnLst>
+                    </p:cTn>
+                  </p:par>
+                </p:childTnLst>
+              </p:cTn>
+              <p:prevCondLst>
+                <p:cond evt="onPrev" delay="0">
+                  <p:tgtEl>
+                    <p:sldTgt/>
+                  </p:tgtEl>
+                </p:cond>
+              </p:prevCondLst>
+              <p:nextCondLst>
+                <p:cond evt="onNext" delay="0">
+                  <p:tgtEl>
+                    <p:sldTgt/>
+                  </p:tgtEl>
+                </p:cond>
+              </p:nextCondLst>
+            </p:seq>
+          </p:childTnLst>
+        </p:cTn>
+      </p:par>
+    </p:tnLst>
+    <p:bldLst>
+      <p:bldP spid="3" grpId="0" build="p"/>
+    </p:bldLst>
+  </p:timing>
 </p:sld>
 </file>
 
@@ -10920,6 +11447,13 @@
   <p:clrMapOvr>
     <a:masterClrMapping/>
   </p:clrMapOvr>
+  <p:timing>
+    <p:tnLst>
+      <p:par>
+        <p:cTn id="1" dur="indefinite" restart="never" nodeType="tmRoot"/>
+      </p:par>
+    </p:tnLst>
+  </p:timing>
 </p:sld>
 </file>
 
@@ -11099,6 +11633,13 @@
   <p:clrMapOvr>
     <a:masterClrMapping/>
   </p:clrMapOvr>
+  <p:timing>
+    <p:tnLst>
+      <p:par>
+        <p:cTn id="1" dur="indefinite" restart="never" nodeType="tmRoot"/>
+      </p:par>
+    </p:tnLst>
+  </p:timing>
 </p:sld>
 </file>
 
@@ -11190,6 +11731,47 @@
           </a:p>
         </p:txBody>
       </p:sp>
+      <p:pic>
+        <p:nvPicPr>
+          <p:cNvPr id="1026" name="Picture 2" descr="C:\Users\Chris\Downloads\download.png"/>
+          <p:cNvPicPr>
+            <a:picLocks noChangeAspect="1" noChangeArrowheads="1"/>
+          </p:cNvPicPr>
+          <p:nvPr/>
+        </p:nvPicPr>
+        <p:blipFill>
+          <a:blip r:embed="rId2">
+            <a:extLst>
+              <a:ext uri="{28A0092B-C50C-407E-A947-70E740481C1C}">
+                <a14:useLocalDpi xmlns:a14="http://schemas.microsoft.com/office/drawing/2010/main" val="0"/>
+              </a:ext>
+            </a:extLst>
+          </a:blip>
+          <a:srcRect/>
+          <a:stretch>
+            <a:fillRect/>
+          </a:stretch>
+        </p:blipFill>
+        <p:spPr bwMode="auto">
+          <a:xfrm>
+            <a:off x="5751596" y="4063416"/>
+            <a:ext cx="1771650" cy="2581275"/>
+          </a:xfrm>
+          <a:prstGeom prst="rect">
+            <a:avLst/>
+          </a:prstGeom>
+          <a:noFill/>
+          <a:extLst>
+            <a:ext uri="{909E8E84-426E-40DD-AFC4-6F175D3DCCD1}">
+              <a14:hiddenFill xmlns:a14="http://schemas.microsoft.com/office/drawing/2010/main">
+                <a:solidFill>
+                  <a:srgbClr val="FFFFFF"/>
+                </a:solidFill>
+              </a14:hiddenFill>
+            </a:ext>
+          </a:extLst>
+        </p:spPr>
+      </p:pic>
     </p:spTree>
     <p:extLst>
       <p:ext uri="{BB962C8B-B14F-4D97-AF65-F5344CB8AC3E}">
@@ -11500,7 +12082,7 @@
   <a:extraClrSchemeLst/>
   <a:extLst>
     <a:ext uri="{05A4C25C-085E-4340-85A3-A5531E510DB2}">
-      <thm15:themeFamily xmlns:thm15="http://schemas.microsoft.com/office/thememl/2012/main" name="Wisp" id="{7CB32D59-10C0-40DD-B7BD-2E94284A981C}" vid="{24B1A44C-C006-48B2-A4D7-E5549B3D8CD4}"/>
+      <thm15:themeFamily xmlns="" xmlns:thm15="http://schemas.microsoft.com/office/thememl/2012/main" name="Wisp" id="{7CB32D59-10C0-40DD-B7BD-2E94284A981C}" vid="{24B1A44C-C006-48B2-A4D7-E5549B3D8CD4}"/>
     </a:ext>
   </a:extLst>
 </a:theme>

--- a/SRS/SlideShow4.pptx
+++ b/SRS/SlideShow4.pptx
@@ -12,7 +12,9 @@
     <p:sldId id="264" r:id="rId6"/>
     <p:sldId id="265" r:id="rId7"/>
     <p:sldId id="266" r:id="rId8"/>
-    <p:sldId id="267" r:id="rId9"/>
+    <p:sldId id="268" r:id="rId9"/>
+    <p:sldId id="269" r:id="rId10"/>
+    <p:sldId id="267" r:id="rId11"/>
   </p:sldIdLst>
   <p:sldSz cx="12192000" cy="6858000"/>
   <p:notesSz cx="6858000" cy="9144000"/>
@@ -113,7 +115,7 @@
   </p:defaultTextStyle>
   <p:extLst>
     <p:ext uri="{EFAFB233-063F-42B5-8137-9DF3F51BA10A}">
-      <p15:sldGuideLst xmlns="" xmlns:p15="http://schemas.microsoft.com/office/powerpoint/2012/main">
+      <p15:sldGuideLst xmlns:p15="http://schemas.microsoft.com/office/powerpoint/2012/main" xmlns="">
         <p15:guide id="1" orient="horz" pos="2160">
           <p15:clr>
             <a:srgbClr val="A4A3A4"/>
@@ -7725,10 +7727,10 @@
           <p:cNvPr id="8" name="Rectangle 7">
             <a:extLst>
               <a:ext uri="{FF2B5EF4-FFF2-40B4-BE49-F238E27FC236}">
-                <a16:creationId xmlns="" xmlns:a16="http://schemas.microsoft.com/office/drawing/2014/main" id="{F81819F9-8CAC-4A6C-8F06-0482027F9736}"/>
+                <a16:creationId xmlns:a16="http://schemas.microsoft.com/office/drawing/2014/main" xmlns="" id="{F81819F9-8CAC-4A6C-8F06-0482027F9736}"/>
               </a:ext>
               <a:ext uri="{C183D7F6-B498-43B3-948B-1728B52AA6E4}">
-                <adec:decorative xmlns="" xmlns:adec="http://schemas.microsoft.com/office/drawing/2017/decorative" val="1"/>
+                <adec:decorative xmlns:adec="http://schemas.microsoft.com/office/drawing/2017/decorative" xmlns="" val="1"/>
               </a:ext>
             </a:extLst>
           </p:cNvPr>
@@ -7738,7 +7740,7 @@
           <p:nvPr>
             <p:extLst>
               <p:ext uri="{386F3935-93C4-4BCD-93E2-E3B085C9AB24}">
-                <p16:designElem xmlns="" xmlns:p16="http://schemas.microsoft.com/office/powerpoint/2015/main" val="1"/>
+                <p16:designElem xmlns:p16="http://schemas.microsoft.com/office/powerpoint/2015/main" xmlns="" val="1"/>
               </p:ext>
             </p:extLst>
           </p:nvPr>
@@ -7785,7 +7787,7 @@
           <p:cNvPr id="2" name="Title 1">
             <a:extLst>
               <a:ext uri="{FF2B5EF4-FFF2-40B4-BE49-F238E27FC236}">
-                <a16:creationId xmlns="" xmlns:a16="http://schemas.microsoft.com/office/drawing/2014/main" id="{ACCA312D-3828-4024-9CA0-545EE469B88F}"/>
+                <a16:creationId xmlns:a16="http://schemas.microsoft.com/office/drawing/2014/main" xmlns="" id="{ACCA312D-3828-4024-9CA0-545EE469B88F}"/>
               </a:ext>
             </a:extLst>
           </p:cNvPr>
@@ -7872,7 +7874,7 @@
           <p:cNvPr id="3" name="Subtitle 2">
             <a:extLst>
               <a:ext uri="{FF2B5EF4-FFF2-40B4-BE49-F238E27FC236}">
-                <a16:creationId xmlns="" xmlns:a16="http://schemas.microsoft.com/office/drawing/2014/main" id="{C7503EA1-3526-455A-926A-3FC10C2110C2}"/>
+                <a16:creationId xmlns:a16="http://schemas.microsoft.com/office/drawing/2014/main" xmlns="" id="{C7503EA1-3526-455A-926A-3FC10C2110C2}"/>
               </a:ext>
             </a:extLst>
           </p:cNvPr>
@@ -7917,10 +7919,10 @@
           <p:cNvPr id="10" name="Rectangle 9">
             <a:extLst>
               <a:ext uri="{FF2B5EF4-FFF2-40B4-BE49-F238E27FC236}">
-                <a16:creationId xmlns="" xmlns:a16="http://schemas.microsoft.com/office/drawing/2014/main" id="{4A98CC08-AEC2-4E8F-8F52-0F5C6372DB4F}"/>
+                <a16:creationId xmlns:a16="http://schemas.microsoft.com/office/drawing/2014/main" xmlns="" id="{4A98CC08-AEC2-4E8F-8F52-0F5C6372DB4F}"/>
               </a:ext>
               <a:ext uri="{C183D7F6-B498-43B3-948B-1728B52AA6E4}">
-                <adec:decorative xmlns="" xmlns:adec="http://schemas.microsoft.com/office/drawing/2017/decorative" val="1"/>
+                <adec:decorative xmlns:adec="http://schemas.microsoft.com/office/drawing/2017/decorative" xmlns="" val="1"/>
               </a:ext>
             </a:extLst>
           </p:cNvPr>
@@ -7930,7 +7932,7 @@
           <p:nvPr>
             <p:extLst>
               <p:ext uri="{386F3935-93C4-4BCD-93E2-E3B085C9AB24}">
-                <p16:designElem xmlns="" xmlns:p16="http://schemas.microsoft.com/office/powerpoint/2015/main" val="1"/>
+                <p16:designElem xmlns:p16="http://schemas.microsoft.com/office/powerpoint/2015/main" xmlns="" val="1"/>
               </p:ext>
             </p:extLst>
           </p:nvPr>
@@ -7980,10 +7982,10 @@
           <p:cNvPr id="12" name="Group 11">
             <a:extLst>
               <a:ext uri="{FF2B5EF4-FFF2-40B4-BE49-F238E27FC236}">
-                <a16:creationId xmlns="" xmlns:a16="http://schemas.microsoft.com/office/drawing/2014/main" id="{5D1545E6-EB3C-4478-A661-A2CA963F129C}"/>
+                <a16:creationId xmlns:a16="http://schemas.microsoft.com/office/drawing/2014/main" xmlns="" id="{5D1545E6-EB3C-4478-A661-A2CA963F129C}"/>
               </a:ext>
               <a:ext uri="{C183D7F6-B498-43B3-948B-1728B52AA6E4}">
-                <adec:decorative xmlns="" xmlns:adec="http://schemas.microsoft.com/office/drawing/2017/decorative" val="1"/>
+                <adec:decorative xmlns:adec="http://schemas.microsoft.com/office/drawing/2017/decorative" xmlns="" val="1"/>
               </a:ext>
             </a:extLst>
           </p:cNvPr>
@@ -7993,7 +7995,7 @@
           <p:nvPr>
             <p:extLst>
               <p:ext uri="{386F3935-93C4-4BCD-93E2-E3B085C9AB24}">
-                <p16:designElem xmlns="" xmlns:p16="http://schemas.microsoft.com/office/powerpoint/2015/main" val="1"/>
+                <p16:designElem xmlns:p16="http://schemas.microsoft.com/office/powerpoint/2015/main" xmlns="" val="1"/>
               </p:ext>
             </p:extLst>
           </p:nvPr>
@@ -8018,10 +8020,10 @@
             <p:cNvPr id="13" name="Freeform 11">
               <a:extLst>
                 <a:ext uri="{FF2B5EF4-FFF2-40B4-BE49-F238E27FC236}">
-                  <a16:creationId xmlns="" xmlns:a16="http://schemas.microsoft.com/office/drawing/2014/main" id="{B2E5B960-0C5D-4F77-8E9F-9F3D883D83C5}"/>
+                  <a16:creationId xmlns:a16="http://schemas.microsoft.com/office/drawing/2014/main" xmlns="" id="{B2E5B960-0C5D-4F77-8E9F-9F3D883D83C5}"/>
                 </a:ext>
                 <a:ext uri="{C183D7F6-B498-43B3-948B-1728B52AA6E4}">
-                  <adec:decorative xmlns="" xmlns:adec="http://schemas.microsoft.com/office/drawing/2017/decorative" val="1"/>
+                  <adec:decorative xmlns:adec="http://schemas.microsoft.com/office/drawing/2017/decorative" xmlns="" val="1"/>
                 </a:ext>
               </a:extLst>
             </p:cNvPr>
@@ -8029,7 +8031,7 @@
             <p:nvPr>
               <p:extLst>
                 <p:ext uri="{386F3935-93C4-4BCD-93E2-E3B085C9AB24}">
-                  <p16:designElem xmlns="" xmlns:p16="http://schemas.microsoft.com/office/powerpoint/2015/main" val="1"/>
+                  <p16:designElem xmlns:p16="http://schemas.microsoft.com/office/powerpoint/2015/main" xmlns="" val="1"/>
                 </p:ext>
               </p:extLst>
             </p:nvPr>
@@ -8090,10 +8092,10 @@
             <p:cNvPr id="14" name="Freeform 12">
               <a:extLst>
                 <a:ext uri="{FF2B5EF4-FFF2-40B4-BE49-F238E27FC236}">
-                  <a16:creationId xmlns="" xmlns:a16="http://schemas.microsoft.com/office/drawing/2014/main" id="{258E44FC-92AD-43A0-BB05-DB268C82D8B2}"/>
+                  <a16:creationId xmlns:a16="http://schemas.microsoft.com/office/drawing/2014/main" xmlns="" id="{258E44FC-92AD-43A0-BB05-DB268C82D8B2}"/>
                 </a:ext>
                 <a:ext uri="{C183D7F6-B498-43B3-948B-1728B52AA6E4}">
-                  <adec:decorative xmlns="" xmlns:adec="http://schemas.microsoft.com/office/drawing/2017/decorative" val="1"/>
+                  <adec:decorative xmlns:adec="http://schemas.microsoft.com/office/drawing/2017/decorative" xmlns="" val="1"/>
                 </a:ext>
               </a:extLst>
             </p:cNvPr>
@@ -8101,7 +8103,7 @@
             <p:nvPr>
               <p:extLst>
                 <p:ext uri="{386F3935-93C4-4BCD-93E2-E3B085C9AB24}">
-                  <p16:designElem xmlns="" xmlns:p16="http://schemas.microsoft.com/office/powerpoint/2015/main" val="1"/>
+                  <p16:designElem xmlns:p16="http://schemas.microsoft.com/office/powerpoint/2015/main" xmlns="" val="1"/>
                 </p:ext>
               </p:extLst>
             </p:nvPr>
@@ -8167,10 +8169,10 @@
             <p:cNvPr id="15" name="Freeform 13">
               <a:extLst>
                 <a:ext uri="{FF2B5EF4-FFF2-40B4-BE49-F238E27FC236}">
-                  <a16:creationId xmlns="" xmlns:a16="http://schemas.microsoft.com/office/drawing/2014/main" id="{C63D3083-A56C-4199-8DE0-63C8BE9EDFE9}"/>
+                  <a16:creationId xmlns:a16="http://schemas.microsoft.com/office/drawing/2014/main" xmlns="" id="{C63D3083-A56C-4199-8DE0-63C8BE9EDFE9}"/>
                 </a:ext>
                 <a:ext uri="{C183D7F6-B498-43B3-948B-1728B52AA6E4}">
-                  <adec:decorative xmlns="" xmlns:adec="http://schemas.microsoft.com/office/drawing/2017/decorative" val="1"/>
+                  <adec:decorative xmlns:adec="http://schemas.microsoft.com/office/drawing/2017/decorative" xmlns="" val="1"/>
                 </a:ext>
               </a:extLst>
             </p:cNvPr>
@@ -8178,7 +8180,7 @@
             <p:nvPr>
               <p:extLst>
                 <p:ext uri="{386F3935-93C4-4BCD-93E2-E3B085C9AB24}">
-                  <p16:designElem xmlns="" xmlns:p16="http://schemas.microsoft.com/office/powerpoint/2015/main" val="1"/>
+                  <p16:designElem xmlns:p16="http://schemas.microsoft.com/office/powerpoint/2015/main" xmlns="" val="1"/>
                 </p:ext>
               </p:extLst>
             </p:nvPr>
@@ -8249,10 +8251,10 @@
             <p:cNvPr id="16" name="Freeform 14">
               <a:extLst>
                 <a:ext uri="{FF2B5EF4-FFF2-40B4-BE49-F238E27FC236}">
-                  <a16:creationId xmlns="" xmlns:a16="http://schemas.microsoft.com/office/drawing/2014/main" id="{C7CD3581-635D-438F-A64F-68404E7AE0B8}"/>
+                  <a16:creationId xmlns:a16="http://schemas.microsoft.com/office/drawing/2014/main" xmlns="" id="{C7CD3581-635D-438F-A64F-68404E7AE0B8}"/>
                 </a:ext>
                 <a:ext uri="{C183D7F6-B498-43B3-948B-1728B52AA6E4}">
-                  <adec:decorative xmlns="" xmlns:adec="http://schemas.microsoft.com/office/drawing/2017/decorative" val="1"/>
+                  <adec:decorative xmlns:adec="http://schemas.microsoft.com/office/drawing/2017/decorative" xmlns="" val="1"/>
                 </a:ext>
               </a:extLst>
             </p:cNvPr>
@@ -8260,7 +8262,7 @@
             <p:nvPr>
               <p:extLst>
                 <p:ext uri="{386F3935-93C4-4BCD-93E2-E3B085C9AB24}">
-                  <p16:designElem xmlns="" xmlns:p16="http://schemas.microsoft.com/office/powerpoint/2015/main" val="1"/>
+                  <p16:designElem xmlns:p16="http://schemas.microsoft.com/office/powerpoint/2015/main" xmlns="" val="1"/>
                 </p:ext>
               </p:extLst>
             </p:nvPr>
@@ -8311,10 +8313,10 @@
             <p:cNvPr id="17" name="Freeform 15">
               <a:extLst>
                 <a:ext uri="{FF2B5EF4-FFF2-40B4-BE49-F238E27FC236}">
-                  <a16:creationId xmlns="" xmlns:a16="http://schemas.microsoft.com/office/drawing/2014/main" id="{AD6904C0-211C-41A2-BDB8-3B07C90BBB4C}"/>
+                  <a16:creationId xmlns:a16="http://schemas.microsoft.com/office/drawing/2014/main" xmlns="" id="{AD6904C0-211C-41A2-BDB8-3B07C90BBB4C}"/>
                 </a:ext>
                 <a:ext uri="{C183D7F6-B498-43B3-948B-1728B52AA6E4}">
-                  <adec:decorative xmlns="" xmlns:adec="http://schemas.microsoft.com/office/drawing/2017/decorative" val="1"/>
+                  <adec:decorative xmlns:adec="http://schemas.microsoft.com/office/drawing/2017/decorative" xmlns="" val="1"/>
                 </a:ext>
               </a:extLst>
             </p:cNvPr>
@@ -8322,7 +8324,7 @@
             <p:nvPr>
               <p:extLst>
                 <p:ext uri="{386F3935-93C4-4BCD-93E2-E3B085C9AB24}">
-                  <p16:designElem xmlns="" xmlns:p16="http://schemas.microsoft.com/office/powerpoint/2015/main" val="1"/>
+                  <p16:designElem xmlns:p16="http://schemas.microsoft.com/office/powerpoint/2015/main" xmlns="" val="1"/>
                 </p:ext>
               </p:extLst>
             </p:nvPr>
@@ -8408,10 +8410,10 @@
             <p:cNvPr id="18" name="Freeform 16">
               <a:extLst>
                 <a:ext uri="{FF2B5EF4-FFF2-40B4-BE49-F238E27FC236}">
-                  <a16:creationId xmlns="" xmlns:a16="http://schemas.microsoft.com/office/drawing/2014/main" id="{B0837DA6-CAF9-4E78-A39E-6358EDE2B108}"/>
+                  <a16:creationId xmlns:a16="http://schemas.microsoft.com/office/drawing/2014/main" xmlns="" id="{B0837DA6-CAF9-4E78-A39E-6358EDE2B108}"/>
                 </a:ext>
                 <a:ext uri="{C183D7F6-B498-43B3-948B-1728B52AA6E4}">
-                  <adec:decorative xmlns="" xmlns:adec="http://schemas.microsoft.com/office/drawing/2017/decorative" val="1"/>
+                  <adec:decorative xmlns:adec="http://schemas.microsoft.com/office/drawing/2017/decorative" xmlns="" val="1"/>
                 </a:ext>
               </a:extLst>
             </p:cNvPr>
@@ -8419,7 +8421,7 @@
             <p:nvPr>
               <p:extLst>
                 <p:ext uri="{386F3935-93C4-4BCD-93E2-E3B085C9AB24}">
-                  <p16:designElem xmlns="" xmlns:p16="http://schemas.microsoft.com/office/powerpoint/2015/main" val="1"/>
+                  <p16:designElem xmlns:p16="http://schemas.microsoft.com/office/powerpoint/2015/main" xmlns="" val="1"/>
                 </p:ext>
               </p:extLst>
             </p:nvPr>
@@ -8500,10 +8502,10 @@
             <p:cNvPr id="19" name="Freeform 17">
               <a:extLst>
                 <a:ext uri="{FF2B5EF4-FFF2-40B4-BE49-F238E27FC236}">
-                  <a16:creationId xmlns="" xmlns:a16="http://schemas.microsoft.com/office/drawing/2014/main" id="{0A99DD7D-3AB3-471E-842F-8AFEA09D07E4}"/>
+                  <a16:creationId xmlns:a16="http://schemas.microsoft.com/office/drawing/2014/main" xmlns="" id="{0A99DD7D-3AB3-471E-842F-8AFEA09D07E4}"/>
                 </a:ext>
                 <a:ext uri="{C183D7F6-B498-43B3-948B-1728B52AA6E4}">
-                  <adec:decorative xmlns="" xmlns:adec="http://schemas.microsoft.com/office/drawing/2017/decorative" val="1"/>
+                  <adec:decorative xmlns:adec="http://schemas.microsoft.com/office/drawing/2017/decorative" xmlns="" val="1"/>
                 </a:ext>
               </a:extLst>
             </p:cNvPr>
@@ -8511,7 +8513,7 @@
             <p:nvPr>
               <p:extLst>
                 <p:ext uri="{386F3935-93C4-4BCD-93E2-E3B085C9AB24}">
-                  <p16:designElem xmlns="" xmlns:p16="http://schemas.microsoft.com/office/powerpoint/2015/main" val="1"/>
+                  <p16:designElem xmlns:p16="http://schemas.microsoft.com/office/powerpoint/2015/main" xmlns="" val="1"/>
                 </p:ext>
               </p:extLst>
             </p:nvPr>
@@ -8572,10 +8574,10 @@
             <p:cNvPr id="20" name="Freeform 18">
               <a:extLst>
                 <a:ext uri="{FF2B5EF4-FFF2-40B4-BE49-F238E27FC236}">
-                  <a16:creationId xmlns="" xmlns:a16="http://schemas.microsoft.com/office/drawing/2014/main" id="{9C70B0D4-92FE-478F-86BD-93BA2C4DFCDC}"/>
+                  <a16:creationId xmlns:a16="http://schemas.microsoft.com/office/drawing/2014/main" xmlns="" id="{9C70B0D4-92FE-478F-86BD-93BA2C4DFCDC}"/>
                 </a:ext>
                 <a:ext uri="{C183D7F6-B498-43B3-948B-1728B52AA6E4}">
-                  <adec:decorative xmlns="" xmlns:adec="http://schemas.microsoft.com/office/drawing/2017/decorative" val="1"/>
+                  <adec:decorative xmlns:adec="http://schemas.microsoft.com/office/drawing/2017/decorative" xmlns="" val="1"/>
                 </a:ext>
               </a:extLst>
             </p:cNvPr>
@@ -8583,7 +8585,7 @@
             <p:nvPr>
               <p:extLst>
                 <p:ext uri="{386F3935-93C4-4BCD-93E2-E3B085C9AB24}">
-                  <p16:designElem xmlns="" xmlns:p16="http://schemas.microsoft.com/office/powerpoint/2015/main" val="1"/>
+                  <p16:designElem xmlns:p16="http://schemas.microsoft.com/office/powerpoint/2015/main" xmlns="" val="1"/>
                 </p:ext>
               </p:extLst>
             </p:nvPr>
@@ -8664,10 +8666,10 @@
             <p:cNvPr id="21" name="Freeform 19">
               <a:extLst>
                 <a:ext uri="{FF2B5EF4-FFF2-40B4-BE49-F238E27FC236}">
-                  <a16:creationId xmlns="" xmlns:a16="http://schemas.microsoft.com/office/drawing/2014/main" id="{C9156BE6-11D4-4696-9E3F-C325BFAC8196}"/>
+                  <a16:creationId xmlns:a16="http://schemas.microsoft.com/office/drawing/2014/main" xmlns="" id="{C9156BE6-11D4-4696-9E3F-C325BFAC8196}"/>
                 </a:ext>
                 <a:ext uri="{C183D7F6-B498-43B3-948B-1728B52AA6E4}">
-                  <adec:decorative xmlns="" xmlns:adec="http://schemas.microsoft.com/office/drawing/2017/decorative" val="1"/>
+                  <adec:decorative xmlns:adec="http://schemas.microsoft.com/office/drawing/2017/decorative" xmlns="" val="1"/>
                 </a:ext>
               </a:extLst>
             </p:cNvPr>
@@ -8675,7 +8677,7 @@
             <p:nvPr>
               <p:extLst>
                 <p:ext uri="{386F3935-93C4-4BCD-93E2-E3B085C9AB24}">
-                  <p16:designElem xmlns="" xmlns:p16="http://schemas.microsoft.com/office/powerpoint/2015/main" val="1"/>
+                  <p16:designElem xmlns:p16="http://schemas.microsoft.com/office/powerpoint/2015/main" xmlns="" val="1"/>
                 </p:ext>
               </p:extLst>
             </p:nvPr>
@@ -8791,10 +8793,10 @@
             <p:cNvPr id="22" name="Freeform 20">
               <a:extLst>
                 <a:ext uri="{FF2B5EF4-FFF2-40B4-BE49-F238E27FC236}">
-                  <a16:creationId xmlns="" xmlns:a16="http://schemas.microsoft.com/office/drawing/2014/main" id="{4E667226-1D20-4A9D-BBE3-AC17EA436F05}"/>
+                  <a16:creationId xmlns:a16="http://schemas.microsoft.com/office/drawing/2014/main" xmlns="" id="{4E667226-1D20-4A9D-BBE3-AC17EA436F05}"/>
                 </a:ext>
                 <a:ext uri="{C183D7F6-B498-43B3-948B-1728B52AA6E4}">
-                  <adec:decorative xmlns="" xmlns:adec="http://schemas.microsoft.com/office/drawing/2017/decorative" val="1"/>
+                  <adec:decorative xmlns:adec="http://schemas.microsoft.com/office/drawing/2017/decorative" xmlns="" val="1"/>
                 </a:ext>
               </a:extLst>
             </p:cNvPr>
@@ -8802,7 +8804,7 @@
             <p:nvPr>
               <p:extLst>
                 <p:ext uri="{386F3935-93C4-4BCD-93E2-E3B085C9AB24}">
-                  <p16:designElem xmlns="" xmlns:p16="http://schemas.microsoft.com/office/powerpoint/2015/main" val="1"/>
+                  <p16:designElem xmlns:p16="http://schemas.microsoft.com/office/powerpoint/2015/main" xmlns="" val="1"/>
                 </p:ext>
               </p:extLst>
             </p:nvPr>
@@ -8853,10 +8855,10 @@
             <p:cNvPr id="23" name="Freeform 21">
               <a:extLst>
                 <a:ext uri="{FF2B5EF4-FFF2-40B4-BE49-F238E27FC236}">
-                  <a16:creationId xmlns="" xmlns:a16="http://schemas.microsoft.com/office/drawing/2014/main" id="{2F87E3B6-5202-4434-9B26-42B46774F327}"/>
+                  <a16:creationId xmlns:a16="http://schemas.microsoft.com/office/drawing/2014/main" xmlns="" id="{2F87E3B6-5202-4434-9B26-42B46774F327}"/>
                 </a:ext>
                 <a:ext uri="{C183D7F6-B498-43B3-948B-1728B52AA6E4}">
-                  <adec:decorative xmlns="" xmlns:adec="http://schemas.microsoft.com/office/drawing/2017/decorative" val="1"/>
+                  <adec:decorative xmlns:adec="http://schemas.microsoft.com/office/drawing/2017/decorative" xmlns="" val="1"/>
                 </a:ext>
               </a:extLst>
             </p:cNvPr>
@@ -8864,7 +8866,7 @@
             <p:nvPr>
               <p:extLst>
                 <p:ext uri="{386F3935-93C4-4BCD-93E2-E3B085C9AB24}">
-                  <p16:designElem xmlns="" xmlns:p16="http://schemas.microsoft.com/office/powerpoint/2015/main" val="1"/>
+                  <p16:designElem xmlns:p16="http://schemas.microsoft.com/office/powerpoint/2015/main" xmlns="" val="1"/>
                 </p:ext>
               </p:extLst>
             </p:nvPr>
@@ -8925,10 +8927,10 @@
             <p:cNvPr id="24" name="Freeform 22">
               <a:extLst>
                 <a:ext uri="{FF2B5EF4-FFF2-40B4-BE49-F238E27FC236}">
-                  <a16:creationId xmlns="" xmlns:a16="http://schemas.microsoft.com/office/drawing/2014/main" id="{AEA5E85F-F1F4-40E4-A62C-95324F674929}"/>
+                  <a16:creationId xmlns:a16="http://schemas.microsoft.com/office/drawing/2014/main" xmlns="" id="{AEA5E85F-F1F4-40E4-A62C-95324F674929}"/>
                 </a:ext>
                 <a:ext uri="{C183D7F6-B498-43B3-948B-1728B52AA6E4}">
-                  <adec:decorative xmlns="" xmlns:adec="http://schemas.microsoft.com/office/drawing/2017/decorative" val="1"/>
+                  <adec:decorative xmlns:adec="http://schemas.microsoft.com/office/drawing/2017/decorative" xmlns="" val="1"/>
                 </a:ext>
               </a:extLst>
             </p:cNvPr>
@@ -8936,7 +8938,7 @@
             <p:nvPr>
               <p:extLst>
                 <p:ext uri="{386F3935-93C4-4BCD-93E2-E3B085C9AB24}">
-                  <p16:designElem xmlns="" xmlns:p16="http://schemas.microsoft.com/office/powerpoint/2015/main" val="1"/>
+                  <p16:designElem xmlns:p16="http://schemas.microsoft.com/office/powerpoint/2015/main" xmlns="" val="1"/>
                 </p:ext>
               </p:extLst>
             </p:nvPr>
@@ -9008,10 +9010,10 @@
           <p:cNvPr id="26" name="Group 25">
             <a:extLst>
               <a:ext uri="{FF2B5EF4-FFF2-40B4-BE49-F238E27FC236}">
-                <a16:creationId xmlns="" xmlns:a16="http://schemas.microsoft.com/office/drawing/2014/main" id="{40A75861-F6C5-44A9-B161-B03701CBDE0C}"/>
+                <a16:creationId xmlns:a16="http://schemas.microsoft.com/office/drawing/2014/main" xmlns="" id="{40A75861-F6C5-44A9-B161-B03701CBDE0C}"/>
               </a:ext>
               <a:ext uri="{C183D7F6-B498-43B3-948B-1728B52AA6E4}">
-                <adec:decorative xmlns="" xmlns:adec="http://schemas.microsoft.com/office/drawing/2017/decorative" val="1"/>
+                <adec:decorative xmlns:adec="http://schemas.microsoft.com/office/drawing/2017/decorative" xmlns="" val="1"/>
               </a:ext>
             </a:extLst>
           </p:cNvPr>
@@ -9021,7 +9023,7 @@
           <p:nvPr>
             <p:extLst>
               <p:ext uri="{386F3935-93C4-4BCD-93E2-E3B085C9AB24}">
-                <p16:designElem xmlns="" xmlns:p16="http://schemas.microsoft.com/office/powerpoint/2015/main" val="1"/>
+                <p16:designElem xmlns:p16="http://schemas.microsoft.com/office/powerpoint/2015/main" xmlns="" val="1"/>
               </p:ext>
             </p:extLst>
           </p:nvPr>
@@ -9045,10 +9047,10 @@
             <p:cNvPr id="27" name="Freeform 27">
               <a:extLst>
                 <a:ext uri="{FF2B5EF4-FFF2-40B4-BE49-F238E27FC236}">
-                  <a16:creationId xmlns="" xmlns:a16="http://schemas.microsoft.com/office/drawing/2014/main" id="{72EE642D-4F69-47C0-99BA-CE435035735F}"/>
+                  <a16:creationId xmlns:a16="http://schemas.microsoft.com/office/drawing/2014/main" xmlns="" id="{72EE642D-4F69-47C0-99BA-CE435035735F}"/>
                 </a:ext>
                 <a:ext uri="{C183D7F6-B498-43B3-948B-1728B52AA6E4}">
-                  <adec:decorative xmlns="" xmlns:adec="http://schemas.microsoft.com/office/drawing/2017/decorative" val="1"/>
+                  <adec:decorative xmlns:adec="http://schemas.microsoft.com/office/drawing/2017/decorative" xmlns="" val="1"/>
                 </a:ext>
               </a:extLst>
             </p:cNvPr>
@@ -9056,7 +9058,7 @@
             <p:nvPr>
               <p:extLst>
                 <p:ext uri="{386F3935-93C4-4BCD-93E2-E3B085C9AB24}">
-                  <p16:designElem xmlns="" xmlns:p16="http://schemas.microsoft.com/office/powerpoint/2015/main" val="1"/>
+                  <p16:designElem xmlns:p16="http://schemas.microsoft.com/office/powerpoint/2015/main" xmlns="" val="1"/>
                 </p:ext>
               </p:extLst>
             </p:nvPr>
@@ -9162,10 +9164,10 @@
             <p:cNvPr id="28" name="Freeform 28">
               <a:extLst>
                 <a:ext uri="{FF2B5EF4-FFF2-40B4-BE49-F238E27FC236}">
-                  <a16:creationId xmlns="" xmlns:a16="http://schemas.microsoft.com/office/drawing/2014/main" id="{26178CE4-DA2D-46EA-AB8D-341C5AC563D6}"/>
+                  <a16:creationId xmlns:a16="http://schemas.microsoft.com/office/drawing/2014/main" xmlns="" id="{26178CE4-DA2D-46EA-AB8D-341C5AC563D6}"/>
                 </a:ext>
                 <a:ext uri="{C183D7F6-B498-43B3-948B-1728B52AA6E4}">
-                  <adec:decorative xmlns="" xmlns:adec="http://schemas.microsoft.com/office/drawing/2017/decorative" val="1"/>
+                  <adec:decorative xmlns:adec="http://schemas.microsoft.com/office/drawing/2017/decorative" xmlns="" val="1"/>
                 </a:ext>
               </a:extLst>
             </p:cNvPr>
@@ -9173,7 +9175,7 @@
             <p:nvPr>
               <p:extLst>
                 <p:ext uri="{386F3935-93C4-4BCD-93E2-E3B085C9AB24}">
-                  <p16:designElem xmlns="" xmlns:p16="http://schemas.microsoft.com/office/powerpoint/2015/main" val="1"/>
+                  <p16:designElem xmlns:p16="http://schemas.microsoft.com/office/powerpoint/2015/main" xmlns="" val="1"/>
                 </p:ext>
               </p:extLst>
             </p:nvPr>
@@ -9244,10 +9246,10 @@
             <p:cNvPr id="29" name="Freeform 29">
               <a:extLst>
                 <a:ext uri="{FF2B5EF4-FFF2-40B4-BE49-F238E27FC236}">
-                  <a16:creationId xmlns="" xmlns:a16="http://schemas.microsoft.com/office/drawing/2014/main" id="{698E9F53-8381-4FA5-A510-846925D242CF}"/>
+                  <a16:creationId xmlns:a16="http://schemas.microsoft.com/office/drawing/2014/main" xmlns="" id="{698E9F53-8381-4FA5-A510-846925D242CF}"/>
                 </a:ext>
                 <a:ext uri="{C183D7F6-B498-43B3-948B-1728B52AA6E4}">
-                  <adec:decorative xmlns="" xmlns:adec="http://schemas.microsoft.com/office/drawing/2017/decorative" val="1"/>
+                  <adec:decorative xmlns:adec="http://schemas.microsoft.com/office/drawing/2017/decorative" xmlns="" val="1"/>
                 </a:ext>
               </a:extLst>
             </p:cNvPr>
@@ -9255,7 +9257,7 @@
             <p:nvPr>
               <p:extLst>
                 <p:ext uri="{386F3935-93C4-4BCD-93E2-E3B085C9AB24}">
-                  <p16:designElem xmlns="" xmlns:p16="http://schemas.microsoft.com/office/powerpoint/2015/main" val="1"/>
+                  <p16:designElem xmlns:p16="http://schemas.microsoft.com/office/powerpoint/2015/main" xmlns="" val="1"/>
                 </p:ext>
               </p:extLst>
             </p:nvPr>
@@ -9326,10 +9328,10 @@
             <p:cNvPr id="30" name="Freeform 30">
               <a:extLst>
                 <a:ext uri="{FF2B5EF4-FFF2-40B4-BE49-F238E27FC236}">
-                  <a16:creationId xmlns="" xmlns:a16="http://schemas.microsoft.com/office/drawing/2014/main" id="{B13CE284-F21E-411B-BB8E-9C03B853CE44}"/>
+                  <a16:creationId xmlns:a16="http://schemas.microsoft.com/office/drawing/2014/main" xmlns="" id="{B13CE284-F21E-411B-BB8E-9C03B853CE44}"/>
                 </a:ext>
                 <a:ext uri="{C183D7F6-B498-43B3-948B-1728B52AA6E4}">
-                  <adec:decorative xmlns="" xmlns:adec="http://schemas.microsoft.com/office/drawing/2017/decorative" val="1"/>
+                  <adec:decorative xmlns:adec="http://schemas.microsoft.com/office/drawing/2017/decorative" xmlns="" val="1"/>
                 </a:ext>
               </a:extLst>
             </p:cNvPr>
@@ -9337,7 +9339,7 @@
             <p:nvPr>
               <p:extLst>
                 <p:ext uri="{386F3935-93C4-4BCD-93E2-E3B085C9AB24}">
-                  <p16:designElem xmlns="" xmlns:p16="http://schemas.microsoft.com/office/powerpoint/2015/main" val="1"/>
+                  <p16:designElem xmlns:p16="http://schemas.microsoft.com/office/powerpoint/2015/main" xmlns="" val="1"/>
                 </p:ext>
               </p:extLst>
             </p:nvPr>
@@ -9423,10 +9425,10 @@
             <p:cNvPr id="31" name="Freeform 31">
               <a:extLst>
                 <a:ext uri="{FF2B5EF4-FFF2-40B4-BE49-F238E27FC236}">
-                  <a16:creationId xmlns="" xmlns:a16="http://schemas.microsoft.com/office/drawing/2014/main" id="{23DF4578-4703-437C-A797-2A2D0CEE5F45}"/>
+                  <a16:creationId xmlns:a16="http://schemas.microsoft.com/office/drawing/2014/main" xmlns="" id="{23DF4578-4703-437C-A797-2A2D0CEE5F45}"/>
                 </a:ext>
                 <a:ext uri="{C183D7F6-B498-43B3-948B-1728B52AA6E4}">
-                  <adec:decorative xmlns="" xmlns:adec="http://schemas.microsoft.com/office/drawing/2017/decorative" val="1"/>
+                  <adec:decorative xmlns:adec="http://schemas.microsoft.com/office/drawing/2017/decorative" xmlns="" val="1"/>
                 </a:ext>
               </a:extLst>
             </p:cNvPr>
@@ -9434,7 +9436,7 @@
             <p:nvPr>
               <p:extLst>
                 <p:ext uri="{386F3935-93C4-4BCD-93E2-E3B085C9AB24}">
-                  <p16:designElem xmlns="" xmlns:p16="http://schemas.microsoft.com/office/powerpoint/2015/main" val="1"/>
+                  <p16:designElem xmlns:p16="http://schemas.microsoft.com/office/powerpoint/2015/main" xmlns="" val="1"/>
                 </p:ext>
               </p:extLst>
             </p:nvPr>
@@ -9530,10 +9532,10 @@
             <p:cNvPr id="32" name="Freeform 32">
               <a:extLst>
                 <a:ext uri="{FF2B5EF4-FFF2-40B4-BE49-F238E27FC236}">
-                  <a16:creationId xmlns="" xmlns:a16="http://schemas.microsoft.com/office/drawing/2014/main" id="{F878F330-AF64-4F8F-88FD-A4A408D6D368}"/>
+                  <a16:creationId xmlns:a16="http://schemas.microsoft.com/office/drawing/2014/main" xmlns="" id="{F878F330-AF64-4F8F-88FD-A4A408D6D368}"/>
                 </a:ext>
                 <a:ext uri="{C183D7F6-B498-43B3-948B-1728B52AA6E4}">
-                  <adec:decorative xmlns="" xmlns:adec="http://schemas.microsoft.com/office/drawing/2017/decorative" val="1"/>
+                  <adec:decorative xmlns:adec="http://schemas.microsoft.com/office/drawing/2017/decorative" xmlns="" val="1"/>
                 </a:ext>
               </a:extLst>
             </p:cNvPr>
@@ -9541,7 +9543,7 @@
             <p:nvPr>
               <p:extLst>
                 <p:ext uri="{386F3935-93C4-4BCD-93E2-E3B085C9AB24}">
-                  <p16:designElem xmlns="" xmlns:p16="http://schemas.microsoft.com/office/powerpoint/2015/main" val="1"/>
+                  <p16:designElem xmlns:p16="http://schemas.microsoft.com/office/powerpoint/2015/main" xmlns="" val="1"/>
                 </p:ext>
               </p:extLst>
             </p:nvPr>
@@ -9592,10 +9594,10 @@
             <p:cNvPr id="33" name="Freeform 33">
               <a:extLst>
                 <a:ext uri="{FF2B5EF4-FFF2-40B4-BE49-F238E27FC236}">
-                  <a16:creationId xmlns="" xmlns:a16="http://schemas.microsoft.com/office/drawing/2014/main" id="{AC9B00BF-4FB7-42FA-BBBD-7DB54ED3F061}"/>
+                  <a16:creationId xmlns:a16="http://schemas.microsoft.com/office/drawing/2014/main" xmlns="" id="{AC9B00BF-4FB7-42FA-BBBD-7DB54ED3F061}"/>
                 </a:ext>
                 <a:ext uri="{C183D7F6-B498-43B3-948B-1728B52AA6E4}">
-                  <adec:decorative xmlns="" xmlns:adec="http://schemas.microsoft.com/office/drawing/2017/decorative" val="1"/>
+                  <adec:decorative xmlns:adec="http://schemas.microsoft.com/office/drawing/2017/decorative" xmlns="" val="1"/>
                 </a:ext>
               </a:extLst>
             </p:cNvPr>
@@ -9603,7 +9605,7 @@
             <p:nvPr>
               <p:extLst>
                 <p:ext uri="{386F3935-93C4-4BCD-93E2-E3B085C9AB24}">
-                  <p16:designElem xmlns="" xmlns:p16="http://schemas.microsoft.com/office/powerpoint/2015/main" val="1"/>
+                  <p16:designElem xmlns:p16="http://schemas.microsoft.com/office/powerpoint/2015/main" xmlns="" val="1"/>
                 </p:ext>
               </p:extLst>
             </p:nvPr>
@@ -9669,10 +9671,10 @@
             <p:cNvPr id="34" name="Freeform 34">
               <a:extLst>
                 <a:ext uri="{FF2B5EF4-FFF2-40B4-BE49-F238E27FC236}">
-                  <a16:creationId xmlns="" xmlns:a16="http://schemas.microsoft.com/office/drawing/2014/main" id="{BD3D64CA-2AAD-4609-8DAA-3EAD4609A6B1}"/>
+                  <a16:creationId xmlns:a16="http://schemas.microsoft.com/office/drawing/2014/main" xmlns="" id="{BD3D64CA-2AAD-4609-8DAA-3EAD4609A6B1}"/>
                 </a:ext>
                 <a:ext uri="{C183D7F6-B498-43B3-948B-1728B52AA6E4}">
-                  <adec:decorative xmlns="" xmlns:adec="http://schemas.microsoft.com/office/drawing/2017/decorative" val="1"/>
+                  <adec:decorative xmlns:adec="http://schemas.microsoft.com/office/drawing/2017/decorative" xmlns="" val="1"/>
                 </a:ext>
               </a:extLst>
             </p:cNvPr>
@@ -9680,7 +9682,7 @@
             <p:nvPr>
               <p:extLst>
                 <p:ext uri="{386F3935-93C4-4BCD-93E2-E3B085C9AB24}">
-                  <p16:designElem xmlns="" xmlns:p16="http://schemas.microsoft.com/office/powerpoint/2015/main" val="1"/>
+                  <p16:designElem xmlns:p16="http://schemas.microsoft.com/office/powerpoint/2015/main" xmlns="" val="1"/>
                 </p:ext>
               </p:extLst>
             </p:nvPr>
@@ -9791,10 +9793,10 @@
             <p:cNvPr id="35" name="Freeform 35">
               <a:extLst>
                 <a:ext uri="{FF2B5EF4-FFF2-40B4-BE49-F238E27FC236}">
-                  <a16:creationId xmlns="" xmlns:a16="http://schemas.microsoft.com/office/drawing/2014/main" id="{C669E05A-8550-4E91-B29E-E1912228EC93}"/>
+                  <a16:creationId xmlns:a16="http://schemas.microsoft.com/office/drawing/2014/main" xmlns="" id="{C669E05A-8550-4E91-B29E-E1912228EC93}"/>
                 </a:ext>
                 <a:ext uri="{C183D7F6-B498-43B3-948B-1728B52AA6E4}">
-                  <adec:decorative xmlns="" xmlns:adec="http://schemas.microsoft.com/office/drawing/2017/decorative" val="1"/>
+                  <adec:decorative xmlns:adec="http://schemas.microsoft.com/office/drawing/2017/decorative" xmlns="" val="1"/>
                 </a:ext>
               </a:extLst>
             </p:cNvPr>
@@ -9802,7 +9804,7 @@
             <p:nvPr>
               <p:extLst>
                 <p:ext uri="{386F3935-93C4-4BCD-93E2-E3B085C9AB24}">
-                  <p16:designElem xmlns="" xmlns:p16="http://schemas.microsoft.com/office/powerpoint/2015/main" val="1"/>
+                  <p16:designElem xmlns:p16="http://schemas.microsoft.com/office/powerpoint/2015/main" xmlns="" val="1"/>
                 </p:ext>
               </p:extLst>
             </p:nvPr>
@@ -9853,10 +9855,10 @@
             <p:cNvPr id="36" name="Freeform 36">
               <a:extLst>
                 <a:ext uri="{FF2B5EF4-FFF2-40B4-BE49-F238E27FC236}">
-                  <a16:creationId xmlns="" xmlns:a16="http://schemas.microsoft.com/office/drawing/2014/main" id="{F8C1FD53-1E8F-46CA-BC2D-FCEC4DAE07F6}"/>
+                  <a16:creationId xmlns:a16="http://schemas.microsoft.com/office/drawing/2014/main" xmlns="" id="{F8C1FD53-1E8F-46CA-BC2D-FCEC4DAE07F6}"/>
                 </a:ext>
                 <a:ext uri="{C183D7F6-B498-43B3-948B-1728B52AA6E4}">
-                  <adec:decorative xmlns="" xmlns:adec="http://schemas.microsoft.com/office/drawing/2017/decorative" val="1"/>
+                  <adec:decorative xmlns:adec="http://schemas.microsoft.com/office/drawing/2017/decorative" xmlns="" val="1"/>
                 </a:ext>
               </a:extLst>
             </p:cNvPr>
@@ -9864,7 +9866,7 @@
             <p:nvPr>
               <p:extLst>
                 <p:ext uri="{386F3935-93C4-4BCD-93E2-E3B085C9AB24}">
-                  <p16:designElem xmlns="" xmlns:p16="http://schemas.microsoft.com/office/powerpoint/2015/main" val="1"/>
+                  <p16:designElem xmlns:p16="http://schemas.microsoft.com/office/powerpoint/2015/main" xmlns="" val="1"/>
                 </p:ext>
               </p:extLst>
             </p:nvPr>
@@ -9935,10 +9937,10 @@
             <p:cNvPr id="37" name="Freeform 37">
               <a:extLst>
                 <a:ext uri="{FF2B5EF4-FFF2-40B4-BE49-F238E27FC236}">
-                  <a16:creationId xmlns="" xmlns:a16="http://schemas.microsoft.com/office/drawing/2014/main" id="{CC97A31F-CFDE-4EA3-98F1-13FDD16702E1}"/>
+                  <a16:creationId xmlns:a16="http://schemas.microsoft.com/office/drawing/2014/main" xmlns="" id="{CC97A31F-CFDE-4EA3-98F1-13FDD16702E1}"/>
                 </a:ext>
                 <a:ext uri="{C183D7F6-B498-43B3-948B-1728B52AA6E4}">
-                  <adec:decorative xmlns="" xmlns:adec="http://schemas.microsoft.com/office/drawing/2017/decorative" val="1"/>
+                  <adec:decorative xmlns:adec="http://schemas.microsoft.com/office/drawing/2017/decorative" xmlns="" val="1"/>
                 </a:ext>
               </a:extLst>
             </p:cNvPr>
@@ -9946,7 +9948,7 @@
             <p:nvPr>
               <p:extLst>
                 <p:ext uri="{386F3935-93C4-4BCD-93E2-E3B085C9AB24}">
-                  <p16:designElem xmlns="" xmlns:p16="http://schemas.microsoft.com/office/powerpoint/2015/main" val="1"/>
+                  <p16:designElem xmlns:p16="http://schemas.microsoft.com/office/powerpoint/2015/main" xmlns="" val="1"/>
                 </p:ext>
               </p:extLst>
             </p:nvPr>
@@ -10012,10 +10014,10 @@
             <p:cNvPr id="38" name="Freeform 38">
               <a:extLst>
                 <a:ext uri="{FF2B5EF4-FFF2-40B4-BE49-F238E27FC236}">
-                  <a16:creationId xmlns="" xmlns:a16="http://schemas.microsoft.com/office/drawing/2014/main" id="{9E1540E7-E6C3-4907-B70A-B17568365597}"/>
+                  <a16:creationId xmlns:a16="http://schemas.microsoft.com/office/drawing/2014/main" xmlns="" id="{9E1540E7-E6C3-4907-B70A-B17568365597}"/>
                 </a:ext>
                 <a:ext uri="{C183D7F6-B498-43B3-948B-1728B52AA6E4}">
-                  <adec:decorative xmlns="" xmlns:adec="http://schemas.microsoft.com/office/drawing/2017/decorative" val="1"/>
+                  <adec:decorative xmlns:adec="http://schemas.microsoft.com/office/drawing/2017/decorative" xmlns="" val="1"/>
                 </a:ext>
               </a:extLst>
             </p:cNvPr>
@@ -10023,7 +10025,7 @@
             <p:nvPr>
               <p:extLst>
                 <p:ext uri="{386F3935-93C4-4BCD-93E2-E3B085C9AB24}">
-                  <p16:designElem xmlns="" xmlns:p16="http://schemas.microsoft.com/office/powerpoint/2015/main" val="1"/>
+                  <p16:designElem xmlns:p16="http://schemas.microsoft.com/office/powerpoint/2015/main" xmlns="" val="1"/>
                 </p:ext>
               </p:extLst>
             </p:nvPr>
@@ -10095,10 +10097,10 @@
           <p:cNvPr id="40" name="Freeform 11">
             <a:extLst>
               <a:ext uri="{FF2B5EF4-FFF2-40B4-BE49-F238E27FC236}">
-                <a16:creationId xmlns="" xmlns:a16="http://schemas.microsoft.com/office/drawing/2014/main" id="{1310EFE2-B91D-47E7-B117-C2A802800A7C}"/>
+                <a16:creationId xmlns:a16="http://schemas.microsoft.com/office/drawing/2014/main" xmlns="" id="{1310EFE2-B91D-47E7-B117-C2A802800A7C}"/>
               </a:ext>
               <a:ext uri="{C183D7F6-B498-43B3-948B-1728B52AA6E4}">
-                <adec:decorative xmlns="" xmlns:adec="http://schemas.microsoft.com/office/drawing/2017/decorative" val="1"/>
+                <adec:decorative xmlns:adec="http://schemas.microsoft.com/office/drawing/2017/decorative" xmlns="" val="1"/>
               </a:ext>
             </a:extLst>
           </p:cNvPr>
@@ -10108,7 +10110,7 @@
           <p:nvPr>
             <p:extLst>
               <p:ext uri="{386F3935-93C4-4BCD-93E2-E3B085C9AB24}">
-                <p16:designElem xmlns="" xmlns:p16="http://schemas.microsoft.com/office/powerpoint/2015/main" val="1"/>
+                <p16:designElem xmlns:p16="http://schemas.microsoft.com/office/powerpoint/2015/main" xmlns="" val="1"/>
               </p:ext>
             </p:extLst>
           </p:nvPr>
@@ -10332,6 +10334,66 @@
 </p:sld>
 </file>
 
+<file path=ppt/slides/slide10.xml><?xml version="1.0" encoding="utf-8"?>
+<p:sld xmlns:a="http://schemas.openxmlformats.org/drawingml/2006/main" xmlns:r="http://schemas.openxmlformats.org/officeDocument/2006/relationships" xmlns:p="http://schemas.openxmlformats.org/presentationml/2006/main">
+  <p:cSld>
+    <p:spTree>
+      <p:nvGrpSpPr>
+        <p:cNvPr id="1" name=""/>
+        <p:cNvGrpSpPr/>
+        <p:nvPr/>
+      </p:nvGrpSpPr>
+      <p:grpSpPr>
+        <a:xfrm>
+          <a:off x="0" y="0"/>
+          <a:ext cx="0" cy="0"/>
+          <a:chOff x="0" y="0"/>
+          <a:chExt cx="0" cy="0"/>
+        </a:xfrm>
+      </p:grpSpPr>
+      <p:sp>
+        <p:nvSpPr>
+          <p:cNvPr id="5" name="Title 4"/>
+          <p:cNvSpPr>
+            <a:spLocks noGrp="1"/>
+          </p:cNvSpPr>
+          <p:nvPr>
+            <p:ph type="title"/>
+          </p:nvPr>
+        </p:nvSpPr>
+        <p:spPr>
+          <a:xfrm>
+            <a:off x="1640156" y="2788555"/>
+            <a:ext cx="8911687" cy="1280890"/>
+          </a:xfrm>
+        </p:spPr>
+        <p:txBody>
+          <a:bodyPr>
+            <a:normAutofit/>
+          </a:bodyPr>
+          <a:lstStyle/>
+          <a:p>
+            <a:pPr algn="ctr"/>
+            <a:r>
+              <a:rPr lang="en-US" sz="6000" b="1" dirty="0"/>
+              <a:t>Live Demo</a:t>
+            </a:r>
+          </a:p>
+        </p:txBody>
+      </p:sp>
+    </p:spTree>
+    <p:extLst>
+      <p:ext uri="{BB962C8B-B14F-4D97-AF65-F5344CB8AC3E}">
+        <p14:creationId xmlns:p14="http://schemas.microsoft.com/office/powerpoint/2010/main" val="3837779923"/>
+      </p:ext>
+    </p:extLst>
+  </p:cSld>
+  <p:clrMapOvr>
+    <a:masterClrMapping/>
+  </p:clrMapOvr>
+</p:sld>
+</file>
+
 <file path=ppt/slides/slide2.xml><?xml version="1.0" encoding="utf-8"?>
 <p:sld xmlns:a="http://schemas.openxmlformats.org/drawingml/2006/main" xmlns:r="http://schemas.openxmlformats.org/officeDocument/2006/relationships" xmlns:p="http://schemas.openxmlformats.org/presentationml/2006/main">
   <p:cSld>
@@ -10420,32 +10482,32 @@
           <a:p>
             <a:pPr algn="ctr"/>
             <a:r>
-              <a:rPr lang="en-US" sz="1400" b="1" dirty="0"/>
+              <a:rPr lang="en-US" sz="1600" b="1" dirty="0"/>
               <a:t>Ruslynn Appana:</a:t>
             </a:r>
           </a:p>
           <a:p>
             <a:pPr algn="ctr"/>
             <a:r>
-              <a:rPr lang="en-US" sz="1400" dirty="0"/>
+              <a:rPr lang="en-US" sz="1600" dirty="0"/>
               <a:t>Interface redesign</a:t>
             </a:r>
           </a:p>
           <a:p>
             <a:pPr algn="ctr"/>
             <a:r>
-              <a:rPr lang="en-US" sz="1400" dirty="0"/>
+              <a:rPr lang="en-US" sz="1600" dirty="0"/>
               <a:t>Maintenance of all existing code to standards</a:t>
             </a:r>
           </a:p>
           <a:p>
             <a:pPr algn="ctr"/>
             <a:r>
-              <a:rPr lang="en-US" sz="1400" b="1" dirty="0"/>
+              <a:rPr lang="en-US" sz="1600" b="1" dirty="0"/>
               <a:t> </a:t>
             </a:r>
             <a:r>
-              <a:rPr lang="en-US" sz="1400" dirty="0"/>
+              <a:rPr lang="en-US" sz="1600" dirty="0"/>
               <a:t> </a:t>
             </a:r>
           </a:p>
@@ -10492,33 +10554,33 @@
           <a:p>
             <a:pPr algn="ctr"/>
             <a:r>
-              <a:rPr lang="en-US" sz="1400" b="1" dirty="0" err="1"/>
+              <a:rPr lang="en-US" sz="1600" b="1" dirty="0" err="1"/>
               <a:t>Jeandre</a:t>
             </a:r>
             <a:r>
-              <a:rPr lang="en-US" sz="1400" b="1" dirty="0"/>
+              <a:rPr lang="en-US" sz="1600" b="1" dirty="0"/>
               <a:t> Botha:</a:t>
             </a:r>
           </a:p>
           <a:p>
             <a:pPr algn="ctr"/>
             <a:r>
-              <a:rPr lang="en-US" sz="1400" dirty="0"/>
+              <a:rPr lang="en-US" sz="1600" dirty="0"/>
               <a:t>Interface redesign</a:t>
             </a:r>
           </a:p>
           <a:p>
             <a:pPr algn="ctr"/>
             <a:r>
-              <a:rPr lang="en-US" sz="1400" dirty="0"/>
+              <a:rPr lang="en-US" sz="1600" dirty="0"/>
               <a:t>Implemented Load balancer.</a:t>
             </a:r>
             <a:r>
-              <a:rPr lang="en-US" sz="1400" b="1" dirty="0"/>
+              <a:rPr lang="en-US" sz="1600" b="1" dirty="0"/>
               <a:t> </a:t>
             </a:r>
             <a:r>
-              <a:rPr lang="en-US" sz="1400" dirty="0"/>
+              <a:rPr lang="en-US" sz="1600" dirty="0"/>
               <a:t> </a:t>
             </a:r>
           </a:p>
@@ -10565,29 +10627,29 @@
           <a:p>
             <a:pPr algn="ctr"/>
             <a:r>
-              <a:rPr lang="en-US" sz="1400" b="1" dirty="0"/>
+              <a:rPr lang="en-US" sz="1600" b="1" dirty="0"/>
               <a:t>Muhammed </a:t>
             </a:r>
             <a:r>
-              <a:rPr lang="en-US" sz="1400" b="1" dirty="0" err="1"/>
+              <a:rPr lang="en-US" sz="1600" b="1" dirty="0" err="1"/>
               <a:t>Carrim</a:t>
             </a:r>
             <a:r>
-              <a:rPr lang="en-US" sz="1400" b="1" dirty="0"/>
+              <a:rPr lang="en-US" sz="1600" b="1" dirty="0"/>
               <a:t>:</a:t>
             </a:r>
           </a:p>
           <a:p>
             <a:pPr algn="ctr"/>
             <a:r>
-              <a:rPr lang="en-US" sz="1400" dirty="0"/>
+              <a:rPr lang="en-US" sz="1600" dirty="0"/>
               <a:t>DDOS Attack Test,</a:t>
             </a:r>
           </a:p>
           <a:p>
             <a:pPr algn="ctr"/>
             <a:r>
-              <a:rPr lang="en-US" sz="1400" dirty="0"/>
+              <a:rPr lang="en-US" sz="1600" dirty="0"/>
               <a:t>Helped with Load Balancing</a:t>
             </a:r>
           </a:p>
@@ -10634,34 +10696,33 @@
           <a:p>
             <a:pPr algn="ctr"/>
             <a:r>
-              <a:rPr lang="en-US" sz="1400" b="1" dirty="0" err="1"/>
+              <a:rPr lang="en-US" sz="1600" b="1" dirty="0" err="1"/>
               <a:t>Sisa</a:t>
             </a:r>
             <a:r>
-              <a:rPr lang="en-US" sz="1400" b="1" dirty="0"/>
+              <a:rPr lang="en-US" sz="1600" b="1" dirty="0"/>
               <a:t> </a:t>
             </a:r>
             <a:r>
-              <a:rPr lang="en-US" sz="1400" b="1" dirty="0" err="1"/>
+              <a:rPr lang="en-US" sz="1600" b="1" dirty="0" err="1"/>
               <a:t>Khoza</a:t>
             </a:r>
             <a:r>
-              <a:rPr lang="en-US" sz="1400" b="1" dirty="0"/>
+              <a:rPr lang="en-US" sz="1600" b="1" dirty="0"/>
               <a:t>: </a:t>
             </a:r>
-            <a:endParaRPr lang="en-US" sz="1400" b="1" dirty="0"/>
           </a:p>
           <a:p>
             <a:pPr algn="ctr"/>
             <a:r>
-              <a:rPr lang="en-US" sz="1400" dirty="0" smtClean="0"/>
+              <a:rPr lang="en-US" sz="1600" dirty="0" smtClean="0"/>
               <a:t>Metrics,  Database Integration </a:t>
             </a:r>
             <a:r>
-              <a:rPr lang="en-US" sz="1400" smtClean="0"/>
+              <a:rPr lang="en-US" sz="1600" smtClean="0"/>
               <a:t>with Metrics</a:t>
             </a:r>
-            <a:endParaRPr lang="en-US" sz="1400" dirty="0"/>
+            <a:endParaRPr lang="en-US" sz="1600" dirty="0"/>
           </a:p>
         </p:txBody>
       </p:sp>
@@ -10706,22 +10767,22 @@
           <a:p>
             <a:pPr algn="ctr"/>
             <a:r>
-              <a:rPr lang="en-US" sz="1400" b="1" dirty="0"/>
+              <a:rPr lang="en-US" sz="1600" b="1" dirty="0"/>
               <a:t>Christiaan </a:t>
             </a:r>
             <a:r>
-              <a:rPr lang="en-US" sz="1400" b="1" dirty="0" err="1"/>
+              <a:rPr lang="en-US" sz="1600" b="1" dirty="0" err="1"/>
               <a:t>Opperman</a:t>
             </a:r>
             <a:r>
-              <a:rPr lang="en-US" sz="1400" b="1" dirty="0"/>
+              <a:rPr lang="en-US" sz="1600" b="1" dirty="0"/>
               <a:t>:</a:t>
             </a:r>
           </a:p>
           <a:p>
             <a:pPr algn="ctr"/>
             <a:r>
-              <a:rPr lang="en-US" sz="1200" dirty="0"/>
+              <a:rPr lang="en-US" sz="1600" dirty="0"/>
               <a:t>Link the interface will database and the security of the interface.</a:t>
             </a:r>
           </a:p>
@@ -11501,33 +11562,240 @@
       </p:sp>
       <p:pic>
         <p:nvPicPr>
-          <p:cNvPr id="4" name="Content Placeholder 3"/>
-          <p:cNvPicPr>
-            <a:picLocks noGrp="1" noChangeAspect="1"/>
-          </p:cNvPicPr>
-          <p:nvPr>
-            <p:ph idx="1"/>
-          </p:nvPr>
+          <p:cNvPr id="7" name="Picture 6"/>
+          <p:cNvPicPr/>
+          <p:nvPr/>
         </p:nvPicPr>
         <p:blipFill>
-          <a:blip r:embed="rId2">
-            <a:extLst>
-              <a:ext uri="{28A0092B-C50C-407E-A947-70E740481C1C}">
-                <a14:useLocalDpi xmlns:a14="http://schemas.microsoft.com/office/drawing/2010/main" val="0"/>
-              </a:ext>
-            </a:extLst>
-          </a:blip>
+          <a:blip r:embed="rId2"/>
+          <a:srcRect/>
           <a:stretch>
             <a:fillRect/>
           </a:stretch>
         </p:blipFill>
+        <p:spPr bwMode="auto">
+          <a:xfrm>
+            <a:off x="2946401" y="1570892"/>
+            <a:ext cx="8550030" cy="4360985"/>
+          </a:xfrm>
+          <a:prstGeom prst="rect">
+            <a:avLst/>
+          </a:prstGeom>
+          <a:noFill/>
+        </p:spPr>
+      </p:pic>
+      <p:sp>
+        <p:nvSpPr>
+          <p:cNvPr id="8" name="TextBox 7"/>
+          <p:cNvSpPr txBox="1"/>
+          <p:nvPr/>
+        </p:nvSpPr>
         <p:spPr>
           <a:xfrm>
-            <a:off x="2102339" y="1333646"/>
-            <a:ext cx="9058031" cy="5301871"/>
+            <a:off x="5556738" y="2680677"/>
+            <a:ext cx="1101970" cy="369332"/>
           </a:xfrm>
+          <a:prstGeom prst="rect">
+            <a:avLst/>
+          </a:prstGeom>
+          <a:noFill/>
         </p:spPr>
-      </p:pic>
+        <p:txBody>
+          <a:bodyPr wrap="square" rtlCol="0">
+            <a:spAutoFit/>
+          </a:bodyPr>
+          <a:lstStyle/>
+          <a:p>
+            <a:r>
+              <a:rPr lang="en-US" dirty="0" smtClean="0"/>
+              <a:t>Request</a:t>
+            </a:r>
+            <a:endParaRPr lang="en-US" dirty="0"/>
+          </a:p>
+        </p:txBody>
+      </p:sp>
+      <p:sp>
+        <p:nvSpPr>
+          <p:cNvPr id="9" name="TextBox 8"/>
+          <p:cNvSpPr txBox="1"/>
+          <p:nvPr/>
+        </p:nvSpPr>
+        <p:spPr>
+          <a:xfrm>
+            <a:off x="6658708" y="2986481"/>
+            <a:ext cx="1840523" cy="369332"/>
+          </a:xfrm>
+          <a:prstGeom prst="rect">
+            <a:avLst/>
+          </a:prstGeom>
+          <a:noFill/>
+        </p:spPr>
+        <p:txBody>
+          <a:bodyPr wrap="square" rtlCol="0">
+            <a:spAutoFit/>
+          </a:bodyPr>
+          <a:lstStyle/>
+          <a:p>
+            <a:r>
+              <a:rPr lang="en-US" dirty="0" err="1" smtClean="0"/>
+              <a:t>Defendr</a:t>
+            </a:r>
+            <a:r>
+              <a:rPr lang="en-US" dirty="0" smtClean="0"/>
+              <a:t> Server</a:t>
+            </a:r>
+            <a:endParaRPr lang="en-US" dirty="0"/>
+          </a:p>
+        </p:txBody>
+      </p:sp>
+      <p:sp>
+        <p:nvSpPr>
+          <p:cNvPr id="10" name="TextBox 9"/>
+          <p:cNvSpPr txBox="1"/>
+          <p:nvPr/>
+        </p:nvSpPr>
+        <p:spPr>
+          <a:xfrm>
+            <a:off x="7948246" y="3566718"/>
+            <a:ext cx="1101970" cy="646331"/>
+          </a:xfrm>
+          <a:prstGeom prst="rect">
+            <a:avLst/>
+          </a:prstGeom>
+          <a:noFill/>
+        </p:spPr>
+        <p:txBody>
+          <a:bodyPr wrap="square" rtlCol="0">
+            <a:spAutoFit/>
+          </a:bodyPr>
+          <a:lstStyle/>
+          <a:p>
+            <a:r>
+              <a:rPr lang="en-US" dirty="0" smtClean="0"/>
+              <a:t>Request Forward</a:t>
+            </a:r>
+            <a:endParaRPr lang="en-US" dirty="0"/>
+          </a:p>
+        </p:txBody>
+      </p:sp>
+      <p:sp>
+        <p:nvSpPr>
+          <p:cNvPr id="11" name="TextBox 10"/>
+          <p:cNvSpPr txBox="1"/>
+          <p:nvPr/>
+        </p:nvSpPr>
+        <p:spPr>
+          <a:xfrm>
+            <a:off x="6420339" y="4735119"/>
+            <a:ext cx="1101970" cy="369332"/>
+          </a:xfrm>
+          <a:prstGeom prst="rect">
+            <a:avLst/>
+          </a:prstGeom>
+          <a:noFill/>
+        </p:spPr>
+        <p:txBody>
+          <a:bodyPr wrap="square" rtlCol="0">
+            <a:spAutoFit/>
+          </a:bodyPr>
+          <a:lstStyle/>
+          <a:p>
+            <a:r>
+              <a:rPr lang="en-US" dirty="0" smtClean="0"/>
+              <a:t>Answer</a:t>
+            </a:r>
+            <a:endParaRPr lang="en-US" dirty="0"/>
+          </a:p>
+        </p:txBody>
+      </p:sp>
+      <p:sp>
+        <p:nvSpPr>
+          <p:cNvPr id="13" name="Rectangle 12"/>
+          <p:cNvSpPr/>
+          <p:nvPr/>
+        </p:nvSpPr>
+        <p:spPr>
+          <a:xfrm>
+            <a:off x="3634155" y="5040923"/>
+            <a:ext cx="2282092" cy="500185"/>
+          </a:xfrm>
+          <a:prstGeom prst="rect">
+            <a:avLst/>
+          </a:prstGeom>
+        </p:spPr>
+        <p:style>
+          <a:lnRef idx="2">
+            <a:schemeClr val="dk1"/>
+          </a:lnRef>
+          <a:fillRef idx="1">
+            <a:schemeClr val="lt1"/>
+          </a:fillRef>
+          <a:effectRef idx="0">
+            <a:schemeClr val="dk1"/>
+          </a:effectRef>
+          <a:fontRef idx="minor">
+            <a:schemeClr val="dk1"/>
+          </a:fontRef>
+        </p:style>
+        <p:txBody>
+          <a:bodyPr rtlCol="0" anchor="ctr"/>
+          <a:lstStyle/>
+          <a:p>
+            <a:pPr algn="ctr"/>
+            <a:r>
+              <a:rPr lang="en-US" dirty="0" smtClean="0"/>
+              <a:t>Third party’s client</a:t>
+            </a:r>
+            <a:endParaRPr lang="en-US" dirty="0"/>
+          </a:p>
+        </p:txBody>
+      </p:sp>
+      <p:sp>
+        <p:nvSpPr>
+          <p:cNvPr id="14" name="Rectangle 13"/>
+          <p:cNvSpPr/>
+          <p:nvPr/>
+        </p:nvSpPr>
+        <p:spPr>
+          <a:xfrm>
+            <a:off x="8745415" y="5104451"/>
+            <a:ext cx="2289909" cy="436657"/>
+          </a:xfrm>
+          <a:prstGeom prst="rect">
+            <a:avLst/>
+          </a:prstGeom>
+        </p:spPr>
+        <p:style>
+          <a:lnRef idx="2">
+            <a:schemeClr val="dk1"/>
+          </a:lnRef>
+          <a:fillRef idx="1">
+            <a:schemeClr val="lt1"/>
+          </a:fillRef>
+          <a:effectRef idx="0">
+            <a:schemeClr val="dk1"/>
+          </a:effectRef>
+          <a:fontRef idx="minor">
+            <a:schemeClr val="dk1"/>
+          </a:fontRef>
+        </p:style>
+        <p:txBody>
+          <a:bodyPr rtlCol="0" anchor="ctr"/>
+          <a:lstStyle/>
+          <a:p>
+            <a:pPr algn="ctr"/>
+            <a:r>
+              <a:rPr lang="en-US" dirty="0" smtClean="0"/>
+              <a:t>Servers/ </a:t>
+            </a:r>
+            <a:r>
+              <a:rPr lang="en-US" dirty="0" err="1" smtClean="0"/>
+              <a:t>Backends</a:t>
+            </a:r>
+            <a:endParaRPr lang="en-US" dirty="0"/>
+          </a:p>
+        </p:txBody>
+      </p:sp>
     </p:spTree>
     <p:extLst>
       <p:ext uri="{BB962C8B-B14F-4D97-AF65-F5344CB8AC3E}">
@@ -11804,7 +12072,7 @@
       </p:grpSpPr>
       <p:sp>
         <p:nvSpPr>
-          <p:cNvPr id="5" name="Title 4"/>
+          <p:cNvPr id="2" name="Title 1"/>
           <p:cNvSpPr>
             <a:spLocks noGrp="1"/>
           </p:cNvSpPr>
@@ -11812,12 +12080,7 @@
             <p:ph type="title"/>
           </p:nvPr>
         </p:nvSpPr>
-        <p:spPr>
-          <a:xfrm>
-            <a:off x="1640156" y="2788555"/>
-            <a:ext cx="8911687" cy="1280890"/>
-          </a:xfrm>
-        </p:spPr>
+        <p:spPr/>
         <p:txBody>
           <a:bodyPr>
             <a:normAutofit/>
@@ -11826,16 +12089,369 @@
           <a:p>
             <a:pPr algn="ctr"/>
             <a:r>
-              <a:rPr lang="en-US" sz="6000" b="1" dirty="0"/>
-              <a:t>Live Demo</a:t>
-            </a:r>
+              <a:rPr lang="en-US" sz="3200" b="1" dirty="0"/>
+              <a:t>Design Patterns</a:t>
+            </a:r>
+            <a:endParaRPr lang="en-US" sz="3200" b="1" dirty="0"/>
+          </a:p>
+        </p:txBody>
+      </p:sp>
+      <p:sp>
+        <p:nvSpPr>
+          <p:cNvPr id="3" name="Content Placeholder 2"/>
+          <p:cNvSpPr>
+            <a:spLocks noGrp="1"/>
+          </p:cNvSpPr>
+          <p:nvPr>
+            <p:ph idx="1"/>
+          </p:nvPr>
+        </p:nvSpPr>
+        <p:spPr>
+          <a:xfrm>
+            <a:off x="2589212" y="2133600"/>
+            <a:ext cx="8915400" cy="2883877"/>
+          </a:xfrm>
+        </p:spPr>
+        <p:txBody>
+          <a:bodyPr/>
+          <a:lstStyle/>
+          <a:p>
+            <a:pPr marL="0" indent="0">
+              <a:buNone/>
+            </a:pPr>
+            <a:r>
+              <a:rPr lang="en-US" b="1" dirty="0" smtClean="0"/>
+              <a:t>Kernel files design patterns:</a:t>
+            </a:r>
+          </a:p>
+          <a:p>
+            <a:r>
+              <a:rPr lang="en-US" dirty="0" smtClean="0"/>
+              <a:t>Singleton</a:t>
+            </a:r>
+          </a:p>
+          <a:p>
+            <a:r>
+              <a:rPr lang="en-US" dirty="0" smtClean="0"/>
+              <a:t>Chain of responsibility</a:t>
+            </a:r>
+          </a:p>
+          <a:p>
+            <a:r>
+              <a:rPr lang="en-US" dirty="0" smtClean="0"/>
+              <a:t>Controller</a:t>
+            </a:r>
+          </a:p>
+          <a:p>
+            <a:pPr marL="0" indent="0">
+              <a:buNone/>
+            </a:pPr>
+            <a:r>
+              <a:rPr lang="en-US" b="1" dirty="0"/>
+              <a:t>Interface design patterns:</a:t>
+            </a:r>
+          </a:p>
+          <a:p>
+            <a:r>
+              <a:rPr lang="en-US" dirty="0" smtClean="0"/>
+              <a:t>Façade</a:t>
+            </a:r>
+          </a:p>
+          <a:p>
+            <a:r>
+              <a:rPr lang="en-US" dirty="0" smtClean="0"/>
+              <a:t>Singleton implemented with  a façade</a:t>
+            </a:r>
+            <a:endParaRPr lang="en-US" dirty="0"/>
+          </a:p>
+          <a:p>
+            <a:pPr marL="0" indent="0">
+              <a:buNone/>
+            </a:pPr>
+            <a:endParaRPr lang="en-US" dirty="0"/>
           </a:p>
         </p:txBody>
       </p:sp>
     </p:spTree>
     <p:extLst>
       <p:ext uri="{BB962C8B-B14F-4D97-AF65-F5344CB8AC3E}">
-        <p14:creationId xmlns:p14="http://schemas.microsoft.com/office/powerpoint/2010/main" val="3837779923"/>
+        <p14:creationId xmlns:p14="http://schemas.microsoft.com/office/powerpoint/2010/main" val="1553006433"/>
+      </p:ext>
+    </p:extLst>
+  </p:cSld>
+  <p:clrMapOvr>
+    <a:masterClrMapping/>
+  </p:clrMapOvr>
+</p:sld>
+</file>
+
+<file path=ppt/slides/slide9.xml><?xml version="1.0" encoding="utf-8"?>
+<p:sld xmlns:a="http://schemas.openxmlformats.org/drawingml/2006/main" xmlns:r="http://schemas.openxmlformats.org/officeDocument/2006/relationships" xmlns:p="http://schemas.openxmlformats.org/presentationml/2006/main">
+  <p:cSld>
+    <p:spTree>
+      <p:nvGrpSpPr>
+        <p:cNvPr id="1" name=""/>
+        <p:cNvGrpSpPr/>
+        <p:nvPr/>
+      </p:nvGrpSpPr>
+      <p:grpSpPr>
+        <a:xfrm>
+          <a:off x="0" y="0"/>
+          <a:ext cx="0" cy="0"/>
+          <a:chOff x="0" y="0"/>
+          <a:chExt cx="0" cy="0"/>
+        </a:xfrm>
+      </p:grpSpPr>
+      <p:sp>
+        <p:nvSpPr>
+          <p:cNvPr id="2" name="Title 1"/>
+          <p:cNvSpPr>
+            <a:spLocks noGrp="1"/>
+          </p:cNvSpPr>
+          <p:nvPr>
+            <p:ph type="title"/>
+          </p:nvPr>
+        </p:nvSpPr>
+        <p:spPr/>
+        <p:txBody>
+          <a:bodyPr/>
+          <a:lstStyle/>
+          <a:p>
+            <a:pPr algn="ctr"/>
+            <a:r>
+              <a:rPr lang="en-US" b="1" dirty="0" smtClean="0"/>
+              <a:t>System Security</a:t>
+            </a:r>
+            <a:endParaRPr lang="en-US" b="1" dirty="0"/>
+          </a:p>
+        </p:txBody>
+      </p:sp>
+      <p:sp>
+        <p:nvSpPr>
+          <p:cNvPr id="3" name="Content Placeholder 2"/>
+          <p:cNvSpPr>
+            <a:spLocks noGrp="1"/>
+          </p:cNvSpPr>
+          <p:nvPr>
+            <p:ph idx="1"/>
+          </p:nvPr>
+        </p:nvSpPr>
+        <p:spPr/>
+        <p:txBody>
+          <a:bodyPr/>
+          <a:lstStyle/>
+          <a:p>
+            <a:r>
+              <a:rPr lang="en-US" dirty="0" smtClean="0"/>
+              <a:t>Disability of USB ports</a:t>
+            </a:r>
+          </a:p>
+          <a:p>
+            <a:r>
+              <a:rPr lang="en-US" dirty="0" smtClean="0"/>
+              <a:t>SHA 512 for hashing</a:t>
+            </a:r>
+          </a:p>
+          <a:p>
+            <a:r>
+              <a:rPr lang="en-US" dirty="0" smtClean="0"/>
+              <a:t>32 letter for slat</a:t>
+            </a:r>
+          </a:p>
+          <a:p>
+            <a:r>
+              <a:rPr lang="en-US" dirty="0" smtClean="0"/>
+              <a:t>3 attempts for the password before a 1min time out</a:t>
+            </a:r>
+          </a:p>
+          <a:p>
+            <a:r>
+              <a:rPr lang="en-US" dirty="0" smtClean="0"/>
+              <a:t>Three roles-based access:</a:t>
+            </a:r>
+          </a:p>
+          <a:p>
+            <a:pPr marL="0" indent="0">
+              <a:buNone/>
+            </a:pPr>
+            <a:endParaRPr lang="en-US" dirty="0" smtClean="0"/>
+          </a:p>
+          <a:p>
+            <a:pPr marL="0" indent="0">
+              <a:buNone/>
+            </a:pPr>
+            <a:r>
+              <a:rPr lang="en-US" dirty="0" smtClean="0"/>
+              <a:t> </a:t>
+            </a:r>
+            <a:endParaRPr lang="en-US" dirty="0"/>
+          </a:p>
+        </p:txBody>
+      </p:sp>
+      <p:graphicFrame>
+        <p:nvGraphicFramePr>
+          <p:cNvPr id="4" name="Table 3"/>
+          <p:cNvGraphicFramePr>
+            <a:graphicFrameLocks noGrp="1"/>
+          </p:cNvGraphicFramePr>
+          <p:nvPr>
+            <p:extLst>
+              <p:ext uri="{D42A27DB-BD31-4B8C-83A1-F6EECF244321}">
+                <p14:modId xmlns:p14="http://schemas.microsoft.com/office/powerpoint/2010/main" val="1908349726"/>
+              </p:ext>
+            </p:extLst>
+          </p:nvPr>
+        </p:nvGraphicFramePr>
+        <p:xfrm>
+          <a:off x="2696308" y="4111543"/>
+          <a:ext cx="8128000" cy="1483360"/>
+        </p:xfrm>
+        <a:graphic>
+          <a:graphicData uri="http://schemas.openxmlformats.org/drawingml/2006/table">
+            <a:tbl>
+              <a:tblPr firstRow="1" bandRow="1">
+                <a:tableStyleId>{B301B821-A1FF-4177-AEE7-76D212191A09}</a:tableStyleId>
+              </a:tblPr>
+              <a:tblGrid>
+                <a:gridCol w="4064000"/>
+                <a:gridCol w="4064000"/>
+              </a:tblGrid>
+              <a:tr h="370840">
+                <a:tc>
+                  <a:txBody>
+                    <a:bodyPr/>
+                    <a:lstStyle/>
+                    <a:p>
+                      <a:pPr algn="ctr"/>
+                      <a:r>
+                        <a:rPr lang="en-US" dirty="0" smtClean="0"/>
+                        <a:t>Role</a:t>
+                      </a:r>
+                      <a:endParaRPr lang="en-US" dirty="0"/>
+                    </a:p>
+                  </a:txBody>
+                  <a:tcPr/>
+                </a:tc>
+                <a:tc>
+                  <a:txBody>
+                    <a:bodyPr/>
+                    <a:lstStyle/>
+                    <a:p>
+                      <a:pPr algn="ctr"/>
+                      <a:r>
+                        <a:rPr lang="en-US" dirty="0" smtClean="0"/>
+                        <a:t>Permission</a:t>
+                      </a:r>
+                      <a:endParaRPr lang="en-US" dirty="0"/>
+                    </a:p>
+                  </a:txBody>
+                  <a:tcPr/>
+                </a:tc>
+              </a:tr>
+              <a:tr h="370840">
+                <a:tc>
+                  <a:txBody>
+                    <a:bodyPr/>
+                    <a:lstStyle/>
+                    <a:p>
+                      <a:pPr algn="ctr"/>
+                      <a:endParaRPr lang="en-US" dirty="0"/>
+                    </a:p>
+                  </a:txBody>
+                  <a:tcPr/>
+                </a:tc>
+                <a:tc>
+                  <a:txBody>
+                    <a:bodyPr/>
+                    <a:lstStyle/>
+                    <a:p>
+                      <a:pPr algn="ctr"/>
+                      <a:r>
+                        <a:rPr lang="en-US" dirty="0" smtClean="0"/>
+                        <a:t>None</a:t>
+                      </a:r>
+                      <a:endParaRPr lang="en-US" dirty="0"/>
+                    </a:p>
+                  </a:txBody>
+                  <a:tcPr/>
+                </a:tc>
+              </a:tr>
+              <a:tr h="370840">
+                <a:tc>
+                  <a:txBody>
+                    <a:bodyPr/>
+                    <a:lstStyle/>
+                    <a:p>
+                      <a:pPr algn="ctr"/>
+                      <a:r>
+                        <a:rPr lang="en-US" dirty="0" smtClean="0"/>
+                        <a:t>User</a:t>
+                      </a:r>
+                      <a:endParaRPr lang="en-US" dirty="0"/>
+                    </a:p>
+                  </a:txBody>
+                  <a:tcPr/>
+                </a:tc>
+                <a:tc>
+                  <a:txBody>
+                    <a:bodyPr/>
+                    <a:lstStyle/>
+                    <a:p>
+                      <a:pPr algn="ctr"/>
+                      <a:r>
+                        <a:rPr lang="en-US" dirty="0" smtClean="0"/>
+                        <a:t>Read</a:t>
+                      </a:r>
+                      <a:endParaRPr lang="en-US" dirty="0"/>
+                    </a:p>
+                  </a:txBody>
+                  <a:tcPr/>
+                </a:tc>
+              </a:tr>
+              <a:tr h="370840">
+                <a:tc>
+                  <a:txBody>
+                    <a:bodyPr/>
+                    <a:lstStyle/>
+                    <a:p>
+                      <a:pPr algn="ctr"/>
+                      <a:r>
+                        <a:rPr lang="en-US" dirty="0" smtClean="0"/>
+                        <a:t>Admin</a:t>
+                      </a:r>
+                      <a:endParaRPr lang="en-US" dirty="0"/>
+                    </a:p>
+                  </a:txBody>
+                  <a:tcPr/>
+                </a:tc>
+                <a:tc>
+                  <a:txBody>
+                    <a:bodyPr/>
+                    <a:lstStyle/>
+                    <a:p>
+                      <a:pPr algn="ctr"/>
+                      <a:r>
+                        <a:rPr lang="en-US" dirty="0" smtClean="0"/>
+                        <a:t>Read</a:t>
+                      </a:r>
+                      <a:r>
+                        <a:rPr lang="en-US" baseline="0" dirty="0" smtClean="0"/>
+                        <a:t> &amp; write</a:t>
+                      </a:r>
+                      <a:endParaRPr lang="en-US" dirty="0"/>
+                    </a:p>
+                  </a:txBody>
+                  <a:tcPr/>
+                </a:tc>
+              </a:tr>
+            </a:tbl>
+          </a:graphicData>
+        </a:graphic>
+      </p:graphicFrame>
+    </p:spTree>
+    <p:extLst>
+      <p:ext uri="{BB962C8B-B14F-4D97-AF65-F5344CB8AC3E}">
+        <p14:creationId xmlns:p14="http://schemas.microsoft.com/office/powerpoint/2010/main" val="1306012611"/>
       </p:ext>
     </p:extLst>
   </p:cSld>
@@ -12082,7 +12698,7 @@
   <a:extraClrSchemeLst/>
   <a:extLst>
     <a:ext uri="{05A4C25C-085E-4340-85A3-A5531E510DB2}">
-      <thm15:themeFamily xmlns="" xmlns:thm15="http://schemas.microsoft.com/office/thememl/2012/main" name="Wisp" id="{7CB32D59-10C0-40DD-B7BD-2E94284A981C}" vid="{24B1A44C-C006-48B2-A4D7-E5549B3D8CD4}"/>
+      <thm15:themeFamily xmlns:thm15="http://schemas.microsoft.com/office/thememl/2012/main" xmlns="" name="Wisp" id="{7CB32D59-10C0-40DD-B7BD-2E94284A981C}" vid="{24B1A44C-C006-48B2-A4D7-E5549B3D8CD4}"/>
     </a:ext>
   </a:extLst>
 </a:theme>
